--- a/IEEE Presentation/RestaurantAppPresentation.pptx
+++ b/IEEE Presentation/RestaurantAppPresentation.pptx
@@ -113,6 +113,11 @@
       </a:defRPr>
     </a:lvl9pPr>
   </p:defaultTextStyle>
+  <p:extLst>
+    <p:ext uri="{EFAFB233-063F-42B5-8137-9DF3F51BA10A}">
+      <p15:sldGuideLst xmlns:p15="http://schemas.microsoft.com/office/powerpoint/2012/main"/>
+    </p:ext>
+  </p:extLst>
 </p:presentation>
 </file>
 
@@ -198,7 +203,7 @@
           <a:p>
             <a:fld id="{89368C8D-FBAD-48FE-B4BB-A2D706C76045}" type="datetimeFigureOut">
               <a:rPr lang="en-CA" smtClean="0"/>
-              <a:t>2019-08-20</a:t>
+              <a:t>2019-08-22</a:t>
             </a:fld>
             <a:endParaRPr lang="en-CA"/>
           </a:p>
@@ -510,1651 +515,2098 @@
           <a:bodyPr/>
           <a:lstStyle/>
           <a:p>
-            <a:r>
-              <a:rPr lang="en-CA" sz="1200" kern="1200" dirty="0">
-                <a:solidFill>
-                  <a:schemeClr val="tx1"/>
-                </a:solidFill>
-                <a:latin typeface="+mn-lt"/>
-                <a:ea typeface="+mn-ea"/>
-                <a:cs typeface="+mn-cs"/>
-              </a:rPr>
+            <a:endParaRPr lang="en-CA" dirty="0"/>
+          </a:p>
+          <a:p>
+            <a:r>
+              <a:rPr lang="en-CA" dirty="0"/>
+              <a:t>USE [master]</a:t>
+            </a:r>
+          </a:p>
+          <a:p>
+            <a:r>
+              <a:rPr lang="en-CA" dirty="0"/>
+              <a:t>GO</a:t>
+            </a:r>
+          </a:p>
+          <a:p>
+            <a:endParaRPr lang="en-CA" dirty="0"/>
+          </a:p>
+          <a:p>
+            <a:r>
+              <a:rPr lang="en-CA" dirty="0"/>
+              <a:t>CREATE DATABASE [</a:t>
+            </a:r>
+            <a:r>
+              <a:rPr lang="en-CA" dirty="0" err="1"/>
+              <a:t>RestaurantDelivery</a:t>
+            </a:r>
+            <a:r>
+              <a:rPr lang="en-CA" dirty="0"/>
+              <a:t>]</a:t>
+            </a:r>
+          </a:p>
+          <a:p>
+            <a:r>
+              <a:rPr lang="en-CA" dirty="0"/>
+              <a:t> CONTAINMENT = NONE</a:t>
+            </a:r>
+          </a:p>
+          <a:p>
+            <a:r>
+              <a:rPr lang="en-CA" dirty="0"/>
+              <a:t> ON  PRIMARY </a:t>
+            </a:r>
+          </a:p>
+          <a:p>
+            <a:r>
+              <a:rPr lang="en-CA" dirty="0"/>
+              <a:t>( NAME = </a:t>
+            </a:r>
+            <a:r>
+              <a:rPr lang="en-CA" dirty="0" err="1"/>
+              <a:t>N'RestaurantDelivery</a:t>
+            </a:r>
+            <a:r>
+              <a:rPr lang="en-CA" dirty="0"/>
+              <a:t>', FILENAME = N'C:\Users\</a:t>
+            </a:r>
+            <a:r>
+              <a:rPr lang="en-CA" dirty="0" err="1"/>
+              <a:t>thiag</a:t>
+            </a:r>
+            <a:r>
+              <a:rPr lang="en-CA" dirty="0"/>
+              <a:t>\</a:t>
+            </a:r>
+            <a:r>
+              <a:rPr lang="en-CA" dirty="0" err="1"/>
+              <a:t>RestaurantDelivery.mdf</a:t>
+            </a:r>
+            <a:r>
+              <a:rPr lang="en-CA" dirty="0"/>
+              <a:t>' , SIZE = 8192KB , MAXSIZE = UNLIMITED, FILEGROWTH = 65536KB )</a:t>
+            </a:r>
+          </a:p>
+          <a:p>
+            <a:r>
+              <a:rPr lang="en-CA" dirty="0"/>
+              <a:t> LOG ON </a:t>
+            </a:r>
+          </a:p>
+          <a:p>
+            <a:r>
+              <a:rPr lang="en-CA" dirty="0"/>
+              <a:t>( NAME = </a:t>
+            </a:r>
+            <a:r>
+              <a:rPr lang="en-CA" dirty="0" err="1"/>
+              <a:t>N'RestaurantDelivery_log</a:t>
+            </a:r>
+            <a:r>
+              <a:rPr lang="en-CA" dirty="0"/>
+              <a:t>', FILENAME = N'C:\Users\</a:t>
+            </a:r>
+            <a:r>
+              <a:rPr lang="en-CA" dirty="0" err="1"/>
+              <a:t>thiag</a:t>
+            </a:r>
+            <a:r>
+              <a:rPr lang="en-CA" dirty="0"/>
+              <a:t>\</a:t>
+            </a:r>
+            <a:r>
+              <a:rPr lang="en-CA" dirty="0" err="1"/>
+              <a:t>RestaurantDelivery_log.ldf</a:t>
+            </a:r>
+            <a:r>
+              <a:rPr lang="en-CA" dirty="0"/>
+              <a:t>' , SIZE = 8192KB , MAXSIZE = 2048GB , FILEGROWTH = 65536KB )</a:t>
+            </a:r>
+          </a:p>
+          <a:p>
+            <a:r>
+              <a:rPr lang="en-CA" dirty="0"/>
+              <a:t>GO</a:t>
+            </a:r>
+          </a:p>
+          <a:p>
+            <a:endParaRPr lang="en-CA" dirty="0"/>
+          </a:p>
+          <a:p>
+            <a:r>
+              <a:rPr lang="en-CA" dirty="0"/>
+              <a:t>ALTER DATABASE [</a:t>
+            </a:r>
+            <a:r>
+              <a:rPr lang="en-CA" dirty="0" err="1"/>
+              <a:t>RestaurantDelivery</a:t>
+            </a:r>
+            <a:r>
+              <a:rPr lang="en-CA" dirty="0"/>
+              <a:t>] SET COMPATIBILITY_LEVEL = 130</a:t>
+            </a:r>
+          </a:p>
+          <a:p>
+            <a:r>
+              <a:rPr lang="en-CA" dirty="0"/>
+              <a:t>GO</a:t>
+            </a:r>
+          </a:p>
+          <a:p>
+            <a:endParaRPr lang="en-CA" dirty="0"/>
+          </a:p>
+          <a:p>
+            <a:r>
+              <a:rPr lang="en-CA" dirty="0"/>
+              <a:t>IF (1 = FULLTEXTSERVICEPROPERTY('</a:t>
+            </a:r>
+            <a:r>
+              <a:rPr lang="en-CA" dirty="0" err="1"/>
+              <a:t>IsFullTextInstalled</a:t>
+            </a:r>
+            <a:r>
+              <a:rPr lang="en-CA" dirty="0"/>
+              <a:t>'))</a:t>
+            </a:r>
+          </a:p>
+          <a:p>
+            <a:r>
+              <a:rPr lang="en-CA" dirty="0"/>
+              <a:t>begin</a:t>
+            </a:r>
+          </a:p>
+          <a:p>
+            <a:r>
+              <a:rPr lang="en-CA" dirty="0"/>
+              <a:t>EXEC [</a:t>
+            </a:r>
+            <a:r>
+              <a:rPr lang="en-CA" dirty="0" err="1"/>
+              <a:t>RestaurantDelivery</a:t>
+            </a:r>
+            <a:r>
+              <a:rPr lang="en-CA" dirty="0"/>
+              <a:t>].[</a:t>
+            </a:r>
+            <a:r>
+              <a:rPr lang="en-CA" dirty="0" err="1"/>
+              <a:t>dbo</a:t>
+            </a:r>
+            <a:r>
+              <a:rPr lang="en-CA" dirty="0"/>
+              <a:t>].[</a:t>
+            </a:r>
+            <a:r>
+              <a:rPr lang="en-CA" dirty="0" err="1"/>
+              <a:t>sp_fulltext_database</a:t>
+            </a:r>
+            <a:r>
+              <a:rPr lang="en-CA" dirty="0"/>
+              <a:t>] @action = 'enable'</a:t>
+            </a:r>
+          </a:p>
+          <a:p>
+            <a:r>
+              <a:rPr lang="en-CA" dirty="0"/>
+              <a:t>end</a:t>
+            </a:r>
+          </a:p>
+          <a:p>
+            <a:r>
+              <a:rPr lang="en-CA" dirty="0"/>
+              <a:t>GO</a:t>
+            </a:r>
+          </a:p>
+          <a:p>
+            <a:endParaRPr lang="en-CA" dirty="0"/>
+          </a:p>
+          <a:p>
+            <a:r>
+              <a:rPr lang="en-CA" dirty="0"/>
+              <a:t>ALTER DATABASE [</a:t>
+            </a:r>
+            <a:r>
+              <a:rPr lang="en-CA" dirty="0" err="1"/>
+              <a:t>RestaurantDelivery</a:t>
+            </a:r>
+            <a:r>
+              <a:rPr lang="en-CA" dirty="0"/>
+              <a:t>] SET ANSI_NULL_DEFAULT OFF </a:t>
+            </a:r>
+          </a:p>
+          <a:p>
+            <a:r>
+              <a:rPr lang="en-CA" dirty="0"/>
+              <a:t>GO</a:t>
+            </a:r>
+          </a:p>
+          <a:p>
+            <a:endParaRPr lang="en-CA" dirty="0"/>
+          </a:p>
+          <a:p>
+            <a:r>
+              <a:rPr lang="en-CA" dirty="0"/>
+              <a:t>ALTER DATABASE [</a:t>
+            </a:r>
+            <a:r>
+              <a:rPr lang="en-CA" dirty="0" err="1"/>
+              <a:t>RestaurantDelivery</a:t>
+            </a:r>
+            <a:r>
+              <a:rPr lang="en-CA" dirty="0"/>
+              <a:t>] SET ANSI_NULLS OFF </a:t>
+            </a:r>
+          </a:p>
+          <a:p>
+            <a:r>
+              <a:rPr lang="en-CA" dirty="0"/>
+              <a:t>GO</a:t>
+            </a:r>
+          </a:p>
+          <a:p>
+            <a:endParaRPr lang="en-CA" dirty="0"/>
+          </a:p>
+          <a:p>
+            <a:r>
+              <a:rPr lang="en-CA" dirty="0"/>
+              <a:t>ALTER DATABASE [</a:t>
+            </a:r>
+            <a:r>
+              <a:rPr lang="en-CA" dirty="0" err="1"/>
+              <a:t>RestaurantDelivery</a:t>
+            </a:r>
+            <a:r>
+              <a:rPr lang="en-CA" dirty="0"/>
+              <a:t>] SET ANSI_PADDING OFF </a:t>
+            </a:r>
+          </a:p>
+          <a:p>
+            <a:r>
+              <a:rPr lang="en-CA" dirty="0"/>
+              <a:t>GO</a:t>
+            </a:r>
+          </a:p>
+          <a:p>
+            <a:endParaRPr lang="en-CA" dirty="0"/>
+          </a:p>
+          <a:p>
+            <a:r>
+              <a:rPr lang="en-CA" dirty="0"/>
+              <a:t>ALTER DATABASE [</a:t>
+            </a:r>
+            <a:r>
+              <a:rPr lang="en-CA" dirty="0" err="1"/>
+              <a:t>RestaurantDelivery</a:t>
+            </a:r>
+            <a:r>
+              <a:rPr lang="en-CA" dirty="0"/>
+              <a:t>] SET ANSI_WARNINGS OFF </a:t>
+            </a:r>
+          </a:p>
+          <a:p>
+            <a:r>
+              <a:rPr lang="en-CA" dirty="0"/>
+              <a:t>GO</a:t>
+            </a:r>
+          </a:p>
+          <a:p>
+            <a:endParaRPr lang="en-CA" dirty="0"/>
+          </a:p>
+          <a:p>
+            <a:r>
+              <a:rPr lang="en-CA" dirty="0"/>
+              <a:t>ALTER DATABASE [</a:t>
+            </a:r>
+            <a:r>
+              <a:rPr lang="en-CA" dirty="0" err="1"/>
+              <a:t>RestaurantDelivery</a:t>
+            </a:r>
+            <a:r>
+              <a:rPr lang="en-CA" dirty="0"/>
+              <a:t>] SET ARITHABORT OFF </a:t>
+            </a:r>
+          </a:p>
+          <a:p>
+            <a:r>
+              <a:rPr lang="en-CA" dirty="0"/>
+              <a:t>GO</a:t>
+            </a:r>
+          </a:p>
+          <a:p>
+            <a:endParaRPr lang="en-CA" dirty="0"/>
+          </a:p>
+          <a:p>
+            <a:r>
+              <a:rPr lang="en-CA" dirty="0"/>
+              <a:t>ALTER DATABASE [</a:t>
+            </a:r>
+            <a:r>
+              <a:rPr lang="en-CA" dirty="0" err="1"/>
+              <a:t>RestaurantDelivery</a:t>
+            </a:r>
+            <a:r>
+              <a:rPr lang="en-CA" dirty="0"/>
+              <a:t>] SET AUTO_CLOSE ON </a:t>
+            </a:r>
+          </a:p>
+          <a:p>
+            <a:r>
+              <a:rPr lang="en-CA" dirty="0"/>
+              <a:t>GO</a:t>
+            </a:r>
+          </a:p>
+          <a:p>
+            <a:endParaRPr lang="en-CA" dirty="0"/>
+          </a:p>
+          <a:p>
+            <a:r>
+              <a:rPr lang="en-CA" dirty="0"/>
+              <a:t>ALTER DATABASE [</a:t>
+            </a:r>
+            <a:r>
+              <a:rPr lang="en-CA" dirty="0" err="1"/>
+              <a:t>RestaurantDelivery</a:t>
+            </a:r>
+            <a:r>
+              <a:rPr lang="en-CA" dirty="0"/>
+              <a:t>] SET AUTO_SHRINK OFF </a:t>
+            </a:r>
+          </a:p>
+          <a:p>
+            <a:r>
+              <a:rPr lang="en-CA" dirty="0"/>
+              <a:t>GO</a:t>
+            </a:r>
+          </a:p>
+          <a:p>
+            <a:endParaRPr lang="en-CA" dirty="0"/>
+          </a:p>
+          <a:p>
+            <a:r>
+              <a:rPr lang="en-CA" dirty="0"/>
+              <a:t>ALTER DATABASE [</a:t>
+            </a:r>
+            <a:r>
+              <a:rPr lang="en-CA" dirty="0" err="1"/>
+              <a:t>RestaurantDelivery</a:t>
+            </a:r>
+            <a:r>
+              <a:rPr lang="en-CA" dirty="0"/>
+              <a:t>] SET AUTO_UPDATE_STATISTICS ON </a:t>
+            </a:r>
+          </a:p>
+          <a:p>
+            <a:r>
+              <a:rPr lang="en-CA" dirty="0"/>
+              <a:t>GO</a:t>
+            </a:r>
+          </a:p>
+          <a:p>
+            <a:endParaRPr lang="en-CA" dirty="0"/>
+          </a:p>
+          <a:p>
+            <a:r>
+              <a:rPr lang="en-CA" dirty="0"/>
+              <a:t>ALTER DATABASE [</a:t>
+            </a:r>
+            <a:r>
+              <a:rPr lang="en-CA" dirty="0" err="1"/>
+              <a:t>RestaurantDelivery</a:t>
+            </a:r>
+            <a:r>
+              <a:rPr lang="en-CA" dirty="0"/>
+              <a:t>] SET CURSOR_CLOSE_ON_COMMIT OFF </a:t>
+            </a:r>
+          </a:p>
+          <a:p>
+            <a:r>
+              <a:rPr lang="en-CA" dirty="0"/>
+              <a:t>GO</a:t>
+            </a:r>
+          </a:p>
+          <a:p>
+            <a:endParaRPr lang="en-CA" dirty="0"/>
+          </a:p>
+          <a:p>
+            <a:r>
+              <a:rPr lang="en-CA" dirty="0"/>
+              <a:t>ALTER DATABASE [</a:t>
+            </a:r>
+            <a:r>
+              <a:rPr lang="en-CA" dirty="0" err="1"/>
+              <a:t>RestaurantDelivery</a:t>
+            </a:r>
+            <a:r>
+              <a:rPr lang="en-CA" dirty="0"/>
+              <a:t>] SET CURSOR_DEFAULT  GLOBAL </a:t>
+            </a:r>
+          </a:p>
+          <a:p>
+            <a:r>
+              <a:rPr lang="en-CA" dirty="0"/>
+              <a:t>GO</a:t>
+            </a:r>
+          </a:p>
+          <a:p>
+            <a:endParaRPr lang="en-CA" dirty="0"/>
+          </a:p>
+          <a:p>
+            <a:r>
+              <a:rPr lang="en-CA" dirty="0"/>
+              <a:t>ALTER DATABASE [</a:t>
+            </a:r>
+            <a:r>
+              <a:rPr lang="en-CA" dirty="0" err="1"/>
+              <a:t>RestaurantDelivery</a:t>
+            </a:r>
+            <a:r>
+              <a:rPr lang="en-CA" dirty="0"/>
+              <a:t>] SET CONCAT_NULL_YIELDS_NULL OFF </a:t>
+            </a:r>
+          </a:p>
+          <a:p>
+            <a:r>
+              <a:rPr lang="en-CA" dirty="0"/>
+              <a:t>GO</a:t>
+            </a:r>
+          </a:p>
+          <a:p>
+            <a:endParaRPr lang="en-CA" dirty="0"/>
+          </a:p>
+          <a:p>
+            <a:r>
+              <a:rPr lang="en-CA" dirty="0"/>
+              <a:t>ALTER DATABASE [</a:t>
+            </a:r>
+            <a:r>
+              <a:rPr lang="en-CA" dirty="0" err="1"/>
+              <a:t>RestaurantDelivery</a:t>
+            </a:r>
+            <a:r>
+              <a:rPr lang="en-CA" dirty="0"/>
+              <a:t>] SET NUMERIC_ROUNDABORT OFF </a:t>
+            </a:r>
+          </a:p>
+          <a:p>
+            <a:r>
+              <a:rPr lang="en-CA" dirty="0"/>
+              <a:t>GO</a:t>
+            </a:r>
+          </a:p>
+          <a:p>
+            <a:endParaRPr lang="en-CA" dirty="0"/>
+          </a:p>
+          <a:p>
+            <a:r>
+              <a:rPr lang="en-CA" dirty="0"/>
+              <a:t>ALTER DATABASE [</a:t>
+            </a:r>
+            <a:r>
+              <a:rPr lang="en-CA" dirty="0" err="1"/>
+              <a:t>RestaurantDelivery</a:t>
+            </a:r>
+            <a:r>
+              <a:rPr lang="en-CA" dirty="0"/>
+              <a:t>] SET QUOTED_IDENTIFIER OFF </a:t>
+            </a:r>
+          </a:p>
+          <a:p>
+            <a:r>
+              <a:rPr lang="en-CA" dirty="0"/>
+              <a:t>GO</a:t>
+            </a:r>
+          </a:p>
+          <a:p>
+            <a:endParaRPr lang="en-CA" dirty="0"/>
+          </a:p>
+          <a:p>
+            <a:r>
+              <a:rPr lang="en-CA" dirty="0"/>
+              <a:t>ALTER DATABASE [</a:t>
+            </a:r>
+            <a:r>
+              <a:rPr lang="en-CA" dirty="0" err="1"/>
+              <a:t>RestaurantDelivery</a:t>
+            </a:r>
+            <a:r>
+              <a:rPr lang="en-CA" dirty="0"/>
+              <a:t>] SET RECURSIVE_TRIGGERS OFF </a:t>
+            </a:r>
+          </a:p>
+          <a:p>
+            <a:r>
+              <a:rPr lang="en-CA" dirty="0"/>
+              <a:t>GO</a:t>
+            </a:r>
+          </a:p>
+          <a:p>
+            <a:endParaRPr lang="en-CA" dirty="0"/>
+          </a:p>
+          <a:p>
+            <a:r>
+              <a:rPr lang="en-CA" dirty="0"/>
+              <a:t>ALTER DATABASE [</a:t>
+            </a:r>
+            <a:r>
+              <a:rPr lang="en-CA" dirty="0" err="1"/>
+              <a:t>RestaurantDelivery</a:t>
+            </a:r>
+            <a:r>
+              <a:rPr lang="en-CA" dirty="0"/>
+              <a:t>] SET  ENABLE_BROKER </a:t>
+            </a:r>
+          </a:p>
+          <a:p>
+            <a:r>
+              <a:rPr lang="en-CA" dirty="0"/>
+              <a:t>GO</a:t>
+            </a:r>
+          </a:p>
+          <a:p>
+            <a:endParaRPr lang="en-CA" dirty="0"/>
+          </a:p>
+          <a:p>
+            <a:r>
+              <a:rPr lang="en-CA" dirty="0"/>
+              <a:t>ALTER DATABASE [</a:t>
+            </a:r>
+            <a:r>
+              <a:rPr lang="en-CA" dirty="0" err="1"/>
+              <a:t>RestaurantDelivery</a:t>
+            </a:r>
+            <a:r>
+              <a:rPr lang="en-CA" dirty="0"/>
+              <a:t>] SET AUTO_UPDATE_STATISTICS_ASYNC OFF </a:t>
+            </a:r>
+          </a:p>
+          <a:p>
+            <a:r>
+              <a:rPr lang="en-CA" dirty="0"/>
+              <a:t>GO</a:t>
+            </a:r>
+          </a:p>
+          <a:p>
+            <a:endParaRPr lang="en-CA" dirty="0"/>
+          </a:p>
+          <a:p>
+            <a:r>
+              <a:rPr lang="en-CA" dirty="0"/>
+              <a:t>ALTER DATABASE [</a:t>
+            </a:r>
+            <a:r>
+              <a:rPr lang="en-CA" dirty="0" err="1"/>
+              <a:t>RestaurantDelivery</a:t>
+            </a:r>
+            <a:r>
+              <a:rPr lang="en-CA" dirty="0"/>
+              <a:t>] SET DATE_CORRELATION_OPTIMIZATION OFF </a:t>
+            </a:r>
+          </a:p>
+          <a:p>
+            <a:r>
+              <a:rPr lang="en-CA" dirty="0"/>
+              <a:t>GO</a:t>
+            </a:r>
+          </a:p>
+          <a:p>
+            <a:endParaRPr lang="en-CA" dirty="0"/>
+          </a:p>
+          <a:p>
+            <a:r>
+              <a:rPr lang="en-CA" dirty="0"/>
+              <a:t>ALTER DATABASE [</a:t>
+            </a:r>
+            <a:r>
+              <a:rPr lang="en-CA" dirty="0" err="1"/>
+              <a:t>RestaurantDelivery</a:t>
+            </a:r>
+            <a:r>
+              <a:rPr lang="en-CA" dirty="0"/>
+              <a:t>] SET TRUSTWORTHY OFF </a:t>
+            </a:r>
+          </a:p>
+          <a:p>
+            <a:r>
+              <a:rPr lang="en-CA" dirty="0"/>
+              <a:t>GO</a:t>
+            </a:r>
+          </a:p>
+          <a:p>
+            <a:endParaRPr lang="en-CA" dirty="0"/>
+          </a:p>
+          <a:p>
+            <a:r>
+              <a:rPr lang="en-CA" dirty="0"/>
+              <a:t>ALTER DATABASE [</a:t>
+            </a:r>
+            <a:r>
+              <a:rPr lang="en-CA" dirty="0" err="1"/>
+              <a:t>RestaurantDelivery</a:t>
+            </a:r>
+            <a:r>
+              <a:rPr lang="en-CA" dirty="0"/>
+              <a:t>] SET ALLOW_SNAPSHOT_ISOLATION OFF </a:t>
+            </a:r>
+          </a:p>
+          <a:p>
+            <a:r>
+              <a:rPr lang="en-CA" dirty="0"/>
+              <a:t>GO</a:t>
+            </a:r>
+          </a:p>
+          <a:p>
+            <a:endParaRPr lang="en-CA" dirty="0"/>
+          </a:p>
+          <a:p>
+            <a:r>
+              <a:rPr lang="en-CA" dirty="0"/>
+              <a:t>ALTER DATABASE [</a:t>
+            </a:r>
+            <a:r>
+              <a:rPr lang="en-CA" dirty="0" err="1"/>
+              <a:t>RestaurantDelivery</a:t>
+            </a:r>
+            <a:r>
+              <a:rPr lang="en-CA" dirty="0"/>
+              <a:t>] SET PARAMETERIZATION SIMPLE </a:t>
+            </a:r>
+          </a:p>
+          <a:p>
+            <a:r>
+              <a:rPr lang="en-CA" dirty="0"/>
+              <a:t>GO</a:t>
+            </a:r>
+          </a:p>
+          <a:p>
+            <a:endParaRPr lang="en-CA" dirty="0"/>
+          </a:p>
+          <a:p>
+            <a:r>
+              <a:rPr lang="en-CA" dirty="0"/>
+              <a:t>ALTER DATABASE [</a:t>
+            </a:r>
+            <a:r>
+              <a:rPr lang="en-CA" dirty="0" err="1"/>
+              <a:t>RestaurantDelivery</a:t>
+            </a:r>
+            <a:r>
+              <a:rPr lang="en-CA" dirty="0"/>
+              <a:t>] SET READ_COMMITTED_SNAPSHOT ON </a:t>
+            </a:r>
+          </a:p>
+          <a:p>
+            <a:r>
+              <a:rPr lang="en-CA" dirty="0"/>
+              <a:t>GO</a:t>
+            </a:r>
+          </a:p>
+          <a:p>
+            <a:endParaRPr lang="en-CA" dirty="0"/>
+          </a:p>
+          <a:p>
+            <a:r>
+              <a:rPr lang="en-CA" dirty="0"/>
+              <a:t>ALTER DATABASE [</a:t>
+            </a:r>
+            <a:r>
+              <a:rPr lang="en-CA" dirty="0" err="1"/>
+              <a:t>RestaurantDelivery</a:t>
+            </a:r>
+            <a:r>
+              <a:rPr lang="en-CA" dirty="0"/>
+              <a:t>] SET HONOR_BROKER_PRIORITY OFF </a:t>
+            </a:r>
+          </a:p>
+          <a:p>
+            <a:r>
+              <a:rPr lang="en-CA" dirty="0"/>
+              <a:t>GO</a:t>
+            </a:r>
+          </a:p>
+          <a:p>
+            <a:endParaRPr lang="en-CA" dirty="0"/>
+          </a:p>
+          <a:p>
+            <a:r>
+              <a:rPr lang="en-CA" dirty="0"/>
+              <a:t>ALTER DATABASE [</a:t>
+            </a:r>
+            <a:r>
+              <a:rPr lang="en-CA" dirty="0" err="1"/>
+              <a:t>RestaurantDelivery</a:t>
+            </a:r>
+            <a:r>
+              <a:rPr lang="en-CA" dirty="0"/>
+              <a:t>] SET RECOVERY SIMPLE </a:t>
+            </a:r>
+          </a:p>
+          <a:p>
+            <a:r>
+              <a:rPr lang="en-CA" dirty="0"/>
+              <a:t>GO</a:t>
+            </a:r>
+          </a:p>
+          <a:p>
+            <a:endParaRPr lang="en-CA" dirty="0"/>
+          </a:p>
+          <a:p>
+            <a:r>
+              <a:rPr lang="en-CA" dirty="0"/>
+              <a:t>ALTER DATABASE [</a:t>
+            </a:r>
+            <a:r>
+              <a:rPr lang="en-CA" dirty="0" err="1"/>
+              <a:t>RestaurantDelivery</a:t>
+            </a:r>
+            <a:r>
+              <a:rPr lang="en-CA" dirty="0"/>
+              <a:t>] SET  MULTI_USER </a:t>
+            </a:r>
+          </a:p>
+          <a:p>
+            <a:r>
+              <a:rPr lang="en-CA" dirty="0"/>
+              <a:t>GO</a:t>
+            </a:r>
+          </a:p>
+          <a:p>
+            <a:endParaRPr lang="en-CA" dirty="0"/>
+          </a:p>
+          <a:p>
+            <a:r>
+              <a:rPr lang="en-CA" dirty="0"/>
+              <a:t>ALTER DATABASE [</a:t>
+            </a:r>
+            <a:r>
+              <a:rPr lang="en-CA" dirty="0" err="1"/>
+              <a:t>RestaurantDelivery</a:t>
+            </a:r>
+            <a:r>
+              <a:rPr lang="en-CA" dirty="0"/>
+              <a:t>] SET PAGE_VERIFY CHECKSUM  </a:t>
+            </a:r>
+          </a:p>
+          <a:p>
+            <a:r>
+              <a:rPr lang="en-CA" dirty="0"/>
+              <a:t>GO</a:t>
+            </a:r>
+          </a:p>
+          <a:p>
+            <a:endParaRPr lang="en-CA" dirty="0"/>
+          </a:p>
+          <a:p>
+            <a:r>
+              <a:rPr lang="en-CA" dirty="0"/>
+              <a:t>ALTER DATABASE [</a:t>
+            </a:r>
+            <a:r>
+              <a:rPr lang="en-CA" dirty="0" err="1"/>
+              <a:t>RestaurantDelivery</a:t>
+            </a:r>
+            <a:r>
+              <a:rPr lang="en-CA" dirty="0"/>
+              <a:t>] SET DB_CHAINING OFF </a:t>
+            </a:r>
+          </a:p>
+          <a:p>
+            <a:r>
+              <a:rPr lang="en-CA" dirty="0"/>
+              <a:t>GO</a:t>
+            </a:r>
+          </a:p>
+          <a:p>
+            <a:endParaRPr lang="en-CA" dirty="0"/>
+          </a:p>
+          <a:p>
+            <a:r>
+              <a:rPr lang="en-CA" dirty="0"/>
+              <a:t>ALTER DATABASE [</a:t>
+            </a:r>
+            <a:r>
+              <a:rPr lang="en-CA" dirty="0" err="1"/>
+              <a:t>RestaurantDelivery</a:t>
+            </a:r>
+            <a:r>
+              <a:rPr lang="en-CA" dirty="0"/>
+              <a:t>] SET FILESTREAM( NON_TRANSACTED_ACCESS = OFF ) </a:t>
+            </a:r>
+          </a:p>
+          <a:p>
+            <a:r>
+              <a:rPr lang="en-CA" dirty="0"/>
+              <a:t>GO</a:t>
+            </a:r>
+          </a:p>
+          <a:p>
+            <a:endParaRPr lang="en-CA" dirty="0"/>
+          </a:p>
+          <a:p>
+            <a:r>
+              <a:rPr lang="en-CA" dirty="0"/>
+              <a:t>ALTER DATABASE [</a:t>
+            </a:r>
+            <a:r>
+              <a:rPr lang="en-CA" dirty="0" err="1"/>
+              <a:t>RestaurantDelivery</a:t>
+            </a:r>
+            <a:r>
+              <a:rPr lang="en-CA" dirty="0"/>
+              <a:t>] SET TARGET_RECOVERY_TIME = 60 SECONDS </a:t>
+            </a:r>
+          </a:p>
+          <a:p>
+            <a:r>
+              <a:rPr lang="en-CA" dirty="0"/>
+              <a:t>GO</a:t>
+            </a:r>
+          </a:p>
+          <a:p>
+            <a:endParaRPr lang="en-CA" dirty="0"/>
+          </a:p>
+          <a:p>
+            <a:r>
+              <a:rPr lang="en-CA" dirty="0"/>
+              <a:t>ALTER DATABASE [</a:t>
+            </a:r>
+            <a:r>
+              <a:rPr lang="en-CA" dirty="0" err="1"/>
+              <a:t>RestaurantDelivery</a:t>
+            </a:r>
+            <a:r>
+              <a:rPr lang="en-CA" dirty="0"/>
+              <a:t>] SET DELAYED_DURABILITY = DISABLED </a:t>
+            </a:r>
+          </a:p>
+          <a:p>
+            <a:r>
+              <a:rPr lang="en-CA" dirty="0"/>
+              <a:t>GO</a:t>
+            </a:r>
+          </a:p>
+          <a:p>
+            <a:endParaRPr lang="en-CA" dirty="0"/>
+          </a:p>
+          <a:p>
+            <a:r>
+              <a:rPr lang="en-CA" dirty="0"/>
+              <a:t>ALTER DATABASE [</a:t>
+            </a:r>
+            <a:r>
+              <a:rPr lang="en-CA" dirty="0" err="1"/>
+              <a:t>RestaurantDelivery</a:t>
+            </a:r>
+            <a:r>
+              <a:rPr lang="en-CA" dirty="0"/>
+              <a:t>] SET QUERY_STORE = OFF</a:t>
+            </a:r>
+          </a:p>
+          <a:p>
+            <a:r>
+              <a:rPr lang="en-CA" dirty="0"/>
+              <a:t>GO</a:t>
+            </a:r>
+          </a:p>
+          <a:p>
+            <a:endParaRPr lang="en-CA" dirty="0"/>
+          </a:p>
+          <a:p>
+            <a:r>
+              <a:rPr lang="en-CA" dirty="0"/>
+              <a:t>USE [</a:t>
+            </a:r>
+            <a:r>
+              <a:rPr lang="en-CA" dirty="0" err="1"/>
+              <a:t>RestaurantDelivery</a:t>
+            </a:r>
+            <a:r>
+              <a:rPr lang="en-CA" dirty="0"/>
+              <a:t>]</a:t>
+            </a:r>
+          </a:p>
+          <a:p>
+            <a:r>
+              <a:rPr lang="en-CA" dirty="0"/>
+              <a:t>GO</a:t>
+            </a:r>
+          </a:p>
+          <a:p>
+            <a:endParaRPr lang="en-CA" dirty="0"/>
+          </a:p>
+          <a:p>
+            <a:r>
+              <a:rPr lang="en-CA" dirty="0"/>
+              <a:t>ALTER DATABASE SCOPED CONFIGURATION SET LEGACY_CARDINALITY_ESTIMATION = OFF;</a:t>
+            </a:r>
+          </a:p>
+          <a:p>
+            <a:r>
+              <a:rPr lang="en-CA" dirty="0"/>
+              <a:t>GO</a:t>
+            </a:r>
+          </a:p>
+          <a:p>
+            <a:endParaRPr lang="en-CA" dirty="0"/>
+          </a:p>
+          <a:p>
+            <a:r>
+              <a:rPr lang="en-CA" dirty="0"/>
+              <a:t>ALTER DATABASE SCOPED CONFIGURATION SET MAXDOP = 0;</a:t>
+            </a:r>
+          </a:p>
+          <a:p>
+            <a:r>
+              <a:rPr lang="en-CA" dirty="0"/>
+              <a:t>GO</a:t>
+            </a:r>
+          </a:p>
+          <a:p>
+            <a:endParaRPr lang="en-CA" dirty="0"/>
+          </a:p>
+          <a:p>
+            <a:r>
+              <a:rPr lang="en-CA" dirty="0"/>
+              <a:t>ALTER DATABASE SCOPED CONFIGURATION SET PARAMETER_SNIFFING = ON;</a:t>
+            </a:r>
+          </a:p>
+          <a:p>
+            <a:r>
+              <a:rPr lang="en-CA" dirty="0"/>
+              <a:t>GO</a:t>
+            </a:r>
+          </a:p>
+          <a:p>
+            <a:endParaRPr lang="en-CA" dirty="0"/>
+          </a:p>
+          <a:p>
+            <a:r>
+              <a:rPr lang="en-CA" dirty="0"/>
+              <a:t>ALTER DATABASE SCOPED CONFIGURATION SET QUERY_OPTIMIZER_HOTFIXES = OFF;</a:t>
+            </a:r>
+          </a:p>
+          <a:p>
+            <a:r>
+              <a:rPr lang="en-CA" dirty="0"/>
+              <a:t>GO</a:t>
+            </a:r>
+          </a:p>
+          <a:p>
+            <a:endParaRPr lang="en-CA" dirty="0"/>
+          </a:p>
+          <a:p>
+            <a:r>
+              <a:rPr lang="en-CA" dirty="0"/>
+              <a:t>ALTER DATABASE [</a:t>
+            </a:r>
+            <a:r>
+              <a:rPr lang="en-CA" dirty="0" err="1"/>
+              <a:t>RestaurantDelivery</a:t>
+            </a:r>
+            <a:r>
+              <a:rPr lang="en-CA" dirty="0"/>
+              <a:t>] SET  READ_WRITE </a:t>
+            </a:r>
+          </a:p>
+          <a:p>
+            <a:r>
+              <a:rPr lang="en-CA" dirty="0"/>
+              <a:t>GO</a:t>
+            </a:r>
+          </a:p>
+          <a:p>
+            <a:endParaRPr lang="en-CA" dirty="0"/>
+          </a:p>
+          <a:p>
+            <a:endParaRPr lang="en-CA" dirty="0"/>
+          </a:p>
+          <a:p>
+            <a:r>
+              <a:rPr lang="en-CA" dirty="0"/>
               <a:t>CREATE TABLE [</a:t>
             </a:r>
             <a:r>
-              <a:rPr lang="en-CA" sz="1200" kern="1200" dirty="0" err="1">
-                <a:solidFill>
-                  <a:schemeClr val="tx1"/>
-                </a:solidFill>
-                <a:latin typeface="+mn-lt"/>
-                <a:ea typeface="+mn-ea"/>
-                <a:cs typeface="+mn-cs"/>
-              </a:rPr>
+              <a:rPr lang="en-CA" dirty="0" err="1"/>
               <a:t>dbo</a:t>
             </a:r>
             <a:r>
-              <a:rPr lang="en-CA" sz="1200" kern="1200" dirty="0">
-                <a:solidFill>
-                  <a:schemeClr val="tx1"/>
-                </a:solidFill>
-                <a:latin typeface="+mn-lt"/>
-                <a:ea typeface="+mn-ea"/>
-                <a:cs typeface="+mn-cs"/>
-              </a:rPr>
+              <a:rPr lang="en-CA" dirty="0"/>
+              <a:t>].[</a:t>
+            </a:r>
+            <a:r>
+              <a:rPr lang="en-CA" dirty="0" err="1"/>
+              <a:t>MenuItem</a:t>
+            </a:r>
+            <a:r>
+              <a:rPr lang="en-CA" dirty="0"/>
+              <a:t>](</a:t>
+            </a:r>
+          </a:p>
+          <a:p>
+            <a:r>
+              <a:rPr lang="en-CA" dirty="0"/>
+              <a:t>	[</a:t>
+            </a:r>
+            <a:r>
+              <a:rPr lang="en-CA" dirty="0" err="1"/>
+              <a:t>IdMenuItem</a:t>
+            </a:r>
+            <a:r>
+              <a:rPr lang="en-CA" dirty="0"/>
+              <a:t>] [int] IDENTITY(1,1) NOT NULL,</a:t>
+            </a:r>
+          </a:p>
+          <a:p>
+            <a:r>
+              <a:rPr lang="en-CA" dirty="0"/>
+              <a:t>	[</a:t>
+            </a:r>
+            <a:r>
+              <a:rPr lang="en-CA" dirty="0" err="1"/>
+              <a:t>IdRestaurant</a:t>
+            </a:r>
+            <a:r>
+              <a:rPr lang="en-CA" dirty="0"/>
+              <a:t>] [int] NOT NULL,</a:t>
+            </a:r>
+          </a:p>
+          <a:p>
+            <a:r>
+              <a:rPr lang="en-CA" dirty="0"/>
+              <a:t>	[</a:t>
+            </a:r>
+            <a:r>
+              <a:rPr lang="en-CA" dirty="0" err="1"/>
+              <a:t>ItemName</a:t>
+            </a:r>
+            <a:r>
+              <a:rPr lang="en-CA" dirty="0"/>
+              <a:t>] [varchar](30) NULL,</a:t>
+            </a:r>
+          </a:p>
+          <a:p>
+            <a:r>
+              <a:rPr lang="en-CA" dirty="0"/>
+              <a:t>	[</a:t>
+            </a:r>
+            <a:r>
+              <a:rPr lang="en-CA" dirty="0" err="1"/>
+              <a:t>ItemDescription</a:t>
+            </a:r>
+            <a:r>
+              <a:rPr lang="en-CA" dirty="0"/>
+              <a:t>] [varchar](50) NULL,</a:t>
+            </a:r>
+          </a:p>
+          <a:p>
+            <a:r>
+              <a:rPr lang="en-CA" dirty="0"/>
+              <a:t>	[</a:t>
+            </a:r>
+            <a:r>
+              <a:rPr lang="en-CA" dirty="0" err="1"/>
+              <a:t>ItemPrice</a:t>
+            </a:r>
+            <a:r>
+              <a:rPr lang="en-CA" dirty="0"/>
+              <a:t>] [decimal](18, 0) NULL,</a:t>
+            </a:r>
+          </a:p>
+          <a:p>
+            <a:r>
+              <a:rPr lang="en-CA" dirty="0"/>
+              <a:t> CONSTRAINT [</a:t>
+            </a:r>
+            <a:r>
+              <a:rPr lang="en-CA" dirty="0" err="1"/>
+              <a:t>PK_MenuItems</a:t>
+            </a:r>
+            <a:r>
+              <a:rPr lang="en-CA" dirty="0"/>
+              <a:t>] PRIMARY KEY CLUSTERED </a:t>
+            </a:r>
+          </a:p>
+          <a:p>
+            <a:r>
+              <a:rPr lang="en-CA" dirty="0"/>
+              <a:t>(</a:t>
+            </a:r>
+          </a:p>
+          <a:p>
+            <a:r>
+              <a:rPr lang="en-CA" dirty="0"/>
+              <a:t>	[</a:t>
+            </a:r>
+            <a:r>
+              <a:rPr lang="en-CA" dirty="0" err="1"/>
+              <a:t>IdMenuItem</a:t>
+            </a:r>
+            <a:r>
+              <a:rPr lang="en-CA" dirty="0"/>
+              <a:t>] ASC</a:t>
+            </a:r>
+          </a:p>
+          <a:p>
+            <a:r>
+              <a:rPr lang="en-CA" dirty="0"/>
+              <a:t>)WITH (PAD_INDEX = OFF, STATISTICS_NORECOMPUTE = OFF, IGNORE_DUP_KEY = OFF, ALLOW_ROW_LOCKS = ON, ALLOW_PAGE_LOCKS = ON) ON [PRIMARY]</a:t>
+            </a:r>
+          </a:p>
+          <a:p>
+            <a:r>
+              <a:rPr lang="en-CA" dirty="0"/>
+              <a:t>) ON [PRIMARY]</a:t>
+            </a:r>
+          </a:p>
+          <a:p>
+            <a:r>
+              <a:rPr lang="en-CA" dirty="0"/>
+              <a:t>GO</a:t>
+            </a:r>
+          </a:p>
+          <a:p>
+            <a:r>
+              <a:rPr lang="en-CA" dirty="0"/>
+              <a:t>/****** Object:  Table [</a:t>
+            </a:r>
+            <a:r>
+              <a:rPr lang="en-CA" dirty="0" err="1"/>
+              <a:t>dbo</a:t>
+            </a:r>
+            <a:r>
+              <a:rPr lang="en-CA" dirty="0"/>
+              <a:t>].[Order]    Script Date: 8/22/2019 2:41:16 PM ******/</a:t>
+            </a:r>
+          </a:p>
+          <a:p>
+            <a:r>
+              <a:rPr lang="en-CA" dirty="0"/>
+              <a:t>SET ANSI_NULLS ON</a:t>
+            </a:r>
+          </a:p>
+          <a:p>
+            <a:r>
+              <a:rPr lang="en-CA" dirty="0"/>
+              <a:t>GO</a:t>
+            </a:r>
+          </a:p>
+          <a:p>
+            <a:r>
+              <a:rPr lang="en-CA" dirty="0"/>
+              <a:t>SET QUOTED_IDENTIFIER ON</a:t>
+            </a:r>
+          </a:p>
+          <a:p>
+            <a:r>
+              <a:rPr lang="en-CA" dirty="0"/>
+              <a:t>GO</a:t>
+            </a:r>
+          </a:p>
+          <a:p>
+            <a:r>
+              <a:rPr lang="en-CA" dirty="0"/>
+              <a:t>CREATE TABLE [</a:t>
+            </a:r>
+            <a:r>
+              <a:rPr lang="en-CA" dirty="0" err="1"/>
+              <a:t>dbo</a:t>
+            </a:r>
+            <a:r>
+              <a:rPr lang="en-CA" dirty="0"/>
+              <a:t>].[Order](</a:t>
+            </a:r>
+          </a:p>
+          <a:p>
+            <a:r>
+              <a:rPr lang="en-CA" dirty="0"/>
+              <a:t>	[</a:t>
+            </a:r>
+            <a:r>
+              <a:rPr lang="en-CA" dirty="0" err="1"/>
+              <a:t>IdOrder</a:t>
+            </a:r>
+            <a:r>
+              <a:rPr lang="en-CA" dirty="0"/>
+              <a:t>] [int] NOT NULL IDENTITY,</a:t>
+            </a:r>
+          </a:p>
+          <a:p>
+            <a:r>
+              <a:rPr lang="en-CA" dirty="0"/>
+              <a:t>	[</a:t>
+            </a:r>
+            <a:r>
+              <a:rPr lang="en-CA" dirty="0" err="1"/>
+              <a:t>IdRestaurant</a:t>
+            </a:r>
+            <a:r>
+              <a:rPr lang="en-CA" dirty="0"/>
+              <a:t>] [int] NOT NULL,</a:t>
+            </a:r>
+          </a:p>
+          <a:p>
+            <a:r>
+              <a:rPr lang="en-CA" dirty="0"/>
+              <a:t>	[</a:t>
+            </a:r>
+            <a:r>
+              <a:rPr lang="en-CA" dirty="0" err="1"/>
+              <a:t>IdMenuItem</a:t>
+            </a:r>
+            <a:r>
+              <a:rPr lang="en-CA" dirty="0"/>
+              <a:t>] [int] NOT NULL,</a:t>
+            </a:r>
+          </a:p>
+          <a:p>
+            <a:r>
+              <a:rPr lang="en-CA" dirty="0"/>
+              <a:t>	[</a:t>
+            </a:r>
+            <a:r>
+              <a:rPr lang="en-CA" dirty="0" err="1"/>
+              <a:t>CustomerName</a:t>
+            </a:r>
+            <a:r>
+              <a:rPr lang="en-CA" dirty="0"/>
+              <a:t>] [varchar](30) NULL,</a:t>
+            </a:r>
+          </a:p>
+          <a:p>
+            <a:r>
+              <a:rPr lang="en-CA" dirty="0"/>
+              <a:t>	[</a:t>
+            </a:r>
+            <a:r>
+              <a:rPr lang="en-CA" dirty="0" err="1"/>
+              <a:t>CustomerAddress</a:t>
+            </a:r>
+            <a:r>
+              <a:rPr lang="en-CA" dirty="0"/>
+              <a:t>] [varchar](50) NULL,</a:t>
+            </a:r>
+          </a:p>
+          <a:p>
+            <a:r>
+              <a:rPr lang="en-CA" dirty="0"/>
+              <a:t>	[</a:t>
+            </a:r>
+            <a:r>
+              <a:rPr lang="en-CA" dirty="0" err="1"/>
+              <a:t>OrderNetAmount</a:t>
+            </a:r>
+            <a:r>
+              <a:rPr lang="en-CA" dirty="0"/>
+              <a:t>] [decimal](18, 0) NULL,</a:t>
+            </a:r>
+          </a:p>
+          <a:p>
+            <a:r>
+              <a:rPr lang="en-CA" dirty="0"/>
+              <a:t>	[</a:t>
+            </a:r>
+            <a:r>
+              <a:rPr lang="en-CA" dirty="0" err="1"/>
+              <a:t>OrderTax</a:t>
+            </a:r>
+            <a:r>
+              <a:rPr lang="en-CA" dirty="0"/>
+              <a:t>] [decimal](18, 0) NULL,</a:t>
+            </a:r>
+          </a:p>
+          <a:p>
+            <a:r>
+              <a:rPr lang="en-CA" dirty="0"/>
+              <a:t>	[</a:t>
+            </a:r>
+            <a:r>
+              <a:rPr lang="en-CA" dirty="0" err="1"/>
+              <a:t>OrderGrossAmount</a:t>
+            </a:r>
+            <a:r>
+              <a:rPr lang="en-CA" dirty="0"/>
+              <a:t>] [decimal](18, 0) NULL,</a:t>
+            </a:r>
+          </a:p>
+          <a:p>
+            <a:r>
+              <a:rPr lang="en-CA" dirty="0"/>
+              <a:t>	[</a:t>
+            </a:r>
+            <a:r>
+              <a:rPr lang="en-CA" dirty="0" err="1"/>
+              <a:t>CustomerNotes</a:t>
+            </a:r>
+            <a:r>
+              <a:rPr lang="en-CA" dirty="0"/>
+              <a:t>] [varchar](2000) NULL,</a:t>
+            </a:r>
+          </a:p>
+          <a:p>
+            <a:r>
+              <a:rPr lang="en-CA" dirty="0"/>
+              <a:t> CONSTRAINT [</a:t>
+            </a:r>
+            <a:r>
+              <a:rPr lang="en-CA" dirty="0" err="1"/>
+              <a:t>PK_Orders</a:t>
+            </a:r>
+            <a:r>
+              <a:rPr lang="en-CA" dirty="0"/>
+              <a:t>] PRIMARY KEY CLUSTERED </a:t>
+            </a:r>
+          </a:p>
+          <a:p>
+            <a:r>
+              <a:rPr lang="en-CA" dirty="0"/>
+              <a:t>(</a:t>
+            </a:r>
+          </a:p>
+          <a:p>
+            <a:r>
+              <a:rPr lang="en-CA" dirty="0"/>
+              <a:t>	[</a:t>
+            </a:r>
+            <a:r>
+              <a:rPr lang="en-CA" dirty="0" err="1"/>
+              <a:t>IdOrder</a:t>
+            </a:r>
+            <a:r>
+              <a:rPr lang="en-CA" dirty="0"/>
+              <a:t>] ASC</a:t>
+            </a:r>
+          </a:p>
+          <a:p>
+            <a:r>
+              <a:rPr lang="en-CA" dirty="0"/>
+              <a:t>)WITH (PAD_INDEX = OFF, STATISTICS_NORECOMPUTE = OFF, IGNORE_DUP_KEY = OFF, ALLOW_ROW_LOCKS = ON, ALLOW_PAGE_LOCKS = ON) ON [PRIMARY]</a:t>
+            </a:r>
+          </a:p>
+          <a:p>
+            <a:r>
+              <a:rPr lang="en-CA" dirty="0"/>
+              <a:t>) ON [PRIMARY]</a:t>
+            </a:r>
+          </a:p>
+          <a:p>
+            <a:r>
+              <a:rPr lang="en-CA" dirty="0"/>
+              <a:t>GO</a:t>
+            </a:r>
+          </a:p>
+          <a:p>
+            <a:r>
+              <a:rPr lang="en-CA" dirty="0"/>
+              <a:t>/****** Object:  Table [</a:t>
+            </a:r>
+            <a:r>
+              <a:rPr lang="en-CA" dirty="0" err="1"/>
+              <a:t>dbo</a:t>
+            </a:r>
+            <a:r>
+              <a:rPr lang="en-CA" dirty="0"/>
+              <a:t>].[Restaurant]    Script Date: 8/22/2019 2:41:16 PM ******/</a:t>
+            </a:r>
+          </a:p>
+          <a:p>
+            <a:r>
+              <a:rPr lang="en-CA" dirty="0"/>
+              <a:t>SET ANSI_NULLS ON</a:t>
+            </a:r>
+          </a:p>
+          <a:p>
+            <a:r>
+              <a:rPr lang="en-CA" dirty="0"/>
+              <a:t>GO</a:t>
+            </a:r>
+          </a:p>
+          <a:p>
+            <a:r>
+              <a:rPr lang="en-CA" dirty="0"/>
+              <a:t>SET QUOTED_IDENTIFIER ON</a:t>
+            </a:r>
+          </a:p>
+          <a:p>
+            <a:r>
+              <a:rPr lang="en-CA" dirty="0"/>
+              <a:t>GO</a:t>
+            </a:r>
+          </a:p>
+          <a:p>
+            <a:r>
+              <a:rPr lang="en-CA" dirty="0"/>
+              <a:t>CREATE TABLE [</a:t>
+            </a:r>
+            <a:r>
+              <a:rPr lang="en-CA" dirty="0" err="1"/>
+              <a:t>dbo</a:t>
+            </a:r>
+            <a:r>
+              <a:rPr lang="en-CA" dirty="0"/>
               <a:t>].[Restaurant](</a:t>
             </a:r>
           </a:p>
           <a:p>
             <a:r>
-              <a:rPr lang="en-US" sz="1200" kern="1200" dirty="0">
-                <a:solidFill>
-                  <a:schemeClr val="tx1"/>
-                </a:solidFill>
-                <a:latin typeface="+mn-lt"/>
-                <a:ea typeface="+mn-ea"/>
-                <a:cs typeface="+mn-cs"/>
-              </a:rPr>
-              <a:t>[</a:t>
-            </a:r>
-            <a:r>
-              <a:rPr lang="en-US" sz="1200" kern="1200" dirty="0" err="1">
-                <a:solidFill>
-                  <a:schemeClr val="tx1"/>
-                </a:solidFill>
-                <a:latin typeface="+mn-lt"/>
-                <a:ea typeface="+mn-ea"/>
-                <a:cs typeface="+mn-cs"/>
-              </a:rPr>
+              <a:rPr lang="en-CA" dirty="0"/>
+              <a:t>	[</a:t>
+            </a:r>
+            <a:r>
+              <a:rPr lang="en-CA" dirty="0" err="1"/>
               <a:t>IdRestaurant</a:t>
             </a:r>
             <a:r>
-              <a:rPr lang="en-US" sz="1200" kern="1200" dirty="0">
-                <a:solidFill>
-                  <a:schemeClr val="tx1"/>
-                </a:solidFill>
-                <a:latin typeface="+mn-lt"/>
-                <a:ea typeface="+mn-ea"/>
-                <a:cs typeface="+mn-cs"/>
-              </a:rPr>
+              <a:rPr lang="en-CA" dirty="0"/>
               <a:t>] [int] IDENTITY(1,1) NOT NULL,</a:t>
             </a:r>
           </a:p>
           <a:p>
             <a:r>
-              <a:rPr lang="en-CA" sz="1200" kern="1200" dirty="0">
-                <a:solidFill>
-                  <a:schemeClr val="tx1"/>
-                </a:solidFill>
-                <a:latin typeface="+mn-lt"/>
-                <a:ea typeface="+mn-ea"/>
-                <a:cs typeface="+mn-cs"/>
-              </a:rPr>
-              <a:t>[Name] [varchar](30) NULL,</a:t>
-            </a:r>
-          </a:p>
-          <a:p>
-            <a:r>
-              <a:rPr lang="en-CA" sz="1200" kern="1200" dirty="0">
-                <a:solidFill>
-                  <a:schemeClr val="tx1"/>
-                </a:solidFill>
-                <a:latin typeface="+mn-lt"/>
-                <a:ea typeface="+mn-ea"/>
-                <a:cs typeface="+mn-cs"/>
-              </a:rPr>
-              <a:t>[Cuisine] [varchar](50) NULL,</a:t>
-            </a:r>
-          </a:p>
-          <a:p>
-            <a:r>
-              <a:rPr lang="en-CA" sz="1200" kern="1200" dirty="0">
-                <a:solidFill>
-                  <a:schemeClr val="tx1"/>
-                </a:solidFill>
-                <a:latin typeface="+mn-lt"/>
-                <a:ea typeface="+mn-ea"/>
-                <a:cs typeface="+mn-cs"/>
-              </a:rPr>
-              <a:t>[Description] [varchar](1000) NULL,</a:t>
-            </a:r>
-          </a:p>
-          <a:p>
-            <a:r>
-              <a:rPr lang="en-CA" sz="1200" kern="1200" dirty="0">
-                <a:solidFill>
-                  <a:schemeClr val="tx1"/>
-                </a:solidFill>
-                <a:latin typeface="+mn-lt"/>
-                <a:ea typeface="+mn-ea"/>
-                <a:cs typeface="+mn-cs"/>
-              </a:rPr>
-              <a:t>[Image] [</a:t>
-            </a:r>
-            <a:r>
-              <a:rPr lang="en-CA" sz="1200" kern="1200" dirty="0" err="1">
-                <a:solidFill>
-                  <a:schemeClr val="tx1"/>
-                </a:solidFill>
-                <a:latin typeface="+mn-lt"/>
-                <a:ea typeface="+mn-ea"/>
-                <a:cs typeface="+mn-cs"/>
-              </a:rPr>
+              <a:rPr lang="en-CA" dirty="0"/>
+              <a:t>	[Name] [varchar](30) NULL,</a:t>
+            </a:r>
+          </a:p>
+          <a:p>
+            <a:r>
+              <a:rPr lang="en-CA" dirty="0"/>
+              <a:t>	[Address] [</a:t>
+            </a:r>
+            <a:r>
+              <a:rPr lang="en-CA" dirty="0" err="1"/>
+              <a:t>nvarchar</a:t>
+            </a:r>
+            <a:r>
+              <a:rPr lang="en-CA" dirty="0"/>
+              <a:t>](50) NULL,</a:t>
+            </a:r>
+          </a:p>
+          <a:p>
+            <a:r>
+              <a:rPr lang="en-CA" dirty="0"/>
+              <a:t>	[Description] [varchar](1000) NULL,</a:t>
+            </a:r>
+          </a:p>
+          <a:p>
+            <a:r>
+              <a:rPr lang="en-CA" dirty="0"/>
+              <a:t>	[Cuisine] [</a:t>
+            </a:r>
+            <a:r>
+              <a:rPr lang="en-CA" dirty="0" err="1"/>
+              <a:t>nvarchar</a:t>
+            </a:r>
+            <a:r>
+              <a:rPr lang="en-CA" dirty="0"/>
+              <a:t>](30) NULL,</a:t>
+            </a:r>
+          </a:p>
+          <a:p>
+            <a:r>
+              <a:rPr lang="en-CA" dirty="0"/>
+              <a:t>	[Image] [</a:t>
+            </a:r>
+            <a:r>
+              <a:rPr lang="en-CA" dirty="0" err="1"/>
               <a:t>varbinary</a:t>
             </a:r>
             <a:r>
-              <a:rPr lang="en-CA" sz="1200" kern="1200" dirty="0">
-                <a:solidFill>
-                  <a:schemeClr val="tx1"/>
-                </a:solidFill>
-                <a:latin typeface="+mn-lt"/>
-                <a:ea typeface="+mn-ea"/>
-                <a:cs typeface="+mn-cs"/>
-              </a:rPr>
+              <a:rPr lang="en-CA" dirty="0"/>
               <a:t>](max) NULL,</a:t>
             </a:r>
           </a:p>
           <a:p>
             <a:r>
-              <a:rPr lang="en-US" sz="1200" kern="1200" dirty="0">
-                <a:solidFill>
-                  <a:schemeClr val="tx1"/>
-                </a:solidFill>
-                <a:latin typeface="+mn-lt"/>
-                <a:ea typeface="+mn-ea"/>
-                <a:cs typeface="+mn-cs"/>
-              </a:rPr>
+              <a:rPr lang="en-CA" dirty="0"/>
               <a:t> CONSTRAINT [</a:t>
             </a:r>
             <a:r>
-              <a:rPr lang="en-US" sz="1200" kern="1200" dirty="0" err="1">
-                <a:solidFill>
-                  <a:schemeClr val="tx1"/>
-                </a:solidFill>
-                <a:latin typeface="+mn-lt"/>
-                <a:ea typeface="+mn-ea"/>
-                <a:cs typeface="+mn-cs"/>
-              </a:rPr>
-              <a:t>PK_Restaurant</a:t>
-            </a:r>
-            <a:r>
-              <a:rPr lang="en-US" sz="1200" kern="1200" dirty="0">
-                <a:solidFill>
-                  <a:schemeClr val="tx1"/>
-                </a:solidFill>
-                <a:latin typeface="+mn-lt"/>
-                <a:ea typeface="+mn-ea"/>
-                <a:cs typeface="+mn-cs"/>
-              </a:rPr>
+              <a:rPr lang="en-CA" dirty="0" err="1"/>
+              <a:t>PK_Restaurants</a:t>
+            </a:r>
+            <a:r>
+              <a:rPr lang="en-CA" dirty="0"/>
               <a:t>] PRIMARY KEY CLUSTERED </a:t>
             </a:r>
           </a:p>
           <a:p>
             <a:r>
-              <a:rPr lang="en-US" sz="1200" kern="1200" dirty="0">
-                <a:solidFill>
-                  <a:schemeClr val="tx1"/>
-                </a:solidFill>
-                <a:latin typeface="+mn-lt"/>
-                <a:ea typeface="+mn-ea"/>
-                <a:cs typeface="+mn-cs"/>
-              </a:rPr>
-              <a:t>([</a:t>
-            </a:r>
-            <a:r>
-              <a:rPr lang="en-US" sz="1200" kern="1200" dirty="0" err="1">
-                <a:solidFill>
-                  <a:schemeClr val="tx1"/>
-                </a:solidFill>
-                <a:latin typeface="+mn-lt"/>
-                <a:ea typeface="+mn-ea"/>
-                <a:cs typeface="+mn-cs"/>
-              </a:rPr>
+              <a:rPr lang="en-CA" dirty="0"/>
+              <a:t>(</a:t>
+            </a:r>
+          </a:p>
+          <a:p>
+            <a:r>
+              <a:rPr lang="en-CA" dirty="0"/>
+              <a:t>	[</a:t>
+            </a:r>
+            <a:r>
+              <a:rPr lang="en-CA" dirty="0" err="1"/>
               <a:t>IdRestaurant</a:t>
             </a:r>
             <a:r>
-              <a:rPr lang="en-US" sz="1200" kern="1200" dirty="0">
-                <a:solidFill>
-                  <a:schemeClr val="tx1"/>
-                </a:solidFill>
-                <a:latin typeface="+mn-lt"/>
-                <a:ea typeface="+mn-ea"/>
-                <a:cs typeface="+mn-cs"/>
-              </a:rPr>
-              <a:t>] ASC)WITH (PAD_INDEX = OFF, STATISTICS_NORECOMPUTE = OFF, IGNORE_DUP_KEY = OFF, ALLOW_ROW_LOCKS = ON, ALLOW_PAGE_LOCKS = ON) ON [PRIMARY]</a:t>
-            </a:r>
-          </a:p>
-          <a:p>
-            <a:r>
-              <a:rPr lang="en-US" sz="1200" kern="1200" dirty="0">
-                <a:solidFill>
-                  <a:schemeClr val="tx1"/>
-                </a:solidFill>
-                <a:latin typeface="+mn-lt"/>
-                <a:ea typeface="+mn-ea"/>
-                <a:cs typeface="+mn-cs"/>
-              </a:rPr>
+              <a:rPr lang="en-CA" dirty="0"/>
+              <a:t>] ASC</a:t>
+            </a:r>
+          </a:p>
+          <a:p>
+            <a:r>
+              <a:rPr lang="en-CA" dirty="0"/>
+              <a:t>)WITH (PAD_INDEX = OFF, STATISTICS_NORECOMPUTE = OFF, IGNORE_DUP_KEY = OFF, ALLOW_ROW_LOCKS = ON, ALLOW_PAGE_LOCKS = ON) ON [PRIMARY]</a:t>
+            </a:r>
+          </a:p>
+          <a:p>
+            <a:r>
+              <a:rPr lang="en-CA" dirty="0"/>
               <a:t>) ON [PRIMARY] TEXTIMAGE_ON [PRIMARY]</a:t>
             </a:r>
           </a:p>
           <a:p>
             <a:r>
-              <a:rPr lang="en-CA" sz="1200" kern="1200" dirty="0">
-                <a:solidFill>
-                  <a:schemeClr val="tx1"/>
-                </a:solidFill>
-                <a:latin typeface="+mn-lt"/>
-                <a:ea typeface="+mn-ea"/>
-                <a:cs typeface="+mn-cs"/>
-              </a:rPr>
+              <a:rPr lang="en-CA" dirty="0"/>
               <a:t>GO</a:t>
             </a:r>
           </a:p>
           <a:p>
             <a:r>
-              <a:rPr lang="en-CA" sz="1200" kern="1200" dirty="0">
-                <a:solidFill>
-                  <a:schemeClr val="tx1"/>
-                </a:solidFill>
-                <a:latin typeface="+mn-lt"/>
-                <a:ea typeface="+mn-ea"/>
-                <a:cs typeface="+mn-cs"/>
-              </a:rPr>
-              <a:t>/****** Object:  Table [</a:t>
-            </a:r>
-            <a:r>
-              <a:rPr lang="en-CA" sz="1200" kern="1200" dirty="0" err="1">
-                <a:solidFill>
-                  <a:schemeClr val="tx1"/>
-                </a:solidFill>
-                <a:latin typeface="+mn-lt"/>
-                <a:ea typeface="+mn-ea"/>
-                <a:cs typeface="+mn-cs"/>
-              </a:rPr>
+              <a:rPr lang="en-CA" dirty="0"/>
+              <a:t>ALTER TABLE [</a:t>
+            </a:r>
+            <a:r>
+              <a:rPr lang="en-CA" dirty="0" err="1"/>
               <a:t>dbo</a:t>
             </a:r>
             <a:r>
-              <a:rPr lang="en-CA" sz="1200" kern="1200" dirty="0">
-                <a:solidFill>
-                  <a:schemeClr val="tx1"/>
-                </a:solidFill>
-                <a:latin typeface="+mn-lt"/>
-                <a:ea typeface="+mn-ea"/>
-                <a:cs typeface="+mn-cs"/>
-              </a:rPr>
+              <a:rPr lang="en-CA" dirty="0"/>
               <a:t>].[</a:t>
             </a:r>
             <a:r>
-              <a:rPr lang="en-CA" sz="1200" kern="1200" dirty="0" err="1">
-                <a:solidFill>
-                  <a:schemeClr val="tx1"/>
-                </a:solidFill>
-                <a:latin typeface="+mn-lt"/>
-                <a:ea typeface="+mn-ea"/>
-                <a:cs typeface="+mn-cs"/>
-              </a:rPr>
-              <a:t>tbl_RestaurantMenu</a:t>
-            </a:r>
-            <a:r>
-              <a:rPr lang="en-CA" sz="1200" kern="1200" dirty="0">
-                <a:solidFill>
-                  <a:schemeClr val="tx1"/>
-                </a:solidFill>
-                <a:latin typeface="+mn-lt"/>
-                <a:ea typeface="+mn-ea"/>
-                <a:cs typeface="+mn-cs"/>
-              </a:rPr>
-              <a:t>]    Script Date: 2019-08-06 3:24:35 PM ******/</a:t>
-            </a:r>
-          </a:p>
-          <a:p>
-            <a:r>
-              <a:rPr lang="en-CA" sz="1200" kern="1200" dirty="0">
-                <a:solidFill>
-                  <a:schemeClr val="tx1"/>
-                </a:solidFill>
-                <a:latin typeface="+mn-lt"/>
-                <a:ea typeface="+mn-ea"/>
-                <a:cs typeface="+mn-cs"/>
-              </a:rPr>
-              <a:t>SET ANSI_NULLS ON</a:t>
-            </a:r>
-          </a:p>
-          <a:p>
-            <a:r>
-              <a:rPr lang="en-CA" sz="1200" kern="1200" dirty="0">
-                <a:solidFill>
-                  <a:schemeClr val="tx1"/>
-                </a:solidFill>
-                <a:latin typeface="+mn-lt"/>
-                <a:ea typeface="+mn-ea"/>
-                <a:cs typeface="+mn-cs"/>
-              </a:rPr>
+              <a:rPr lang="en-CA" dirty="0" err="1"/>
+              <a:t>MenuItem</a:t>
+            </a:r>
+            <a:r>
+              <a:rPr lang="en-CA" dirty="0"/>
+              <a:t>]  WITH CHECK ADD  CONSTRAINT [</a:t>
+            </a:r>
+            <a:r>
+              <a:rPr lang="en-CA" dirty="0" err="1"/>
+              <a:t>FK_MenuItems_Restaurants</a:t>
+            </a:r>
+            <a:r>
+              <a:rPr lang="en-CA" dirty="0"/>
+              <a:t>] FOREIGN KEY([</a:t>
+            </a:r>
+            <a:r>
+              <a:rPr lang="en-CA" dirty="0" err="1"/>
+              <a:t>IdRestaurant</a:t>
+            </a:r>
+            <a:r>
+              <a:rPr lang="en-CA" dirty="0"/>
+              <a:t>])</a:t>
+            </a:r>
+          </a:p>
+          <a:p>
+            <a:r>
+              <a:rPr lang="en-CA" dirty="0"/>
+              <a:t>REFERENCES [</a:t>
+            </a:r>
+            <a:r>
+              <a:rPr lang="en-CA" dirty="0" err="1"/>
+              <a:t>dbo</a:t>
+            </a:r>
+            <a:r>
+              <a:rPr lang="en-CA" dirty="0"/>
+              <a:t>].[Restaurant] ([</a:t>
+            </a:r>
+            <a:r>
+              <a:rPr lang="en-CA" dirty="0" err="1"/>
+              <a:t>IdRestaurant</a:t>
+            </a:r>
+            <a:r>
+              <a:rPr lang="en-CA" dirty="0"/>
+              <a:t>])</a:t>
+            </a:r>
+          </a:p>
+          <a:p>
+            <a:r>
+              <a:rPr lang="en-CA" dirty="0"/>
               <a:t>GO</a:t>
             </a:r>
           </a:p>
           <a:p>
             <a:r>
-              <a:rPr lang="en-CA" sz="1200" kern="1200" dirty="0">
-                <a:solidFill>
-                  <a:schemeClr val="tx1"/>
-                </a:solidFill>
-                <a:latin typeface="+mn-lt"/>
-                <a:ea typeface="+mn-ea"/>
-                <a:cs typeface="+mn-cs"/>
-              </a:rPr>
-              <a:t>SET QUOTED_IDENTIFIER ON</a:t>
-            </a:r>
-          </a:p>
-          <a:p>
-            <a:r>
-              <a:rPr lang="en-CA" sz="1200" kern="1200" dirty="0">
-                <a:solidFill>
-                  <a:schemeClr val="tx1"/>
-                </a:solidFill>
-                <a:latin typeface="+mn-lt"/>
-                <a:ea typeface="+mn-ea"/>
-                <a:cs typeface="+mn-cs"/>
-              </a:rPr>
+              <a:rPr lang="en-CA" dirty="0"/>
+              <a:t>ALTER TABLE [</a:t>
+            </a:r>
+            <a:r>
+              <a:rPr lang="en-CA" dirty="0" err="1"/>
+              <a:t>dbo</a:t>
+            </a:r>
+            <a:r>
+              <a:rPr lang="en-CA" dirty="0"/>
+              <a:t>].[</a:t>
+            </a:r>
+            <a:r>
+              <a:rPr lang="en-CA" dirty="0" err="1"/>
+              <a:t>MenuItem</a:t>
+            </a:r>
+            <a:r>
+              <a:rPr lang="en-CA" dirty="0"/>
+              <a:t>] CHECK CONSTRAINT [</a:t>
+            </a:r>
+            <a:r>
+              <a:rPr lang="en-CA" dirty="0" err="1"/>
+              <a:t>FK_MenuItems_Restaurants</a:t>
+            </a:r>
+            <a:r>
+              <a:rPr lang="en-CA" dirty="0"/>
+              <a:t>]</a:t>
+            </a:r>
+          </a:p>
+          <a:p>
+            <a:r>
+              <a:rPr lang="en-CA" dirty="0"/>
               <a:t>GO</a:t>
             </a:r>
           </a:p>
           <a:p>
             <a:r>
-              <a:rPr lang="en-CA" sz="1200" kern="1200" dirty="0">
-                <a:solidFill>
-                  <a:schemeClr val="tx1"/>
-                </a:solidFill>
-                <a:latin typeface="+mn-lt"/>
-                <a:ea typeface="+mn-ea"/>
-                <a:cs typeface="+mn-cs"/>
-              </a:rPr>
-              <a:t>CREATE TABLE [</a:t>
-            </a:r>
-            <a:r>
-              <a:rPr lang="en-CA" sz="1200" kern="1200" dirty="0" err="1">
-                <a:solidFill>
-                  <a:schemeClr val="tx1"/>
-                </a:solidFill>
-                <a:latin typeface="+mn-lt"/>
-                <a:ea typeface="+mn-ea"/>
-                <a:cs typeface="+mn-cs"/>
-              </a:rPr>
+              <a:rPr lang="en-CA" dirty="0"/>
+              <a:t>ALTER TABLE [</a:t>
+            </a:r>
+            <a:r>
+              <a:rPr lang="en-CA" dirty="0" err="1"/>
               <a:t>dbo</a:t>
             </a:r>
             <a:r>
-              <a:rPr lang="en-CA" sz="1200" kern="1200" dirty="0">
-                <a:solidFill>
-                  <a:schemeClr val="tx1"/>
-                </a:solidFill>
-                <a:latin typeface="+mn-lt"/>
-                <a:ea typeface="+mn-ea"/>
-                <a:cs typeface="+mn-cs"/>
-              </a:rPr>
+              <a:rPr lang="en-CA" dirty="0"/>
+              <a:t>].[Order]  WITH CHECK ADD  CONSTRAINT [</a:t>
+            </a:r>
+            <a:r>
+              <a:rPr lang="en-CA" dirty="0" err="1"/>
+              <a:t>FK_Orders_MenuItems</a:t>
+            </a:r>
+            <a:r>
+              <a:rPr lang="en-CA" dirty="0"/>
+              <a:t>] FOREIGN KEY([</a:t>
+            </a:r>
+            <a:r>
+              <a:rPr lang="en-CA" dirty="0" err="1"/>
+              <a:t>IdMenuItem</a:t>
+            </a:r>
+            <a:r>
+              <a:rPr lang="en-CA" dirty="0"/>
+              <a:t>])</a:t>
+            </a:r>
+          </a:p>
+          <a:p>
+            <a:r>
+              <a:rPr lang="en-CA" dirty="0"/>
+              <a:t>REFERENCES [</a:t>
+            </a:r>
+            <a:r>
+              <a:rPr lang="en-CA" dirty="0" err="1"/>
+              <a:t>dbo</a:t>
+            </a:r>
+            <a:r>
+              <a:rPr lang="en-CA" dirty="0"/>
               <a:t>].[</a:t>
             </a:r>
             <a:r>
-              <a:rPr lang="en-CA" sz="1200" kern="1200" dirty="0" err="1">
-                <a:solidFill>
-                  <a:schemeClr val="tx1"/>
-                </a:solidFill>
-                <a:latin typeface="+mn-lt"/>
-                <a:ea typeface="+mn-ea"/>
-                <a:cs typeface="+mn-cs"/>
-              </a:rPr>
-              <a:t>RestaurantMenu</a:t>
-            </a:r>
-            <a:r>
-              <a:rPr lang="en-CA" sz="1200" kern="1200" dirty="0">
-                <a:solidFill>
-                  <a:schemeClr val="tx1"/>
-                </a:solidFill>
-                <a:latin typeface="+mn-lt"/>
-                <a:ea typeface="+mn-ea"/>
-                <a:cs typeface="+mn-cs"/>
-              </a:rPr>
-              <a:t>](</a:t>
-            </a:r>
-          </a:p>
-          <a:p>
-            <a:r>
-              <a:rPr lang="en-US" sz="1200" kern="1200" dirty="0">
-                <a:solidFill>
-                  <a:schemeClr val="tx1"/>
-                </a:solidFill>
-                <a:latin typeface="+mn-lt"/>
-                <a:ea typeface="+mn-ea"/>
-                <a:cs typeface="+mn-cs"/>
-              </a:rPr>
-              <a:t>[</a:t>
-            </a:r>
-            <a:r>
-              <a:rPr lang="en-US" sz="1200" kern="1200" dirty="0" err="1">
-                <a:solidFill>
-                  <a:schemeClr val="tx1"/>
-                </a:solidFill>
-                <a:latin typeface="+mn-lt"/>
-                <a:ea typeface="+mn-ea"/>
-                <a:cs typeface="+mn-cs"/>
-              </a:rPr>
-              <a:t>IdRestaurantMenu</a:t>
-            </a:r>
-            <a:r>
-              <a:rPr lang="en-US" sz="1200" kern="1200" dirty="0">
-                <a:solidFill>
-                  <a:schemeClr val="tx1"/>
-                </a:solidFill>
-                <a:latin typeface="+mn-lt"/>
-                <a:ea typeface="+mn-ea"/>
-                <a:cs typeface="+mn-cs"/>
-              </a:rPr>
-              <a:t>] [int] IDENTITY(1,1) NOT NULL,</a:t>
-            </a:r>
-          </a:p>
-          <a:p>
-            <a:r>
-              <a:rPr lang="en-CA" sz="1200" kern="1200" dirty="0">
-                <a:solidFill>
-                  <a:schemeClr val="tx1"/>
-                </a:solidFill>
-                <a:latin typeface="+mn-lt"/>
-                <a:ea typeface="+mn-ea"/>
-                <a:cs typeface="+mn-cs"/>
-              </a:rPr>
-              <a:t>[</a:t>
-            </a:r>
-            <a:r>
-              <a:rPr lang="en-CA" sz="1200" kern="1200" dirty="0" err="1">
-                <a:solidFill>
-                  <a:schemeClr val="tx1"/>
-                </a:solidFill>
-                <a:latin typeface="+mn-lt"/>
-                <a:ea typeface="+mn-ea"/>
-                <a:cs typeface="+mn-cs"/>
-              </a:rPr>
+              <a:rPr lang="en-CA" dirty="0" err="1"/>
+              <a:t>MenuItem</a:t>
+            </a:r>
+            <a:r>
+              <a:rPr lang="en-CA" dirty="0"/>
+              <a:t>] ([</a:t>
+            </a:r>
+            <a:r>
+              <a:rPr lang="en-CA" dirty="0" err="1"/>
+              <a:t>IdMenuItem</a:t>
+            </a:r>
+            <a:r>
+              <a:rPr lang="en-CA" dirty="0"/>
+              <a:t>])</a:t>
+            </a:r>
+          </a:p>
+          <a:p>
+            <a:r>
+              <a:rPr lang="en-CA" dirty="0"/>
+              <a:t>GO</a:t>
+            </a:r>
+          </a:p>
+          <a:p>
+            <a:r>
+              <a:rPr lang="en-CA" dirty="0"/>
+              <a:t>ALTER TABLE [</a:t>
+            </a:r>
+            <a:r>
+              <a:rPr lang="en-CA" dirty="0" err="1"/>
+              <a:t>dbo</a:t>
+            </a:r>
+            <a:r>
+              <a:rPr lang="en-CA" dirty="0"/>
+              <a:t>].[Order] CHECK CONSTRAINT [</a:t>
+            </a:r>
+            <a:r>
+              <a:rPr lang="en-CA" dirty="0" err="1"/>
+              <a:t>FK_Orders_MenuItems</a:t>
+            </a:r>
+            <a:r>
+              <a:rPr lang="en-CA" dirty="0"/>
+              <a:t>]</a:t>
+            </a:r>
+          </a:p>
+          <a:p>
+            <a:r>
+              <a:rPr lang="en-CA" dirty="0"/>
+              <a:t>GO</a:t>
+            </a:r>
+          </a:p>
+          <a:p>
+            <a:r>
+              <a:rPr lang="en-CA" dirty="0"/>
+              <a:t>ALTER TABLE [</a:t>
+            </a:r>
+            <a:r>
+              <a:rPr lang="en-CA" dirty="0" err="1"/>
+              <a:t>dbo</a:t>
+            </a:r>
+            <a:r>
+              <a:rPr lang="en-CA" dirty="0"/>
+              <a:t>].[Order]  WITH CHECK ADD  CONSTRAINT [</a:t>
+            </a:r>
+            <a:r>
+              <a:rPr lang="en-CA" dirty="0" err="1"/>
+              <a:t>FK_Orders_Restaurants</a:t>
+            </a:r>
+            <a:r>
+              <a:rPr lang="en-CA" dirty="0"/>
+              <a:t>] FOREIGN KEY([</a:t>
+            </a:r>
+            <a:r>
+              <a:rPr lang="en-CA" dirty="0" err="1"/>
               <a:t>IdRestaurant</a:t>
             </a:r>
             <a:r>
-              <a:rPr lang="en-CA" sz="1200" kern="1200" dirty="0">
-                <a:solidFill>
-                  <a:schemeClr val="tx1"/>
-                </a:solidFill>
-                <a:latin typeface="+mn-lt"/>
-                <a:ea typeface="+mn-ea"/>
-                <a:cs typeface="+mn-cs"/>
-              </a:rPr>
-              <a:t>] [int] NOT NULL,</a:t>
-            </a:r>
-          </a:p>
-          <a:p>
-            <a:r>
-              <a:rPr lang="en-CA" sz="1200" kern="1200" dirty="0">
-                <a:solidFill>
-                  <a:schemeClr val="tx1"/>
-                </a:solidFill>
-                <a:latin typeface="+mn-lt"/>
-                <a:ea typeface="+mn-ea"/>
-                <a:cs typeface="+mn-cs"/>
-              </a:rPr>
-              <a:t>[</a:t>
-            </a:r>
-            <a:r>
-              <a:rPr lang="en-CA" sz="1200" kern="1200" dirty="0" err="1">
-                <a:solidFill>
-                  <a:schemeClr val="tx1"/>
-                </a:solidFill>
-                <a:latin typeface="+mn-lt"/>
-                <a:ea typeface="+mn-ea"/>
-                <a:cs typeface="+mn-cs"/>
-              </a:rPr>
-              <a:t>MenuName</a:t>
-            </a:r>
-            <a:r>
-              <a:rPr lang="en-CA" sz="1200" kern="1200" dirty="0">
-                <a:solidFill>
-                  <a:schemeClr val="tx1"/>
-                </a:solidFill>
-                <a:latin typeface="+mn-lt"/>
-                <a:ea typeface="+mn-ea"/>
-                <a:cs typeface="+mn-cs"/>
-              </a:rPr>
-              <a:t>] [varchar](30) NULL,</a:t>
-            </a:r>
-          </a:p>
-          <a:p>
-            <a:r>
-              <a:rPr lang="en-CA" sz="1200" kern="1200" dirty="0">
-                <a:solidFill>
-                  <a:schemeClr val="tx1"/>
-                </a:solidFill>
-                <a:latin typeface="+mn-lt"/>
-                <a:ea typeface="+mn-ea"/>
-                <a:cs typeface="+mn-cs"/>
-              </a:rPr>
-              <a:t>[</a:t>
-            </a:r>
-            <a:r>
-              <a:rPr lang="en-CA" sz="1200" kern="1200" dirty="0" err="1">
-                <a:solidFill>
-                  <a:schemeClr val="tx1"/>
-                </a:solidFill>
-                <a:latin typeface="+mn-lt"/>
-                <a:ea typeface="+mn-ea"/>
-                <a:cs typeface="+mn-cs"/>
-              </a:rPr>
-              <a:t>MenuType</a:t>
-            </a:r>
-            <a:r>
-              <a:rPr lang="en-CA" sz="1200" kern="1200" dirty="0">
-                <a:solidFill>
-                  <a:schemeClr val="tx1"/>
-                </a:solidFill>
-                <a:latin typeface="+mn-lt"/>
-                <a:ea typeface="+mn-ea"/>
-                <a:cs typeface="+mn-cs"/>
-              </a:rPr>
-              <a:t>] [varchar](50) NULL,</a:t>
-            </a:r>
-          </a:p>
-          <a:p>
-            <a:r>
-              <a:rPr lang="en-US" sz="1200" kern="1200" dirty="0">
-                <a:solidFill>
-                  <a:schemeClr val="tx1"/>
-                </a:solidFill>
-                <a:latin typeface="+mn-lt"/>
-                <a:ea typeface="+mn-ea"/>
-                <a:cs typeface="+mn-cs"/>
-              </a:rPr>
-              <a:t> CONSTRAINT [</a:t>
-            </a:r>
-            <a:r>
-              <a:rPr lang="en-US" sz="1200" kern="1200" dirty="0" err="1">
-                <a:solidFill>
-                  <a:schemeClr val="tx1"/>
-                </a:solidFill>
-                <a:latin typeface="+mn-lt"/>
-                <a:ea typeface="+mn-ea"/>
-                <a:cs typeface="+mn-cs"/>
-              </a:rPr>
-              <a:t>PK_RestaurantMenu</a:t>
-            </a:r>
-            <a:r>
-              <a:rPr lang="en-US" sz="1200" kern="1200" dirty="0">
-                <a:solidFill>
-                  <a:schemeClr val="tx1"/>
-                </a:solidFill>
-                <a:latin typeface="+mn-lt"/>
-                <a:ea typeface="+mn-ea"/>
-                <a:cs typeface="+mn-cs"/>
-              </a:rPr>
-              <a:t>] PRIMARY KEY CLUSTERED </a:t>
-            </a:r>
-          </a:p>
-          <a:p>
-            <a:r>
-              <a:rPr lang="en-US" sz="1200" kern="1200" dirty="0">
-                <a:solidFill>
-                  <a:schemeClr val="tx1"/>
-                </a:solidFill>
-                <a:latin typeface="+mn-lt"/>
-                <a:ea typeface="+mn-ea"/>
-                <a:cs typeface="+mn-cs"/>
-              </a:rPr>
-              <a:t>([</a:t>
-            </a:r>
-            <a:r>
-              <a:rPr lang="en-US" sz="1200" kern="1200" dirty="0" err="1">
-                <a:solidFill>
-                  <a:schemeClr val="tx1"/>
-                </a:solidFill>
-                <a:latin typeface="+mn-lt"/>
-                <a:ea typeface="+mn-ea"/>
-                <a:cs typeface="+mn-cs"/>
-              </a:rPr>
-              <a:t>IdRestaurantMenu</a:t>
-            </a:r>
-            <a:r>
-              <a:rPr lang="en-US" sz="1200" kern="1200" dirty="0">
-                <a:solidFill>
-                  <a:schemeClr val="tx1"/>
-                </a:solidFill>
-                <a:latin typeface="+mn-lt"/>
-                <a:ea typeface="+mn-ea"/>
-                <a:cs typeface="+mn-cs"/>
-              </a:rPr>
-              <a:t>] ASC)WITH (PAD_INDEX = OFF, STATISTICS_NORECOMPUTE = OFF, IGNORE_DUP_KEY = OFF, ALLOW_ROW_LOCKS = ON, ALLOW_PAGE_LOCKS = ON) ON [PRIMARY]</a:t>
-            </a:r>
-          </a:p>
-          <a:p>
-            <a:r>
-              <a:rPr lang="en-CA" sz="1200" kern="1200" dirty="0">
-                <a:solidFill>
-                  <a:schemeClr val="tx1"/>
-                </a:solidFill>
-                <a:latin typeface="+mn-lt"/>
-                <a:ea typeface="+mn-ea"/>
-                <a:cs typeface="+mn-cs"/>
-              </a:rPr>
-              <a:t>) ON [PRIMARY]</a:t>
-            </a:r>
-          </a:p>
-          <a:p>
-            <a:r>
-              <a:rPr lang="en-CA" sz="1200" kern="1200" dirty="0">
-                <a:solidFill>
-                  <a:schemeClr val="tx1"/>
-                </a:solidFill>
-                <a:latin typeface="+mn-lt"/>
-                <a:ea typeface="+mn-ea"/>
-                <a:cs typeface="+mn-cs"/>
-              </a:rPr>
+              <a:rPr lang="en-CA" dirty="0"/>
+              <a:t>])</a:t>
+            </a:r>
+          </a:p>
+          <a:p>
+            <a:r>
+              <a:rPr lang="en-CA" dirty="0"/>
+              <a:t>REFERENCES [</a:t>
+            </a:r>
+            <a:r>
+              <a:rPr lang="en-CA" dirty="0" err="1"/>
+              <a:t>dbo</a:t>
+            </a:r>
+            <a:r>
+              <a:rPr lang="en-CA" dirty="0"/>
+              <a:t>].[Restaurant] ([</a:t>
+            </a:r>
+            <a:r>
+              <a:rPr lang="en-CA" dirty="0" err="1"/>
+              <a:t>IdRestaurant</a:t>
+            </a:r>
+            <a:r>
+              <a:rPr lang="en-CA" dirty="0"/>
+              <a:t>])</a:t>
+            </a:r>
+          </a:p>
+          <a:p>
+            <a:r>
+              <a:rPr lang="en-CA" dirty="0"/>
               <a:t>GO</a:t>
             </a:r>
           </a:p>
           <a:p>
             <a:r>
-              <a:rPr lang="en-CA" sz="1200" kern="1200" dirty="0">
-                <a:solidFill>
-                  <a:schemeClr val="tx1"/>
-                </a:solidFill>
-                <a:latin typeface="+mn-lt"/>
-                <a:ea typeface="+mn-ea"/>
-                <a:cs typeface="+mn-cs"/>
-              </a:rPr>
-              <a:t>/****** Object:  Table [</a:t>
-            </a:r>
-            <a:r>
-              <a:rPr lang="en-CA" sz="1200" kern="1200" dirty="0" err="1">
-                <a:solidFill>
-                  <a:schemeClr val="tx1"/>
-                </a:solidFill>
-                <a:latin typeface="+mn-lt"/>
-                <a:ea typeface="+mn-ea"/>
-                <a:cs typeface="+mn-cs"/>
-              </a:rPr>
+              <a:rPr lang="en-CA" dirty="0"/>
+              <a:t>ALTER TABLE [</a:t>
+            </a:r>
+            <a:r>
+              <a:rPr lang="en-CA" dirty="0" err="1"/>
               <a:t>dbo</a:t>
             </a:r>
             <a:r>
-              <a:rPr lang="en-CA" sz="1200" kern="1200" dirty="0">
-                <a:solidFill>
-                  <a:schemeClr val="tx1"/>
-                </a:solidFill>
-                <a:latin typeface="+mn-lt"/>
-                <a:ea typeface="+mn-ea"/>
-                <a:cs typeface="+mn-cs"/>
-              </a:rPr>
-              <a:t>].[</a:t>
-            </a:r>
-            <a:r>
-              <a:rPr lang="en-CA" sz="1200" kern="1200" dirty="0" err="1">
-                <a:solidFill>
-                  <a:schemeClr val="tx1"/>
-                </a:solidFill>
-                <a:latin typeface="+mn-lt"/>
-                <a:ea typeface="+mn-ea"/>
-                <a:cs typeface="+mn-cs"/>
-              </a:rPr>
-              <a:t>tbl_RestaurantMenuItem</a:t>
-            </a:r>
-            <a:r>
-              <a:rPr lang="en-CA" sz="1200" kern="1200" dirty="0">
-                <a:solidFill>
-                  <a:schemeClr val="tx1"/>
-                </a:solidFill>
-                <a:latin typeface="+mn-lt"/>
-                <a:ea typeface="+mn-ea"/>
-                <a:cs typeface="+mn-cs"/>
-              </a:rPr>
-              <a:t>]    Script Date: 2019-08-06 3:24:35 PM ******/</a:t>
-            </a:r>
-          </a:p>
-          <a:p>
-            <a:r>
-              <a:rPr lang="en-CA" sz="1200" kern="1200" dirty="0">
-                <a:solidFill>
-                  <a:schemeClr val="tx1"/>
-                </a:solidFill>
-                <a:latin typeface="+mn-lt"/>
-                <a:ea typeface="+mn-ea"/>
-                <a:cs typeface="+mn-cs"/>
-              </a:rPr>
-              <a:t>SET ANSI_NULLS ON</a:t>
-            </a:r>
-          </a:p>
-          <a:p>
-            <a:r>
-              <a:rPr lang="en-CA" sz="1200" kern="1200" dirty="0">
-                <a:solidFill>
-                  <a:schemeClr val="tx1"/>
-                </a:solidFill>
-                <a:latin typeface="+mn-lt"/>
-                <a:ea typeface="+mn-ea"/>
-                <a:cs typeface="+mn-cs"/>
-              </a:rPr>
+              <a:rPr lang="en-CA" dirty="0"/>
+              <a:t>].[Order] CHECK CONSTRAINT [</a:t>
+            </a:r>
+            <a:r>
+              <a:rPr lang="en-CA" dirty="0" err="1"/>
+              <a:t>FK_Orders_Restaurants</a:t>
+            </a:r>
+            <a:r>
+              <a:rPr lang="en-CA" dirty="0"/>
+              <a:t>]</a:t>
+            </a:r>
+          </a:p>
+          <a:p>
+            <a:r>
+              <a:rPr lang="en-CA" dirty="0"/>
               <a:t>GO</a:t>
             </a:r>
           </a:p>
           <a:p>
-            <a:r>
-              <a:rPr lang="en-CA" sz="1200" kern="1200" dirty="0">
-                <a:solidFill>
-                  <a:schemeClr val="tx1"/>
-                </a:solidFill>
-                <a:latin typeface="+mn-lt"/>
-                <a:ea typeface="+mn-ea"/>
-                <a:cs typeface="+mn-cs"/>
-              </a:rPr>
-              <a:t>SET QUOTED_IDENTIFIER ON</a:t>
-            </a:r>
-          </a:p>
-          <a:p>
-            <a:r>
-              <a:rPr lang="en-CA" sz="1200" kern="1200" dirty="0">
-                <a:solidFill>
-                  <a:schemeClr val="tx1"/>
-                </a:solidFill>
-                <a:latin typeface="+mn-lt"/>
-                <a:ea typeface="+mn-ea"/>
-                <a:cs typeface="+mn-cs"/>
-              </a:rPr>
-              <a:t>GO</a:t>
-            </a:r>
-          </a:p>
-          <a:p>
-            <a:r>
-              <a:rPr lang="en-CA" sz="1200" kern="1200" dirty="0">
-                <a:solidFill>
-                  <a:schemeClr val="tx1"/>
-                </a:solidFill>
-                <a:latin typeface="+mn-lt"/>
-                <a:ea typeface="+mn-ea"/>
-                <a:cs typeface="+mn-cs"/>
-              </a:rPr>
-              <a:t>CREATE TABLE [</a:t>
-            </a:r>
-            <a:r>
-              <a:rPr lang="en-CA" sz="1200" kern="1200" dirty="0" err="1">
-                <a:solidFill>
-                  <a:schemeClr val="tx1"/>
-                </a:solidFill>
-                <a:latin typeface="+mn-lt"/>
-                <a:ea typeface="+mn-ea"/>
-                <a:cs typeface="+mn-cs"/>
-              </a:rPr>
-              <a:t>dbo</a:t>
-            </a:r>
-            <a:r>
-              <a:rPr lang="en-CA" sz="1200" kern="1200" dirty="0">
-                <a:solidFill>
-                  <a:schemeClr val="tx1"/>
-                </a:solidFill>
-                <a:latin typeface="+mn-lt"/>
-                <a:ea typeface="+mn-ea"/>
-                <a:cs typeface="+mn-cs"/>
-              </a:rPr>
-              <a:t>].[</a:t>
-            </a:r>
-            <a:r>
-              <a:rPr lang="en-CA" sz="1200" kern="1200" dirty="0" err="1">
-                <a:solidFill>
-                  <a:schemeClr val="tx1"/>
-                </a:solidFill>
-                <a:latin typeface="+mn-lt"/>
-                <a:ea typeface="+mn-ea"/>
-                <a:cs typeface="+mn-cs"/>
-              </a:rPr>
-              <a:t>RestaurantMenuItem</a:t>
-            </a:r>
-            <a:r>
-              <a:rPr lang="en-CA" sz="1200" kern="1200" dirty="0">
-                <a:solidFill>
-                  <a:schemeClr val="tx1"/>
-                </a:solidFill>
-                <a:latin typeface="+mn-lt"/>
-                <a:ea typeface="+mn-ea"/>
-                <a:cs typeface="+mn-cs"/>
-              </a:rPr>
-              <a:t>](</a:t>
-            </a:r>
-          </a:p>
-          <a:p>
-            <a:r>
-              <a:rPr lang="en-US" sz="1200" kern="1200" dirty="0">
-                <a:solidFill>
-                  <a:schemeClr val="tx1"/>
-                </a:solidFill>
-                <a:latin typeface="+mn-lt"/>
-                <a:ea typeface="+mn-ea"/>
-                <a:cs typeface="+mn-cs"/>
-              </a:rPr>
-              <a:t>[</a:t>
-            </a:r>
-            <a:r>
-              <a:rPr lang="en-US" sz="1200" kern="1200" dirty="0" err="1">
-                <a:solidFill>
-                  <a:schemeClr val="tx1"/>
-                </a:solidFill>
-                <a:latin typeface="+mn-lt"/>
-                <a:ea typeface="+mn-ea"/>
-                <a:cs typeface="+mn-cs"/>
-              </a:rPr>
-              <a:t>IdRestaurantMenuItem</a:t>
-            </a:r>
-            <a:r>
-              <a:rPr lang="en-US" sz="1200" kern="1200" dirty="0">
-                <a:solidFill>
-                  <a:schemeClr val="tx1"/>
-                </a:solidFill>
-                <a:latin typeface="+mn-lt"/>
-                <a:ea typeface="+mn-ea"/>
-                <a:cs typeface="+mn-cs"/>
-              </a:rPr>
-              <a:t>] [int] IDENTITY(1,1) NOT NULL,</a:t>
-            </a:r>
-          </a:p>
-          <a:p>
-            <a:r>
-              <a:rPr lang="en-CA" sz="1200" kern="1200" dirty="0">
-                <a:solidFill>
-                  <a:schemeClr val="tx1"/>
-                </a:solidFill>
-                <a:latin typeface="+mn-lt"/>
-                <a:ea typeface="+mn-ea"/>
-                <a:cs typeface="+mn-cs"/>
-              </a:rPr>
-              <a:t>[</a:t>
-            </a:r>
-            <a:r>
-              <a:rPr lang="en-CA" sz="1200" kern="1200" dirty="0" err="1">
-                <a:solidFill>
-                  <a:schemeClr val="tx1"/>
-                </a:solidFill>
-                <a:latin typeface="+mn-lt"/>
-                <a:ea typeface="+mn-ea"/>
-                <a:cs typeface="+mn-cs"/>
-              </a:rPr>
-              <a:t>IdRestaurantMenu</a:t>
-            </a:r>
-            <a:r>
-              <a:rPr lang="en-CA" sz="1200" kern="1200" dirty="0">
-                <a:solidFill>
-                  <a:schemeClr val="tx1"/>
-                </a:solidFill>
-                <a:latin typeface="+mn-lt"/>
-                <a:ea typeface="+mn-ea"/>
-                <a:cs typeface="+mn-cs"/>
-              </a:rPr>
-              <a:t>] [int] NOT NULL,</a:t>
-            </a:r>
-          </a:p>
-          <a:p>
-            <a:r>
-              <a:rPr lang="en-CA" sz="1200" kern="1200" dirty="0">
-                <a:solidFill>
-                  <a:schemeClr val="tx1"/>
-                </a:solidFill>
-                <a:latin typeface="+mn-lt"/>
-                <a:ea typeface="+mn-ea"/>
-                <a:cs typeface="+mn-cs"/>
-              </a:rPr>
-              <a:t>[</a:t>
-            </a:r>
-            <a:r>
-              <a:rPr lang="en-CA" sz="1200" kern="1200" dirty="0" err="1">
-                <a:solidFill>
-                  <a:schemeClr val="tx1"/>
-                </a:solidFill>
-                <a:latin typeface="+mn-lt"/>
-                <a:ea typeface="+mn-ea"/>
-                <a:cs typeface="+mn-cs"/>
-              </a:rPr>
-              <a:t>ItemName</a:t>
-            </a:r>
-            <a:r>
-              <a:rPr lang="en-CA" sz="1200" kern="1200" dirty="0">
-                <a:solidFill>
-                  <a:schemeClr val="tx1"/>
-                </a:solidFill>
-                <a:latin typeface="+mn-lt"/>
-                <a:ea typeface="+mn-ea"/>
-                <a:cs typeface="+mn-cs"/>
-              </a:rPr>
-              <a:t>] [varchar](30) NULL,</a:t>
-            </a:r>
-          </a:p>
-          <a:p>
-            <a:r>
-              <a:rPr lang="en-CA" sz="1200" kern="1200" dirty="0">
-                <a:solidFill>
-                  <a:schemeClr val="tx1"/>
-                </a:solidFill>
-                <a:latin typeface="+mn-lt"/>
-                <a:ea typeface="+mn-ea"/>
-                <a:cs typeface="+mn-cs"/>
-              </a:rPr>
-              <a:t>[</a:t>
-            </a:r>
-            <a:r>
-              <a:rPr lang="en-CA" sz="1200" kern="1200" dirty="0" err="1">
-                <a:solidFill>
-                  <a:schemeClr val="tx1"/>
-                </a:solidFill>
-                <a:latin typeface="+mn-lt"/>
-                <a:ea typeface="+mn-ea"/>
-                <a:cs typeface="+mn-cs"/>
-              </a:rPr>
-              <a:t>ItemDescription</a:t>
-            </a:r>
-            <a:r>
-              <a:rPr lang="en-CA" sz="1200" kern="1200" dirty="0">
-                <a:solidFill>
-                  <a:schemeClr val="tx1"/>
-                </a:solidFill>
-                <a:latin typeface="+mn-lt"/>
-                <a:ea typeface="+mn-ea"/>
-                <a:cs typeface="+mn-cs"/>
-              </a:rPr>
-              <a:t>] [varchar](50) NULL,</a:t>
-            </a:r>
-          </a:p>
-          <a:p>
-            <a:r>
-              <a:rPr lang="en-US" sz="1200" kern="1200" dirty="0">
-                <a:solidFill>
-                  <a:schemeClr val="tx1"/>
-                </a:solidFill>
-                <a:latin typeface="+mn-lt"/>
-                <a:ea typeface="+mn-ea"/>
-                <a:cs typeface="+mn-cs"/>
-              </a:rPr>
-              <a:t>[</a:t>
-            </a:r>
-            <a:r>
-              <a:rPr lang="en-US" sz="1200" kern="1200" dirty="0" err="1">
-                <a:solidFill>
-                  <a:schemeClr val="tx1"/>
-                </a:solidFill>
-                <a:latin typeface="+mn-lt"/>
-                <a:ea typeface="+mn-ea"/>
-                <a:cs typeface="+mn-cs"/>
-              </a:rPr>
-              <a:t>ItemPrice</a:t>
-            </a:r>
-            <a:r>
-              <a:rPr lang="en-US" sz="1200" kern="1200" dirty="0">
-                <a:solidFill>
-                  <a:schemeClr val="tx1"/>
-                </a:solidFill>
-                <a:latin typeface="+mn-lt"/>
-                <a:ea typeface="+mn-ea"/>
-                <a:cs typeface="+mn-cs"/>
-              </a:rPr>
-              <a:t>] [decimal](18, 0) NOT NULL,</a:t>
-            </a:r>
-          </a:p>
-          <a:p>
-            <a:r>
-              <a:rPr lang="en-US" sz="1200" kern="1200" dirty="0">
-                <a:solidFill>
-                  <a:schemeClr val="tx1"/>
-                </a:solidFill>
-                <a:latin typeface="+mn-lt"/>
-                <a:ea typeface="+mn-ea"/>
-                <a:cs typeface="+mn-cs"/>
-              </a:rPr>
-              <a:t> CONSTRAINT [</a:t>
-            </a:r>
-            <a:r>
-              <a:rPr lang="en-US" sz="1200" kern="1200" dirty="0" err="1">
-                <a:solidFill>
-                  <a:schemeClr val="tx1"/>
-                </a:solidFill>
-                <a:latin typeface="+mn-lt"/>
-                <a:ea typeface="+mn-ea"/>
-                <a:cs typeface="+mn-cs"/>
-              </a:rPr>
-              <a:t>PK_RestaurantMenuItem</a:t>
-            </a:r>
-            <a:r>
-              <a:rPr lang="en-US" sz="1200" kern="1200" dirty="0">
-                <a:solidFill>
-                  <a:schemeClr val="tx1"/>
-                </a:solidFill>
-                <a:latin typeface="+mn-lt"/>
-                <a:ea typeface="+mn-ea"/>
-                <a:cs typeface="+mn-cs"/>
-              </a:rPr>
-              <a:t>] PRIMARY KEY CLUSTERED </a:t>
-            </a:r>
-          </a:p>
-          <a:p>
-            <a:r>
-              <a:rPr lang="en-US" sz="1200" kern="1200" dirty="0">
-                <a:solidFill>
-                  <a:schemeClr val="tx1"/>
-                </a:solidFill>
-                <a:latin typeface="+mn-lt"/>
-                <a:ea typeface="+mn-ea"/>
-                <a:cs typeface="+mn-cs"/>
-              </a:rPr>
-              <a:t>([</a:t>
-            </a:r>
-            <a:r>
-              <a:rPr lang="en-US" sz="1200" kern="1200" dirty="0" err="1">
-                <a:solidFill>
-                  <a:schemeClr val="tx1"/>
-                </a:solidFill>
-                <a:latin typeface="+mn-lt"/>
-                <a:ea typeface="+mn-ea"/>
-                <a:cs typeface="+mn-cs"/>
-              </a:rPr>
-              <a:t>IdRestaurantMenuItem</a:t>
-            </a:r>
-            <a:r>
-              <a:rPr lang="en-US" sz="1200" kern="1200" dirty="0">
-                <a:solidFill>
-                  <a:schemeClr val="tx1"/>
-                </a:solidFill>
-                <a:latin typeface="+mn-lt"/>
-                <a:ea typeface="+mn-ea"/>
-                <a:cs typeface="+mn-cs"/>
-              </a:rPr>
-              <a:t>] ASC)WITH (PAD_INDEX = OFF, STATISTICS_NORECOMPUTE = OFF, IGNORE_DUP_KEY = OFF, ALLOW_ROW_LOCKS = ON, ALLOW_PAGE_LOCKS = ON) ON [PRIMARY]</a:t>
-            </a:r>
-          </a:p>
-          <a:p>
-            <a:r>
-              <a:rPr lang="en-CA" sz="1200" kern="1200" dirty="0">
-                <a:solidFill>
-                  <a:schemeClr val="tx1"/>
-                </a:solidFill>
-                <a:latin typeface="+mn-lt"/>
-                <a:ea typeface="+mn-ea"/>
-                <a:cs typeface="+mn-cs"/>
-              </a:rPr>
-              <a:t>) ON [PRIMARY]</a:t>
-            </a:r>
-          </a:p>
-          <a:p>
-            <a:r>
-              <a:rPr lang="en-CA" sz="1200" kern="1200" dirty="0">
-                <a:solidFill>
-                  <a:schemeClr val="tx1"/>
-                </a:solidFill>
-                <a:latin typeface="+mn-lt"/>
-                <a:ea typeface="+mn-ea"/>
-                <a:cs typeface="+mn-cs"/>
-              </a:rPr>
-              <a:t>GO</a:t>
-            </a:r>
-          </a:p>
-          <a:p>
-            <a:endParaRPr lang="en-CA" sz="1200" kern="1200" dirty="0">
-              <a:solidFill>
-                <a:schemeClr val="tx1"/>
-              </a:solidFill>
-              <a:latin typeface="+mn-lt"/>
-              <a:ea typeface="+mn-ea"/>
-              <a:cs typeface="+mn-cs"/>
-            </a:endParaRPr>
-          </a:p>
-          <a:p>
-            <a:endParaRPr lang="en-CA" sz="1200" kern="1200" dirty="0">
-              <a:solidFill>
-                <a:schemeClr val="tx1"/>
-              </a:solidFill>
-              <a:latin typeface="+mn-lt"/>
-              <a:ea typeface="+mn-ea"/>
-              <a:cs typeface="+mn-cs"/>
-            </a:endParaRPr>
-          </a:p>
-          <a:p>
-            <a:r>
-              <a:rPr lang="en-US" sz="1200" kern="1200" dirty="0">
-                <a:solidFill>
-                  <a:schemeClr val="tx1"/>
-                </a:solidFill>
-                <a:latin typeface="+mn-lt"/>
-                <a:ea typeface="+mn-ea"/>
-                <a:cs typeface="+mn-cs"/>
-              </a:rPr>
-              <a:t>ALTER TABLE [</a:t>
-            </a:r>
-            <a:r>
-              <a:rPr lang="en-US" sz="1200" kern="1200" dirty="0" err="1">
-                <a:solidFill>
-                  <a:schemeClr val="tx1"/>
-                </a:solidFill>
-                <a:latin typeface="+mn-lt"/>
-                <a:ea typeface="+mn-ea"/>
-                <a:cs typeface="+mn-cs"/>
-              </a:rPr>
-              <a:t>dbo</a:t>
-            </a:r>
-            <a:r>
-              <a:rPr lang="en-US" sz="1200" kern="1200" dirty="0">
-                <a:solidFill>
-                  <a:schemeClr val="tx1"/>
-                </a:solidFill>
-                <a:latin typeface="+mn-lt"/>
-                <a:ea typeface="+mn-ea"/>
-                <a:cs typeface="+mn-cs"/>
-              </a:rPr>
-              <a:t>].[</a:t>
-            </a:r>
-            <a:r>
-              <a:rPr lang="en-US" sz="1200" kern="1200" dirty="0" err="1">
-                <a:solidFill>
-                  <a:schemeClr val="tx1"/>
-                </a:solidFill>
-                <a:latin typeface="+mn-lt"/>
-                <a:ea typeface="+mn-ea"/>
-                <a:cs typeface="+mn-cs"/>
-              </a:rPr>
-              <a:t>RestaurantMenu</a:t>
-            </a:r>
-            <a:r>
-              <a:rPr lang="en-US" sz="1200" kern="1200" dirty="0">
-                <a:solidFill>
-                  <a:schemeClr val="tx1"/>
-                </a:solidFill>
-                <a:latin typeface="+mn-lt"/>
-                <a:ea typeface="+mn-ea"/>
-                <a:cs typeface="+mn-cs"/>
-              </a:rPr>
-              <a:t>]  WITH CHECK ADD  CONSTRAINT [</a:t>
-            </a:r>
-            <a:r>
-              <a:rPr lang="en-US" sz="1200" kern="1200" dirty="0" err="1">
-                <a:solidFill>
-                  <a:schemeClr val="tx1"/>
-                </a:solidFill>
-                <a:latin typeface="+mn-lt"/>
-                <a:ea typeface="+mn-ea"/>
-                <a:cs typeface="+mn-cs"/>
-              </a:rPr>
-              <a:t>FK_RestaurantMenu_Restaurant</a:t>
-            </a:r>
-            <a:r>
-              <a:rPr lang="en-US" sz="1200" kern="1200" dirty="0">
-                <a:solidFill>
-                  <a:schemeClr val="tx1"/>
-                </a:solidFill>
-                <a:latin typeface="+mn-lt"/>
-                <a:ea typeface="+mn-ea"/>
-                <a:cs typeface="+mn-cs"/>
-              </a:rPr>
-              <a:t>] FOREIGN KEY([</a:t>
-            </a:r>
-            <a:r>
-              <a:rPr lang="en-US" sz="1200" kern="1200" dirty="0" err="1">
-                <a:solidFill>
-                  <a:schemeClr val="tx1"/>
-                </a:solidFill>
-                <a:latin typeface="+mn-lt"/>
-                <a:ea typeface="+mn-ea"/>
-                <a:cs typeface="+mn-cs"/>
-              </a:rPr>
-              <a:t>IdRestaurant</a:t>
-            </a:r>
-            <a:r>
-              <a:rPr lang="en-US" sz="1200" kern="1200" dirty="0">
-                <a:solidFill>
-                  <a:schemeClr val="tx1"/>
-                </a:solidFill>
-                <a:latin typeface="+mn-lt"/>
-                <a:ea typeface="+mn-ea"/>
-                <a:cs typeface="+mn-cs"/>
-              </a:rPr>
-              <a:t>])</a:t>
-            </a:r>
-          </a:p>
-          <a:p>
-            <a:r>
-              <a:rPr lang="en-CA" sz="1200" kern="1200" dirty="0">
-                <a:solidFill>
-                  <a:schemeClr val="tx1"/>
-                </a:solidFill>
-                <a:latin typeface="+mn-lt"/>
-                <a:ea typeface="+mn-ea"/>
-                <a:cs typeface="+mn-cs"/>
-              </a:rPr>
-              <a:t>REFERENCES [</a:t>
-            </a:r>
-            <a:r>
-              <a:rPr lang="en-CA" sz="1200" kern="1200" dirty="0" err="1">
-                <a:solidFill>
-                  <a:schemeClr val="tx1"/>
-                </a:solidFill>
-                <a:latin typeface="+mn-lt"/>
-                <a:ea typeface="+mn-ea"/>
-                <a:cs typeface="+mn-cs"/>
-              </a:rPr>
-              <a:t>dbo</a:t>
-            </a:r>
-            <a:r>
-              <a:rPr lang="en-CA" sz="1200" kern="1200" dirty="0">
-                <a:solidFill>
-                  <a:schemeClr val="tx1"/>
-                </a:solidFill>
-                <a:latin typeface="+mn-lt"/>
-                <a:ea typeface="+mn-ea"/>
-                <a:cs typeface="+mn-cs"/>
-              </a:rPr>
-              <a:t>].[Restaurant] ([</a:t>
-            </a:r>
-            <a:r>
-              <a:rPr lang="en-CA" sz="1200" kern="1200" dirty="0" err="1">
-                <a:solidFill>
-                  <a:schemeClr val="tx1"/>
-                </a:solidFill>
-                <a:latin typeface="+mn-lt"/>
-                <a:ea typeface="+mn-ea"/>
-                <a:cs typeface="+mn-cs"/>
-              </a:rPr>
-              <a:t>IdRestaurant</a:t>
-            </a:r>
-            <a:r>
-              <a:rPr lang="en-CA" sz="1200" kern="1200" dirty="0">
-                <a:solidFill>
-                  <a:schemeClr val="tx1"/>
-                </a:solidFill>
-                <a:latin typeface="+mn-lt"/>
-                <a:ea typeface="+mn-ea"/>
-                <a:cs typeface="+mn-cs"/>
-              </a:rPr>
-              <a:t>])</a:t>
-            </a:r>
-          </a:p>
-          <a:p>
-            <a:r>
-              <a:rPr lang="en-CA" sz="1200" kern="1200" dirty="0">
-                <a:solidFill>
-                  <a:schemeClr val="tx1"/>
-                </a:solidFill>
-                <a:latin typeface="+mn-lt"/>
-                <a:ea typeface="+mn-ea"/>
-                <a:cs typeface="+mn-cs"/>
-              </a:rPr>
-              <a:t>GO</a:t>
-            </a:r>
-          </a:p>
-          <a:p>
-            <a:r>
-              <a:rPr lang="en-CA" sz="1200" kern="1200" dirty="0">
-                <a:solidFill>
-                  <a:schemeClr val="tx1"/>
-                </a:solidFill>
-                <a:latin typeface="+mn-lt"/>
-                <a:ea typeface="+mn-ea"/>
-                <a:cs typeface="+mn-cs"/>
-              </a:rPr>
-              <a:t>ALTER TABLE [</a:t>
-            </a:r>
-            <a:r>
-              <a:rPr lang="en-CA" sz="1200" kern="1200" dirty="0" err="1">
-                <a:solidFill>
-                  <a:schemeClr val="tx1"/>
-                </a:solidFill>
-                <a:latin typeface="+mn-lt"/>
-                <a:ea typeface="+mn-ea"/>
-                <a:cs typeface="+mn-cs"/>
-              </a:rPr>
-              <a:t>dbo</a:t>
-            </a:r>
-            <a:r>
-              <a:rPr lang="en-CA" sz="1200" kern="1200" dirty="0">
-                <a:solidFill>
-                  <a:schemeClr val="tx1"/>
-                </a:solidFill>
-                <a:latin typeface="+mn-lt"/>
-                <a:ea typeface="+mn-ea"/>
-                <a:cs typeface="+mn-cs"/>
-              </a:rPr>
-              <a:t>].[</a:t>
-            </a:r>
-            <a:r>
-              <a:rPr lang="en-CA" sz="1200" kern="1200" dirty="0" err="1">
-                <a:solidFill>
-                  <a:schemeClr val="tx1"/>
-                </a:solidFill>
-                <a:latin typeface="+mn-lt"/>
-                <a:ea typeface="+mn-ea"/>
-                <a:cs typeface="+mn-cs"/>
-              </a:rPr>
-              <a:t>RestaurantMenu</a:t>
-            </a:r>
-            <a:r>
-              <a:rPr lang="en-CA" sz="1200" kern="1200" dirty="0">
-                <a:solidFill>
-                  <a:schemeClr val="tx1"/>
-                </a:solidFill>
-                <a:latin typeface="+mn-lt"/>
-                <a:ea typeface="+mn-ea"/>
-                <a:cs typeface="+mn-cs"/>
-              </a:rPr>
-              <a:t>] CHECK CONSTRAINT [</a:t>
-            </a:r>
-            <a:r>
-              <a:rPr lang="en-CA" sz="1200" kern="1200" dirty="0" err="1">
-                <a:solidFill>
-                  <a:schemeClr val="tx1"/>
-                </a:solidFill>
-                <a:latin typeface="+mn-lt"/>
-                <a:ea typeface="+mn-ea"/>
-                <a:cs typeface="+mn-cs"/>
-              </a:rPr>
-              <a:t>FK_RestaurantMenu_Restaurant</a:t>
-            </a:r>
-            <a:r>
-              <a:rPr lang="en-CA" sz="1200" kern="1200" dirty="0">
-                <a:solidFill>
-                  <a:schemeClr val="tx1"/>
-                </a:solidFill>
-                <a:latin typeface="+mn-lt"/>
-                <a:ea typeface="+mn-ea"/>
-                <a:cs typeface="+mn-cs"/>
-              </a:rPr>
-              <a:t>]</a:t>
-            </a:r>
-          </a:p>
-          <a:p>
-            <a:r>
-              <a:rPr lang="en-CA" sz="1200" kern="1200" dirty="0">
-                <a:solidFill>
-                  <a:schemeClr val="tx1"/>
-                </a:solidFill>
-                <a:latin typeface="+mn-lt"/>
-                <a:ea typeface="+mn-ea"/>
-                <a:cs typeface="+mn-cs"/>
-              </a:rPr>
-              <a:t>GO</a:t>
-            </a:r>
-          </a:p>
-          <a:p>
-            <a:r>
-              <a:rPr lang="en-CA" sz="1200" kern="1200" dirty="0">
-                <a:solidFill>
-                  <a:schemeClr val="tx1"/>
-                </a:solidFill>
-                <a:latin typeface="+mn-lt"/>
-                <a:ea typeface="+mn-ea"/>
-                <a:cs typeface="+mn-cs"/>
-              </a:rPr>
-              <a:t>ALTER TABLE [</a:t>
-            </a:r>
-            <a:r>
-              <a:rPr lang="en-CA" sz="1200" kern="1200" dirty="0" err="1">
-                <a:solidFill>
-                  <a:schemeClr val="tx1"/>
-                </a:solidFill>
-                <a:latin typeface="+mn-lt"/>
-                <a:ea typeface="+mn-ea"/>
-                <a:cs typeface="+mn-cs"/>
-              </a:rPr>
-              <a:t>dbo</a:t>
-            </a:r>
-            <a:r>
-              <a:rPr lang="en-CA" sz="1200" kern="1200" dirty="0">
-                <a:solidFill>
-                  <a:schemeClr val="tx1"/>
-                </a:solidFill>
-                <a:latin typeface="+mn-lt"/>
-                <a:ea typeface="+mn-ea"/>
-                <a:cs typeface="+mn-cs"/>
-              </a:rPr>
-              <a:t>].[</a:t>
-            </a:r>
-            <a:r>
-              <a:rPr lang="en-CA" sz="1200" kern="1200" dirty="0" err="1">
-                <a:solidFill>
-                  <a:schemeClr val="tx1"/>
-                </a:solidFill>
-                <a:latin typeface="+mn-lt"/>
-                <a:ea typeface="+mn-ea"/>
-                <a:cs typeface="+mn-cs"/>
-              </a:rPr>
-              <a:t>RestaurantMenuItem</a:t>
-            </a:r>
-            <a:r>
-              <a:rPr lang="en-CA" sz="1200" kern="1200" dirty="0">
-                <a:solidFill>
-                  <a:schemeClr val="tx1"/>
-                </a:solidFill>
-                <a:latin typeface="+mn-lt"/>
-                <a:ea typeface="+mn-ea"/>
-                <a:cs typeface="+mn-cs"/>
-              </a:rPr>
-              <a:t>]  WITH CHECK ADD  CONSTRAINT [</a:t>
-            </a:r>
-            <a:r>
-              <a:rPr lang="en-CA" sz="1200" kern="1200" dirty="0" err="1">
-                <a:solidFill>
-                  <a:schemeClr val="tx1"/>
-                </a:solidFill>
-                <a:latin typeface="+mn-lt"/>
-                <a:ea typeface="+mn-ea"/>
-                <a:cs typeface="+mn-cs"/>
-              </a:rPr>
-              <a:t>FK_RestaurantMenuItem_RestaurantMenu</a:t>
-            </a:r>
-            <a:r>
-              <a:rPr lang="en-CA" sz="1200" kern="1200" dirty="0">
-                <a:solidFill>
-                  <a:schemeClr val="tx1"/>
-                </a:solidFill>
-                <a:latin typeface="+mn-lt"/>
-                <a:ea typeface="+mn-ea"/>
-                <a:cs typeface="+mn-cs"/>
-              </a:rPr>
-              <a:t>] FOREIGN KEY([</a:t>
-            </a:r>
-            <a:r>
-              <a:rPr lang="en-CA" sz="1200" kern="1200" dirty="0" err="1">
-                <a:solidFill>
-                  <a:schemeClr val="tx1"/>
-                </a:solidFill>
-                <a:latin typeface="+mn-lt"/>
-                <a:ea typeface="+mn-ea"/>
-                <a:cs typeface="+mn-cs"/>
-              </a:rPr>
-              <a:t>IdRestaurantMenu</a:t>
-            </a:r>
-            <a:r>
-              <a:rPr lang="en-CA" sz="1200" kern="1200" dirty="0">
-                <a:solidFill>
-                  <a:schemeClr val="tx1"/>
-                </a:solidFill>
-                <a:latin typeface="+mn-lt"/>
-                <a:ea typeface="+mn-ea"/>
-                <a:cs typeface="+mn-cs"/>
-              </a:rPr>
-              <a:t>])</a:t>
-            </a:r>
-          </a:p>
-          <a:p>
-            <a:r>
-              <a:rPr lang="en-CA" sz="1200" kern="1200" dirty="0">
-                <a:solidFill>
-                  <a:schemeClr val="tx1"/>
-                </a:solidFill>
-                <a:latin typeface="+mn-lt"/>
-                <a:ea typeface="+mn-ea"/>
-                <a:cs typeface="+mn-cs"/>
-              </a:rPr>
-              <a:t>REFERENCES [</a:t>
-            </a:r>
-            <a:r>
-              <a:rPr lang="en-CA" sz="1200" kern="1200" dirty="0" err="1">
-                <a:solidFill>
-                  <a:schemeClr val="tx1"/>
-                </a:solidFill>
-                <a:latin typeface="+mn-lt"/>
-                <a:ea typeface="+mn-ea"/>
-                <a:cs typeface="+mn-cs"/>
-              </a:rPr>
-              <a:t>dbo</a:t>
-            </a:r>
-            <a:r>
-              <a:rPr lang="en-CA" sz="1200" kern="1200" dirty="0">
-                <a:solidFill>
-                  <a:schemeClr val="tx1"/>
-                </a:solidFill>
-                <a:latin typeface="+mn-lt"/>
-                <a:ea typeface="+mn-ea"/>
-                <a:cs typeface="+mn-cs"/>
-              </a:rPr>
-              <a:t>].[</a:t>
-            </a:r>
-            <a:r>
-              <a:rPr lang="en-CA" sz="1200" kern="1200" dirty="0" err="1">
-                <a:solidFill>
-                  <a:schemeClr val="tx1"/>
-                </a:solidFill>
-                <a:latin typeface="+mn-lt"/>
-                <a:ea typeface="+mn-ea"/>
-                <a:cs typeface="+mn-cs"/>
-              </a:rPr>
-              <a:t>RestaurantMenu</a:t>
-            </a:r>
-            <a:r>
-              <a:rPr lang="en-CA" sz="1200" kern="1200" dirty="0">
-                <a:solidFill>
-                  <a:schemeClr val="tx1"/>
-                </a:solidFill>
-                <a:latin typeface="+mn-lt"/>
-                <a:ea typeface="+mn-ea"/>
-                <a:cs typeface="+mn-cs"/>
-              </a:rPr>
-              <a:t>] ([</a:t>
-            </a:r>
-            <a:r>
-              <a:rPr lang="en-CA" sz="1200" kern="1200" dirty="0" err="1">
-                <a:solidFill>
-                  <a:schemeClr val="tx1"/>
-                </a:solidFill>
-                <a:latin typeface="+mn-lt"/>
-                <a:ea typeface="+mn-ea"/>
-                <a:cs typeface="+mn-cs"/>
-              </a:rPr>
-              <a:t>IdRestaurantMenu</a:t>
-            </a:r>
-            <a:r>
-              <a:rPr lang="en-CA" sz="1200" kern="1200" dirty="0">
-                <a:solidFill>
-                  <a:schemeClr val="tx1"/>
-                </a:solidFill>
-                <a:latin typeface="+mn-lt"/>
-                <a:ea typeface="+mn-ea"/>
-                <a:cs typeface="+mn-cs"/>
-              </a:rPr>
-              <a:t>])</a:t>
-            </a:r>
-          </a:p>
-          <a:p>
-            <a:r>
-              <a:rPr lang="en-CA" sz="1200" kern="1200" dirty="0">
-                <a:solidFill>
-                  <a:schemeClr val="tx1"/>
-                </a:solidFill>
-                <a:latin typeface="+mn-lt"/>
-                <a:ea typeface="+mn-ea"/>
-                <a:cs typeface="+mn-cs"/>
-              </a:rPr>
-              <a:t>GO</a:t>
-            </a:r>
-          </a:p>
-          <a:p>
-            <a:r>
-              <a:rPr lang="en-CA" sz="1200" kern="1200" dirty="0">
-                <a:solidFill>
-                  <a:schemeClr val="tx1"/>
-                </a:solidFill>
-                <a:latin typeface="+mn-lt"/>
-                <a:ea typeface="+mn-ea"/>
-                <a:cs typeface="+mn-cs"/>
-              </a:rPr>
-              <a:t>ALTER TABLE [</a:t>
-            </a:r>
-            <a:r>
-              <a:rPr lang="en-CA" sz="1200" kern="1200" dirty="0" err="1">
-                <a:solidFill>
-                  <a:schemeClr val="tx1"/>
-                </a:solidFill>
-                <a:latin typeface="+mn-lt"/>
-                <a:ea typeface="+mn-ea"/>
-                <a:cs typeface="+mn-cs"/>
-              </a:rPr>
-              <a:t>dbo</a:t>
-            </a:r>
-            <a:r>
-              <a:rPr lang="en-CA" sz="1200" kern="1200" dirty="0">
-                <a:solidFill>
-                  <a:schemeClr val="tx1"/>
-                </a:solidFill>
-                <a:latin typeface="+mn-lt"/>
-                <a:ea typeface="+mn-ea"/>
-                <a:cs typeface="+mn-cs"/>
-              </a:rPr>
-              <a:t>].[</a:t>
-            </a:r>
-            <a:r>
-              <a:rPr lang="en-CA" sz="1200" kern="1200" dirty="0" err="1">
-                <a:solidFill>
-                  <a:schemeClr val="tx1"/>
-                </a:solidFill>
-                <a:latin typeface="+mn-lt"/>
-                <a:ea typeface="+mn-ea"/>
-                <a:cs typeface="+mn-cs"/>
-              </a:rPr>
-              <a:t>RestaurantMenuItem</a:t>
-            </a:r>
-            <a:r>
-              <a:rPr lang="en-CA" sz="1200" kern="1200" dirty="0">
-                <a:solidFill>
-                  <a:schemeClr val="tx1"/>
-                </a:solidFill>
-                <a:latin typeface="+mn-lt"/>
-                <a:ea typeface="+mn-ea"/>
-                <a:cs typeface="+mn-cs"/>
-              </a:rPr>
-              <a:t>] CHECK CONSTRAINT [</a:t>
-            </a:r>
-            <a:r>
-              <a:rPr lang="en-CA" sz="1200" kern="1200" dirty="0" err="1">
-                <a:solidFill>
-                  <a:schemeClr val="tx1"/>
-                </a:solidFill>
-                <a:latin typeface="+mn-lt"/>
-                <a:ea typeface="+mn-ea"/>
-                <a:cs typeface="+mn-cs"/>
-              </a:rPr>
-              <a:t>FK_RestaurantMenuItem_RestaurantMenu</a:t>
-            </a:r>
-            <a:r>
-              <a:rPr lang="en-CA" sz="1200" kern="1200" dirty="0">
-                <a:solidFill>
-                  <a:schemeClr val="tx1"/>
-                </a:solidFill>
-                <a:latin typeface="+mn-lt"/>
-                <a:ea typeface="+mn-ea"/>
-                <a:cs typeface="+mn-cs"/>
-              </a:rPr>
-              <a:t>]</a:t>
-            </a:r>
-          </a:p>
-          <a:p>
-            <a:r>
-              <a:rPr lang="en-CA" sz="1200" kern="1200" dirty="0">
-                <a:solidFill>
-                  <a:schemeClr val="tx1"/>
-                </a:solidFill>
-                <a:latin typeface="+mn-lt"/>
-                <a:ea typeface="+mn-ea"/>
-                <a:cs typeface="+mn-cs"/>
-              </a:rPr>
-              <a:t>GO</a:t>
-            </a:r>
+            <a:endParaRPr lang="en-CA" dirty="0"/>
+          </a:p>
+          <a:p>
+            <a:endParaRPr lang="en-CA" dirty="0"/>
+          </a:p>
+          <a:p>
+            <a:r>
+              <a:rPr lang="en-CA" dirty="0"/>
+              <a:t>insert into Restaurant</a:t>
+            </a:r>
+          </a:p>
+          <a:p>
+            <a:r>
+              <a:rPr lang="en-CA" dirty="0"/>
+              <a:t>values('Nice </a:t>
+            </a:r>
+            <a:r>
+              <a:rPr lang="en-CA" dirty="0" err="1"/>
+              <a:t>Place','Nice</a:t>
+            </a:r>
+            <a:r>
+              <a:rPr lang="en-CA" dirty="0"/>
+              <a:t> </a:t>
+            </a:r>
+            <a:r>
+              <a:rPr lang="en-CA" dirty="0" err="1"/>
+              <a:t>Street','All</a:t>
+            </a:r>
+            <a:r>
+              <a:rPr lang="en-CA" dirty="0"/>
+              <a:t> you can </a:t>
+            </a:r>
+            <a:r>
+              <a:rPr lang="en-CA" dirty="0" err="1"/>
+              <a:t>eat','Variety',null</a:t>
+            </a:r>
+            <a:r>
+              <a:rPr lang="en-CA" dirty="0"/>
+              <a:t>)</a:t>
+            </a:r>
+          </a:p>
+          <a:p>
+            <a:endParaRPr lang="en-CA" dirty="0"/>
+          </a:p>
+          <a:p>
+            <a:r>
+              <a:rPr lang="en-CA" dirty="0"/>
+              <a:t>--seed menu items</a:t>
+            </a:r>
+          </a:p>
+          <a:p>
+            <a:r>
+              <a:rPr lang="en-CA" dirty="0"/>
+              <a:t>insert into </a:t>
+            </a:r>
+            <a:r>
+              <a:rPr lang="en-CA" dirty="0" err="1"/>
+              <a:t>MenuItem</a:t>
+            </a:r>
+            <a:endParaRPr lang="en-CA" dirty="0"/>
+          </a:p>
+          <a:p>
+            <a:r>
+              <a:rPr lang="en-CA" dirty="0"/>
+              <a:t>values(1,'Water','Awsome water',0.0)</a:t>
+            </a:r>
+          </a:p>
+          <a:p>
+            <a:r>
+              <a:rPr lang="en-CA" dirty="0"/>
+              <a:t>insert into </a:t>
+            </a:r>
+            <a:r>
+              <a:rPr lang="en-CA" dirty="0" err="1"/>
+              <a:t>MenuItem</a:t>
+            </a:r>
+            <a:endParaRPr lang="en-CA" dirty="0"/>
+          </a:p>
+          <a:p>
+            <a:r>
+              <a:rPr lang="en-CA" dirty="0"/>
+              <a:t>values(1,'Orange </a:t>
+            </a:r>
+            <a:r>
+              <a:rPr lang="en-CA" dirty="0" err="1"/>
+              <a:t>Juice','Fresh</a:t>
+            </a:r>
+            <a:r>
+              <a:rPr lang="en-CA" dirty="0"/>
+              <a:t> made every day', 2.5)</a:t>
+            </a:r>
+          </a:p>
+          <a:p>
+            <a:r>
+              <a:rPr lang="en-CA" dirty="0"/>
+              <a:t>insert into </a:t>
+            </a:r>
+            <a:r>
+              <a:rPr lang="en-CA" dirty="0" err="1"/>
+              <a:t>MenuItem</a:t>
+            </a:r>
+            <a:endParaRPr lang="en-CA" dirty="0"/>
+          </a:p>
+          <a:p>
+            <a:r>
+              <a:rPr lang="en-CA" dirty="0"/>
+              <a:t>values(1,'Pop','Ask for available brands', 2.0)</a:t>
+            </a:r>
+          </a:p>
+          <a:p>
+            <a:r>
+              <a:rPr lang="en-CA" dirty="0"/>
+              <a:t>insert into </a:t>
+            </a:r>
+            <a:r>
+              <a:rPr lang="en-CA" dirty="0" err="1"/>
+              <a:t>MenuItem</a:t>
+            </a:r>
+            <a:endParaRPr lang="en-CA" dirty="0"/>
+          </a:p>
+          <a:p>
+            <a:r>
+              <a:rPr lang="en-CA" dirty="0"/>
+              <a:t>values(1,'Fries','Fresh cut fries', 4.5)</a:t>
+            </a:r>
+          </a:p>
+          <a:p>
+            <a:r>
+              <a:rPr lang="en-CA" dirty="0"/>
+              <a:t>insert into </a:t>
+            </a:r>
+            <a:r>
+              <a:rPr lang="en-CA" dirty="0" err="1"/>
+              <a:t>MenuItem</a:t>
+            </a:r>
+            <a:endParaRPr lang="en-CA" dirty="0"/>
+          </a:p>
+          <a:p>
+            <a:r>
+              <a:rPr lang="en-CA" dirty="0"/>
+              <a:t>values(1,'Nachos','Served with grilled cheese and </a:t>
+            </a:r>
+            <a:r>
+              <a:rPr lang="en-CA" dirty="0" err="1"/>
+              <a:t>jalapenho</a:t>
+            </a:r>
+            <a:r>
+              <a:rPr lang="en-CA" dirty="0"/>
+              <a:t>', 2.5)</a:t>
+            </a:r>
+          </a:p>
+          <a:p>
+            <a:r>
+              <a:rPr lang="en-CA" dirty="0"/>
+              <a:t>insert into </a:t>
+            </a:r>
+            <a:r>
+              <a:rPr lang="en-CA" dirty="0" err="1"/>
+              <a:t>MenuItem</a:t>
+            </a:r>
+            <a:endParaRPr lang="en-CA" dirty="0"/>
+          </a:p>
+          <a:p>
+            <a:r>
+              <a:rPr lang="en-CA" dirty="0"/>
+              <a:t>values(1,'Perogies','Salted with black pepper and bechamel sauce.', 5.0)</a:t>
+            </a:r>
+          </a:p>
+          <a:p>
+            <a:r>
+              <a:rPr lang="en-CA" dirty="0"/>
+              <a:t>insert into </a:t>
+            </a:r>
+            <a:r>
+              <a:rPr lang="en-CA" dirty="0" err="1"/>
+              <a:t>MenuItem</a:t>
+            </a:r>
+            <a:endParaRPr lang="en-CA" dirty="0"/>
+          </a:p>
+          <a:p>
+            <a:r>
+              <a:rPr lang="en-CA" dirty="0"/>
+              <a:t>values(1,'Beyond meat </a:t>
+            </a:r>
+            <a:r>
+              <a:rPr lang="en-CA" dirty="0" err="1"/>
+              <a:t>burger','Generous</a:t>
+            </a:r>
+            <a:r>
+              <a:rPr lang="en-CA" dirty="0"/>
+              <a:t> beyond meat burger carefully seasoned', 9.5)</a:t>
+            </a:r>
+          </a:p>
+          <a:p>
+            <a:r>
+              <a:rPr lang="en-CA" dirty="0"/>
+              <a:t>insert into </a:t>
+            </a:r>
+            <a:r>
+              <a:rPr lang="en-CA" dirty="0" err="1"/>
+              <a:t>MenuItem</a:t>
+            </a:r>
+            <a:endParaRPr lang="en-CA" dirty="0"/>
+          </a:p>
+          <a:p>
+            <a:r>
+              <a:rPr lang="en-CA" dirty="0"/>
+              <a:t>values(1,'Vegetarian </a:t>
+            </a:r>
+            <a:r>
+              <a:rPr lang="en-CA" dirty="0" err="1"/>
+              <a:t>Poutine','Our</a:t>
+            </a:r>
+            <a:r>
+              <a:rPr lang="en-CA" dirty="0"/>
+              <a:t> fresh fries and the secret house gravy', 8.5)</a:t>
+            </a:r>
+          </a:p>
+          <a:p>
+            <a:r>
+              <a:rPr lang="en-CA" dirty="0"/>
+              <a:t>insert into </a:t>
+            </a:r>
+            <a:r>
+              <a:rPr lang="en-CA" dirty="0" err="1"/>
+              <a:t>MenuItem</a:t>
+            </a:r>
+            <a:endParaRPr lang="en-CA" dirty="0"/>
+          </a:p>
+          <a:p>
+            <a:r>
+              <a:rPr lang="en-CA" dirty="0"/>
+              <a:t>values(1,'Cheese </a:t>
+            </a:r>
+            <a:r>
+              <a:rPr lang="en-CA" dirty="0" err="1"/>
+              <a:t>Salad','Leaves</a:t>
+            </a:r>
+            <a:r>
+              <a:rPr lang="en-CA" dirty="0"/>
+              <a:t> mix with fresh </a:t>
+            </a:r>
+            <a:r>
+              <a:rPr lang="en-CA" dirty="0" err="1"/>
+              <a:t>parmisan</a:t>
+            </a:r>
+            <a:r>
+              <a:rPr lang="en-CA" dirty="0"/>
+              <a:t> cheese and feta',7.0)</a:t>
+            </a:r>
+          </a:p>
+          <a:p>
+            <a:endParaRPr lang="en-CA" dirty="0"/>
+          </a:p>
+          <a:p>
+            <a:endParaRPr lang="en-CA" dirty="0"/>
+          </a:p>
+          <a:p>
             <a:endParaRPr lang="en-CA" dirty="0"/>
           </a:p>
         </p:txBody>
@@ -3485,7 +3937,7 @@
           <a:p>
             <a:fld id="{BF506CD0-4F7F-43A2-B22D-E151120B9E80}" type="datetimeFigureOut">
               <a:rPr lang="en-CA" smtClean="0"/>
-              <a:t>2019-08-20</a:t>
+              <a:t>2019-08-22</a:t>
             </a:fld>
             <a:endParaRPr lang="en-CA"/>
           </a:p>
@@ -3685,7 +4137,7 @@
           <a:p>
             <a:fld id="{BF506CD0-4F7F-43A2-B22D-E151120B9E80}" type="datetimeFigureOut">
               <a:rPr lang="en-CA" smtClean="0"/>
-              <a:t>2019-08-20</a:t>
+              <a:t>2019-08-22</a:t>
             </a:fld>
             <a:endParaRPr lang="en-CA"/>
           </a:p>
@@ -3895,7 +4347,7 @@
           <a:p>
             <a:fld id="{BF506CD0-4F7F-43A2-B22D-E151120B9E80}" type="datetimeFigureOut">
               <a:rPr lang="en-CA" smtClean="0"/>
-              <a:t>2019-08-20</a:t>
+              <a:t>2019-08-22</a:t>
             </a:fld>
             <a:endParaRPr lang="en-CA"/>
           </a:p>
@@ -4095,7 +4547,7 @@
           <a:p>
             <a:fld id="{BF506CD0-4F7F-43A2-B22D-E151120B9E80}" type="datetimeFigureOut">
               <a:rPr lang="en-CA" smtClean="0"/>
-              <a:t>2019-08-20</a:t>
+              <a:t>2019-08-22</a:t>
             </a:fld>
             <a:endParaRPr lang="en-CA"/>
           </a:p>
@@ -4371,7 +4823,7 @@
           <a:p>
             <a:fld id="{BF506CD0-4F7F-43A2-B22D-E151120B9E80}" type="datetimeFigureOut">
               <a:rPr lang="en-CA" smtClean="0"/>
-              <a:t>2019-08-20</a:t>
+              <a:t>2019-08-22</a:t>
             </a:fld>
             <a:endParaRPr lang="en-CA"/>
           </a:p>
@@ -4639,7 +5091,7 @@
           <a:p>
             <a:fld id="{BF506CD0-4F7F-43A2-B22D-E151120B9E80}" type="datetimeFigureOut">
               <a:rPr lang="en-CA" smtClean="0"/>
-              <a:t>2019-08-20</a:t>
+              <a:t>2019-08-22</a:t>
             </a:fld>
             <a:endParaRPr lang="en-CA"/>
           </a:p>
@@ -5054,7 +5506,7 @@
           <a:p>
             <a:fld id="{BF506CD0-4F7F-43A2-B22D-E151120B9E80}" type="datetimeFigureOut">
               <a:rPr lang="en-CA" smtClean="0"/>
-              <a:t>2019-08-20</a:t>
+              <a:t>2019-08-22</a:t>
             </a:fld>
             <a:endParaRPr lang="en-CA"/>
           </a:p>
@@ -5196,7 +5648,7 @@
           <a:p>
             <a:fld id="{BF506CD0-4F7F-43A2-B22D-E151120B9E80}" type="datetimeFigureOut">
               <a:rPr lang="en-CA" smtClean="0"/>
-              <a:t>2019-08-20</a:t>
+              <a:t>2019-08-22</a:t>
             </a:fld>
             <a:endParaRPr lang="en-CA"/>
           </a:p>
@@ -5309,7 +5761,7 @@
           <a:p>
             <a:fld id="{BF506CD0-4F7F-43A2-B22D-E151120B9E80}" type="datetimeFigureOut">
               <a:rPr lang="en-CA" smtClean="0"/>
-              <a:t>2019-08-20</a:t>
+              <a:t>2019-08-22</a:t>
             </a:fld>
             <a:endParaRPr lang="en-CA"/>
           </a:p>
@@ -5622,7 +6074,7 @@
           <a:p>
             <a:fld id="{BF506CD0-4F7F-43A2-B22D-E151120B9E80}" type="datetimeFigureOut">
               <a:rPr lang="en-CA" smtClean="0"/>
-              <a:t>2019-08-20</a:t>
+              <a:t>2019-08-22</a:t>
             </a:fld>
             <a:endParaRPr lang="en-CA"/>
           </a:p>
@@ -5911,7 +6363,7 @@
           <a:p>
             <a:fld id="{BF506CD0-4F7F-43A2-B22D-E151120B9E80}" type="datetimeFigureOut">
               <a:rPr lang="en-CA" smtClean="0"/>
-              <a:t>2019-08-20</a:t>
+              <a:t>2019-08-22</a:t>
             </a:fld>
             <a:endParaRPr lang="en-CA"/>
           </a:p>
@@ -6154,7 +6606,7 @@
           <a:p>
             <a:fld id="{BF506CD0-4F7F-43A2-B22D-E151120B9E80}" type="datetimeFigureOut">
               <a:rPr lang="en-CA" smtClean="0"/>
-              <a:t>2019-08-20</a:t>
+              <a:t>2019-08-22</a:t>
             </a:fld>
             <a:endParaRPr lang="en-CA"/>
           </a:p>

--- a/IEEE Presentation/RestaurantAppPresentation.pptx
+++ b/IEEE Presentation/RestaurantAppPresentation.pptx
@@ -5,16 +5,31 @@
     <p:sldMasterId id="2147483648" r:id="rId1"/>
   </p:sldMasterIdLst>
   <p:notesMasterIdLst>
-    <p:notesMasterId r:id="rId9"/>
+    <p:notesMasterId r:id="rId24"/>
   </p:notesMasterIdLst>
   <p:sldIdLst>
     <p:sldId id="259" r:id="rId2"/>
     <p:sldId id="258" r:id="rId3"/>
-    <p:sldId id="257" r:id="rId4"/>
-    <p:sldId id="256" r:id="rId5"/>
-    <p:sldId id="260" r:id="rId6"/>
-    <p:sldId id="261" r:id="rId7"/>
-    <p:sldId id="262" r:id="rId8"/>
+    <p:sldId id="263" r:id="rId4"/>
+    <p:sldId id="264" r:id="rId5"/>
+    <p:sldId id="265" r:id="rId6"/>
+    <p:sldId id="266" r:id="rId7"/>
+    <p:sldId id="257" r:id="rId8"/>
+    <p:sldId id="267" r:id="rId9"/>
+    <p:sldId id="268" r:id="rId10"/>
+    <p:sldId id="269" r:id="rId11"/>
+    <p:sldId id="270" r:id="rId12"/>
+    <p:sldId id="271" r:id="rId13"/>
+    <p:sldId id="272" r:id="rId14"/>
+    <p:sldId id="273" r:id="rId15"/>
+    <p:sldId id="274" r:id="rId16"/>
+    <p:sldId id="275" r:id="rId17"/>
+    <p:sldId id="276" r:id="rId18"/>
+    <p:sldId id="277" r:id="rId19"/>
+    <p:sldId id="278" r:id="rId20"/>
+    <p:sldId id="279" r:id="rId21"/>
+    <p:sldId id="261" r:id="rId22"/>
+    <p:sldId id="262" r:id="rId23"/>
   </p:sldIdLst>
   <p:sldSz cx="12192000" cy="6858000"/>
   <p:notesSz cx="6858000" cy="9144000"/>
@@ -2647,6 +2662,127 @@
 </p:notes>
 </file>
 
+<file path=ppt/notesSlides/notesSlide10.xml><?xml version="1.0" encoding="utf-8"?>
+<p:notes xmlns:a="http://schemas.openxmlformats.org/drawingml/2006/main" xmlns:r="http://schemas.openxmlformats.org/officeDocument/2006/relationships" xmlns:p="http://schemas.openxmlformats.org/presentationml/2006/main">
+  <p:cSld>
+    <p:spTree>
+      <p:nvGrpSpPr>
+        <p:cNvPr id="1" name=""/>
+        <p:cNvGrpSpPr/>
+        <p:nvPr/>
+      </p:nvGrpSpPr>
+      <p:grpSpPr>
+        <a:xfrm>
+          <a:off x="0" y="0"/>
+          <a:ext cx="0" cy="0"/>
+          <a:chOff x="0" y="0"/>
+          <a:chExt cx="0" cy="0"/>
+        </a:xfrm>
+      </p:grpSpPr>
+      <p:sp>
+        <p:nvSpPr>
+          <p:cNvPr id="2" name="Slide Image Placeholder 1"/>
+          <p:cNvSpPr>
+            <a:spLocks noGrp="1" noRot="1" noChangeAspect="1"/>
+          </p:cNvSpPr>
+          <p:nvPr>
+            <p:ph type="sldImg"/>
+          </p:nvPr>
+        </p:nvSpPr>
+        <p:spPr/>
+      </p:sp>
+      <p:sp>
+        <p:nvSpPr>
+          <p:cNvPr id="3" name="Notes Placeholder 2"/>
+          <p:cNvSpPr>
+            <a:spLocks noGrp="1"/>
+          </p:cNvSpPr>
+          <p:nvPr>
+            <p:ph type="body" idx="1"/>
+          </p:nvPr>
+        </p:nvSpPr>
+        <p:spPr/>
+        <p:txBody>
+          <a:bodyPr/>
+          <a:lstStyle/>
+          <a:p>
+            <a:r>
+              <a:rPr lang="en-CA" sz="1200" kern="1200" dirty="0">
+                <a:solidFill>
+                  <a:schemeClr val="tx1"/>
+                </a:solidFill>
+                <a:latin typeface="+mn-lt"/>
+                <a:ea typeface="+mn-ea"/>
+                <a:cs typeface="+mn-cs"/>
+              </a:rPr>
+              <a:t>&lt;li class="nav-item"&gt;</a:t>
+            </a:r>
+          </a:p>
+          <a:p>
+            <a:r>
+              <a:rPr lang="en-US" sz="1200" kern="1200" dirty="0">
+                <a:solidFill>
+                  <a:schemeClr val="tx1"/>
+                </a:solidFill>
+                <a:latin typeface="+mn-lt"/>
+                <a:ea typeface="+mn-ea"/>
+                <a:cs typeface="+mn-cs"/>
+              </a:rPr>
+              <a:t>                            &lt;a class="nav-link text-dark" asp-area="" asp-controller="Restaurants" asp-action="Index"&gt;Restaurant&lt;/a&gt;</a:t>
+            </a:r>
+          </a:p>
+          <a:p>
+            <a:r>
+              <a:rPr lang="en-CA" sz="1200" kern="1200" dirty="0">
+                <a:solidFill>
+                  <a:schemeClr val="tx1"/>
+                </a:solidFill>
+                <a:latin typeface="+mn-lt"/>
+                <a:ea typeface="+mn-ea"/>
+                <a:cs typeface="+mn-cs"/>
+              </a:rPr>
+              <a:t>                        &lt;/li&gt;</a:t>
+            </a:r>
+            <a:endParaRPr lang="en-CA" dirty="0"/>
+          </a:p>
+        </p:txBody>
+      </p:sp>
+      <p:sp>
+        <p:nvSpPr>
+          <p:cNvPr id="4" name="Slide Number Placeholder 3"/>
+          <p:cNvSpPr>
+            <a:spLocks noGrp="1"/>
+          </p:cNvSpPr>
+          <p:nvPr>
+            <p:ph type="sldNum" sz="quarter" idx="5"/>
+          </p:nvPr>
+        </p:nvSpPr>
+        <p:spPr/>
+        <p:txBody>
+          <a:bodyPr/>
+          <a:lstStyle/>
+          <a:p>
+            <a:fld id="{D653C7FE-4C66-45E3-AE22-5DB5ADC0C17A}" type="slidenum">
+              <a:rPr lang="en-CA" smtClean="0"/>
+              <a:t>17</a:t>
+            </a:fld>
+            <a:endParaRPr lang="en-CA"/>
+          </a:p>
+        </p:txBody>
+      </p:sp>
+    </p:spTree>
+    <p:extLst>
+      <p:ext uri="{BB962C8B-B14F-4D97-AF65-F5344CB8AC3E}">
+        <p14:creationId xmlns:p14="http://schemas.microsoft.com/office/powerpoint/2010/main" val="3992174691"/>
+      </p:ext>
+    </p:extLst>
+  </p:cSld>
+  <p:clrMapOvr>
+    <a:masterClrMapping/>
+  </p:clrMapOvr>
+</p:notes>
+</file>
+
 <file path=ppt/notesSlides/notesSlide2.xml><?xml version="1.0" encoding="utf-8"?>
 <p:notes xmlns:a="http://schemas.openxmlformats.org/drawingml/2006/main" xmlns:r="http://schemas.openxmlformats.org/officeDocument/2006/relationships" xmlns:p="http://schemas.openxmlformats.org/presentationml/2006/main">
   <p:cSld>
@@ -2783,70 +2919,6 @@
           <a:bodyPr/>
           <a:lstStyle/>
           <a:p>
-            <a:r>
-              <a:rPr lang="en-CA" dirty="0"/>
-              <a:t>Scaffold-</a:t>
-            </a:r>
-            <a:r>
-              <a:rPr lang="en-CA" dirty="0" err="1"/>
-              <a:t>DbContext</a:t>
-            </a:r>
-            <a:r>
-              <a:rPr lang="en-CA" dirty="0"/>
-              <a:t> -Context </a:t>
-            </a:r>
-            <a:r>
-              <a:rPr lang="en-CA" dirty="0" err="1"/>
-              <a:t>RestaurantContext</a:t>
-            </a:r>
-            <a:r>
-              <a:rPr lang="en-CA" dirty="0"/>
-              <a:t> "Data Source=(</a:t>
-            </a:r>
-            <a:r>
-              <a:rPr lang="en-CA" dirty="0" err="1"/>
-              <a:t>localdb</a:t>
-            </a:r>
-            <a:r>
-              <a:rPr lang="en-CA" dirty="0"/>
-              <a:t>)\</a:t>
-            </a:r>
-            <a:r>
-              <a:rPr lang="en-CA" dirty="0" err="1"/>
-              <a:t>MSSQLLocalDB;Initial</a:t>
-            </a:r>
-            <a:r>
-              <a:rPr lang="en-CA" dirty="0"/>
-              <a:t> Catalog=</a:t>
-            </a:r>
-            <a:r>
-              <a:rPr lang="en-CA" dirty="0" err="1"/>
-              <a:t>restaurant;Integrated</a:t>
-            </a:r>
-            <a:r>
-              <a:rPr lang="en-CA" dirty="0"/>
-              <a:t> Security=True;" </a:t>
-            </a:r>
-            <a:r>
-              <a:rPr lang="en-CA" dirty="0" err="1"/>
-              <a:t>Microsoft.EntityFrameworkCore.SqlServer</a:t>
-            </a:r>
-            <a:r>
-              <a:rPr lang="en-CA" dirty="0"/>
-              <a:t> -</a:t>
-            </a:r>
-            <a:r>
-              <a:rPr lang="en-CA" dirty="0" err="1"/>
-              <a:t>OutputDir</a:t>
-            </a:r>
-            <a:r>
-              <a:rPr lang="en-CA" dirty="0"/>
-              <a:t> Models -Tables </a:t>
-            </a:r>
-            <a:r>
-              <a:rPr lang="en-CA" dirty="0" err="1"/>
-              <a:t>Restaurant,RestaurantMenu,RestaurantMenuItem</a:t>
-            </a:r>
             <a:endParaRPr lang="en-CA" dirty="0"/>
           </a:p>
         </p:txBody>
@@ -2877,7 +2949,7 @@
     </p:spTree>
     <p:extLst>
       <p:ext uri="{BB962C8B-B14F-4D97-AF65-F5344CB8AC3E}">
-        <p14:creationId xmlns:p14="http://schemas.microsoft.com/office/powerpoint/2010/main" val="115023147"/>
+        <p14:creationId xmlns:p14="http://schemas.microsoft.com/office/powerpoint/2010/main" val="3746652688"/>
       </p:ext>
     </p:extLst>
   </p:cSld>
@@ -2940,10 +3012,19 @@
                 <a:ea typeface="+mn-ea"/>
                 <a:cs typeface="+mn-cs"/>
               </a:rPr>
-              <a:t>select * from Restaurant</a:t>
-            </a:r>
-          </a:p>
-          <a:p>
+              <a:t> Scaffold-</a:t>
+            </a:r>
+            <a:r>
+              <a:rPr lang="en-CA" sz="1200" kern="1200" dirty="0" err="1">
+                <a:solidFill>
+                  <a:schemeClr val="tx1"/>
+                </a:solidFill>
+                <a:latin typeface="+mn-lt"/>
+                <a:ea typeface="+mn-ea"/>
+                <a:cs typeface="+mn-cs"/>
+              </a:rPr>
+              <a:t>DbContext</a:t>
+            </a:r>
             <a:r>
               <a:rPr lang="en-CA" sz="1200" kern="1200" dirty="0">
                 <a:solidFill>
@@ -2953,7 +3034,7 @@
                 <a:ea typeface="+mn-ea"/>
                 <a:cs typeface="+mn-cs"/>
               </a:rPr>
-              <a:t>select * from </a:t>
+              <a:t> -Context </a:t>
             </a:r>
             <a:r>
               <a:rPr lang="en-CA" sz="1200" kern="1200" dirty="0" err="1">
@@ -2964,18 +3045,8 @@
                 <a:ea typeface="+mn-ea"/>
                 <a:cs typeface="+mn-cs"/>
               </a:rPr>
-              <a:t>RestaurantMenu</a:t>
-            </a:r>
-            <a:endParaRPr lang="en-CA" sz="1200" kern="1200" dirty="0">
-              <a:solidFill>
-                <a:schemeClr val="tx1"/>
-              </a:solidFill>
-              <a:latin typeface="+mn-lt"/>
-              <a:ea typeface="+mn-ea"/>
-              <a:cs typeface="+mn-cs"/>
-            </a:endParaRPr>
-          </a:p>
-          <a:p>
+              <a:t>RestaurantContext</a:t>
+            </a:r>
             <a:r>
               <a:rPr lang="en-CA" sz="1200" kern="1200" dirty="0">
                 <a:solidFill>
@@ -2985,7 +3056,7 @@
                 <a:ea typeface="+mn-ea"/>
                 <a:cs typeface="+mn-cs"/>
               </a:rPr>
-              <a:t>select * from </a:t>
+              <a:t> "Data Source=(</a:t>
             </a:r>
             <a:r>
               <a:rPr lang="en-CA" sz="1200" kern="1200" dirty="0" err="1">
@@ -2996,18 +3067,8 @@
                 <a:ea typeface="+mn-ea"/>
                 <a:cs typeface="+mn-cs"/>
               </a:rPr>
-              <a:t>RestaurantMenuItem</a:t>
-            </a:r>
-            <a:endParaRPr lang="en-CA" sz="1200" kern="1200" dirty="0">
-              <a:solidFill>
-                <a:schemeClr val="tx1"/>
-              </a:solidFill>
-              <a:latin typeface="+mn-lt"/>
-              <a:ea typeface="+mn-ea"/>
-              <a:cs typeface="+mn-cs"/>
-            </a:endParaRPr>
-          </a:p>
-          <a:p>
+              <a:t>localdb</a:t>
+            </a:r>
             <a:r>
               <a:rPr lang="en-CA" sz="1200" kern="1200" dirty="0">
                 <a:solidFill>
@@ -3017,10 +3078,19 @@
                 <a:ea typeface="+mn-ea"/>
                 <a:cs typeface="+mn-cs"/>
               </a:rPr>
-              <a:t>--seed menu</a:t>
-            </a:r>
-          </a:p>
-          <a:p>
+              <a:t>)\</a:t>
+            </a:r>
+            <a:r>
+              <a:rPr lang="en-CA" sz="1200" kern="1200" dirty="0" err="1">
+                <a:solidFill>
+                  <a:schemeClr val="tx1"/>
+                </a:solidFill>
+                <a:latin typeface="+mn-lt"/>
+                <a:ea typeface="+mn-ea"/>
+                <a:cs typeface="+mn-cs"/>
+              </a:rPr>
+              <a:t>MSSQLLocalDB;Initial</a:t>
+            </a:r>
             <a:r>
               <a:rPr lang="en-CA" sz="1200" kern="1200" dirty="0">
                 <a:solidFill>
@@ -3030,7 +3100,7 @@
                 <a:ea typeface="+mn-ea"/>
                 <a:cs typeface="+mn-cs"/>
               </a:rPr>
-              <a:t>insert into </a:t>
+              <a:t> Catalog=</a:t>
             </a:r>
             <a:r>
               <a:rPr lang="en-CA" sz="1200" kern="1200" dirty="0" err="1">
@@ -3041,18 +3111,8 @@
                 <a:ea typeface="+mn-ea"/>
                 <a:cs typeface="+mn-cs"/>
               </a:rPr>
-              <a:t>RestaurantMenu</a:t>
-            </a:r>
-            <a:endParaRPr lang="en-CA" sz="1200" kern="1200" dirty="0">
-              <a:solidFill>
-                <a:schemeClr val="tx1"/>
-              </a:solidFill>
-              <a:latin typeface="+mn-lt"/>
-              <a:ea typeface="+mn-ea"/>
-              <a:cs typeface="+mn-cs"/>
-            </a:endParaRPr>
-          </a:p>
-          <a:p>
+              <a:t>RestaurantDelivery</a:t>
+            </a:r>
             <a:r>
               <a:rPr lang="en-CA" sz="1200" kern="1200" dirty="0">
                 <a:solidFill>
@@ -3062,10 +3122,19 @@
                 <a:ea typeface="+mn-ea"/>
                 <a:cs typeface="+mn-cs"/>
               </a:rPr>
-              <a:t>values(1,'Beverage','Cocktails')</a:t>
-            </a:r>
-          </a:p>
-          <a:p>
+              <a:t>;" </a:t>
+            </a:r>
+            <a:r>
+              <a:rPr lang="en-CA" sz="1200" kern="1200" dirty="0" err="1">
+                <a:solidFill>
+                  <a:schemeClr val="tx1"/>
+                </a:solidFill>
+                <a:latin typeface="+mn-lt"/>
+                <a:ea typeface="+mn-ea"/>
+                <a:cs typeface="+mn-cs"/>
+              </a:rPr>
+              <a:t>Microsoft.EntityFrameworkCore.SqlServer</a:t>
+            </a:r>
             <a:r>
               <a:rPr lang="en-CA" sz="1200" kern="1200" dirty="0">
                 <a:solidFill>
@@ -3075,7 +3144,7 @@
                 <a:ea typeface="+mn-ea"/>
                 <a:cs typeface="+mn-cs"/>
               </a:rPr>
-              <a:t>insert into </a:t>
+              <a:t> -</a:t>
             </a:r>
             <a:r>
               <a:rPr lang="en-CA" sz="1200" kern="1200" dirty="0" err="1">
@@ -3086,18 +3155,8 @@
                 <a:ea typeface="+mn-ea"/>
                 <a:cs typeface="+mn-cs"/>
               </a:rPr>
-              <a:t>RestaurantMenu</a:t>
-            </a:r>
-            <a:endParaRPr lang="en-CA" sz="1200" kern="1200" dirty="0">
-              <a:solidFill>
-                <a:schemeClr val="tx1"/>
-              </a:solidFill>
-              <a:latin typeface="+mn-lt"/>
-              <a:ea typeface="+mn-ea"/>
-              <a:cs typeface="+mn-cs"/>
-            </a:endParaRPr>
-          </a:p>
-          <a:p>
+              <a:t>OutputDir</a:t>
+            </a:r>
             <a:r>
               <a:rPr lang="en-CA" sz="1200" kern="1200" dirty="0">
                 <a:solidFill>
@@ -3107,10 +3166,19 @@
                 <a:ea typeface="+mn-ea"/>
                 <a:cs typeface="+mn-cs"/>
               </a:rPr>
-              <a:t>values(1,'Appetizers','Vegetarian')</a:t>
-            </a:r>
-          </a:p>
-          <a:p>
+              <a:t> Models -Tables </a:t>
+            </a:r>
+            <a:r>
+              <a:rPr lang="en-CA" sz="1200" kern="1200" dirty="0" err="1">
+                <a:solidFill>
+                  <a:schemeClr val="tx1"/>
+                </a:solidFill>
+                <a:latin typeface="+mn-lt"/>
+                <a:ea typeface="+mn-ea"/>
+                <a:cs typeface="+mn-cs"/>
+              </a:rPr>
+              <a:t>Restaurant,Order,MenuItem</a:t>
+            </a:r>
             <a:r>
               <a:rPr lang="en-CA" sz="1200" kern="1200" dirty="0">
                 <a:solidFill>
@@ -3120,634 +3188,8 @@
                 <a:ea typeface="+mn-ea"/>
                 <a:cs typeface="+mn-cs"/>
               </a:rPr>
-              <a:t>insert into </a:t>
-            </a:r>
-            <a:r>
-              <a:rPr lang="en-CA" sz="1200" kern="1200" dirty="0" err="1">
-                <a:solidFill>
-                  <a:schemeClr val="tx1"/>
-                </a:solidFill>
-                <a:latin typeface="+mn-lt"/>
-                <a:ea typeface="+mn-ea"/>
-                <a:cs typeface="+mn-cs"/>
-              </a:rPr>
-              <a:t>RestaurantMenu</a:t>
-            </a:r>
-            <a:endParaRPr lang="en-CA" sz="1200" kern="1200" dirty="0">
-              <a:solidFill>
-                <a:schemeClr val="tx1"/>
-              </a:solidFill>
-              <a:latin typeface="+mn-lt"/>
-              <a:ea typeface="+mn-ea"/>
-              <a:cs typeface="+mn-cs"/>
-            </a:endParaRPr>
-          </a:p>
-          <a:p>
-            <a:r>
-              <a:rPr lang="en-CA" sz="1200" kern="1200" dirty="0">
-                <a:solidFill>
-                  <a:schemeClr val="tx1"/>
-                </a:solidFill>
-                <a:latin typeface="+mn-lt"/>
-                <a:ea typeface="+mn-ea"/>
-                <a:cs typeface="+mn-cs"/>
-              </a:rPr>
-              <a:t>values(1,'Main </a:t>
-            </a:r>
-            <a:r>
-              <a:rPr lang="en-CA" sz="1200" kern="1200" dirty="0" err="1">
-                <a:solidFill>
-                  <a:schemeClr val="tx1"/>
-                </a:solidFill>
-                <a:latin typeface="+mn-lt"/>
-                <a:ea typeface="+mn-ea"/>
-                <a:cs typeface="+mn-cs"/>
-              </a:rPr>
-              <a:t>course','Vegetarian</a:t>
-            </a:r>
-            <a:r>
-              <a:rPr lang="en-CA" sz="1200" kern="1200" dirty="0">
-                <a:solidFill>
-                  <a:schemeClr val="tx1"/>
-                </a:solidFill>
-                <a:latin typeface="+mn-lt"/>
-                <a:ea typeface="+mn-ea"/>
-                <a:cs typeface="+mn-cs"/>
-              </a:rPr>
-              <a:t>')</a:t>
-            </a:r>
-          </a:p>
-          <a:p>
-            <a:r>
-              <a:rPr lang="en-CA" sz="1200" kern="1200" dirty="0">
-                <a:solidFill>
-                  <a:schemeClr val="tx1"/>
-                </a:solidFill>
-                <a:latin typeface="+mn-lt"/>
-                <a:ea typeface="+mn-ea"/>
-                <a:cs typeface="+mn-cs"/>
-              </a:rPr>
-              <a:t>--seed menu items</a:t>
-            </a:r>
-          </a:p>
-          <a:p>
-            <a:r>
-              <a:rPr lang="en-CA" sz="1200" kern="1200" dirty="0">
-                <a:solidFill>
-                  <a:schemeClr val="tx1"/>
-                </a:solidFill>
-                <a:latin typeface="+mn-lt"/>
-                <a:ea typeface="+mn-ea"/>
-                <a:cs typeface="+mn-cs"/>
-              </a:rPr>
-              <a:t>insert into </a:t>
-            </a:r>
-            <a:r>
-              <a:rPr lang="en-CA" sz="1200" kern="1200" dirty="0" err="1">
-                <a:solidFill>
-                  <a:schemeClr val="tx1"/>
-                </a:solidFill>
-                <a:latin typeface="+mn-lt"/>
-                <a:ea typeface="+mn-ea"/>
-                <a:cs typeface="+mn-cs"/>
-              </a:rPr>
-              <a:t>RestaurantMenuItem</a:t>
-            </a:r>
-            <a:endParaRPr lang="en-CA" sz="1200" kern="1200" dirty="0">
-              <a:solidFill>
-                <a:schemeClr val="tx1"/>
-              </a:solidFill>
-              <a:latin typeface="+mn-lt"/>
-              <a:ea typeface="+mn-ea"/>
-              <a:cs typeface="+mn-cs"/>
-            </a:endParaRPr>
-          </a:p>
-          <a:p>
-            <a:r>
-              <a:rPr lang="en-US" sz="1200" kern="1200" dirty="0">
-                <a:solidFill>
-                  <a:schemeClr val="tx1"/>
-                </a:solidFill>
-                <a:latin typeface="+mn-lt"/>
-                <a:ea typeface="+mn-ea"/>
-                <a:cs typeface="+mn-cs"/>
-              </a:rPr>
-              <a:t>values(1,'Water','Awsome water',0.0)</a:t>
-            </a:r>
-          </a:p>
-          <a:p>
-            <a:r>
-              <a:rPr lang="en-CA" sz="1200" kern="1200" dirty="0">
-                <a:solidFill>
-                  <a:schemeClr val="tx1"/>
-                </a:solidFill>
-                <a:latin typeface="+mn-lt"/>
-                <a:ea typeface="+mn-ea"/>
-                <a:cs typeface="+mn-cs"/>
-              </a:rPr>
-              <a:t>insert into </a:t>
-            </a:r>
-            <a:r>
-              <a:rPr lang="en-CA" sz="1200" kern="1200" dirty="0" err="1">
-                <a:solidFill>
-                  <a:schemeClr val="tx1"/>
-                </a:solidFill>
-                <a:latin typeface="+mn-lt"/>
-                <a:ea typeface="+mn-ea"/>
-                <a:cs typeface="+mn-cs"/>
-              </a:rPr>
-              <a:t>RestaurantMenuItem</a:t>
-            </a:r>
-            <a:endParaRPr lang="en-CA" sz="1200" kern="1200" dirty="0">
-              <a:solidFill>
-                <a:schemeClr val="tx1"/>
-              </a:solidFill>
-              <a:latin typeface="+mn-lt"/>
-              <a:ea typeface="+mn-ea"/>
-              <a:cs typeface="+mn-cs"/>
-            </a:endParaRPr>
-          </a:p>
-          <a:p>
-            <a:r>
-              <a:rPr lang="en-US" sz="1200" kern="1200" dirty="0">
-                <a:solidFill>
-                  <a:schemeClr val="tx1"/>
-                </a:solidFill>
-                <a:latin typeface="+mn-lt"/>
-                <a:ea typeface="+mn-ea"/>
-                <a:cs typeface="+mn-cs"/>
-              </a:rPr>
-              <a:t>values(1,'Orange </a:t>
-            </a:r>
-            <a:r>
-              <a:rPr lang="en-US" sz="1200" kern="1200" dirty="0" err="1">
-                <a:solidFill>
-                  <a:schemeClr val="tx1"/>
-                </a:solidFill>
-                <a:latin typeface="+mn-lt"/>
-                <a:ea typeface="+mn-ea"/>
-                <a:cs typeface="+mn-cs"/>
-              </a:rPr>
-              <a:t>Juice','Fresh</a:t>
-            </a:r>
-            <a:r>
-              <a:rPr lang="en-US" sz="1200" kern="1200" dirty="0">
-                <a:solidFill>
-                  <a:schemeClr val="tx1"/>
-                </a:solidFill>
-                <a:latin typeface="+mn-lt"/>
-                <a:ea typeface="+mn-ea"/>
-                <a:cs typeface="+mn-cs"/>
-              </a:rPr>
-              <a:t> made every day', 2.5)</a:t>
-            </a:r>
-          </a:p>
-          <a:p>
-            <a:r>
-              <a:rPr lang="en-CA" sz="1200" kern="1200" dirty="0">
-                <a:solidFill>
-                  <a:schemeClr val="tx1"/>
-                </a:solidFill>
-                <a:latin typeface="+mn-lt"/>
-                <a:ea typeface="+mn-ea"/>
-                <a:cs typeface="+mn-cs"/>
-              </a:rPr>
-              <a:t>insert into </a:t>
-            </a:r>
-            <a:r>
-              <a:rPr lang="en-CA" sz="1200" kern="1200" dirty="0" err="1">
-                <a:solidFill>
-                  <a:schemeClr val="tx1"/>
-                </a:solidFill>
-                <a:latin typeface="+mn-lt"/>
-                <a:ea typeface="+mn-ea"/>
-                <a:cs typeface="+mn-cs"/>
-              </a:rPr>
-              <a:t>RestaurantMenuItem</a:t>
-            </a:r>
-            <a:endParaRPr lang="en-CA" sz="1200" kern="1200" dirty="0">
-              <a:solidFill>
-                <a:schemeClr val="tx1"/>
-              </a:solidFill>
-              <a:latin typeface="+mn-lt"/>
-              <a:ea typeface="+mn-ea"/>
-              <a:cs typeface="+mn-cs"/>
-            </a:endParaRPr>
-          </a:p>
-          <a:p>
-            <a:r>
-              <a:rPr lang="en-CA" sz="1200" kern="1200" dirty="0">
-                <a:solidFill>
-                  <a:schemeClr val="tx1"/>
-                </a:solidFill>
-                <a:latin typeface="+mn-lt"/>
-                <a:ea typeface="+mn-ea"/>
-                <a:cs typeface="+mn-cs"/>
-              </a:rPr>
-              <a:t>values(1,'Pop','Ask for available brands', 2.0)</a:t>
-            </a:r>
-          </a:p>
-          <a:p>
-            <a:r>
-              <a:rPr lang="en-CA" sz="1200" kern="1200" dirty="0">
-                <a:solidFill>
-                  <a:schemeClr val="tx1"/>
-                </a:solidFill>
-                <a:latin typeface="+mn-lt"/>
-                <a:ea typeface="+mn-ea"/>
-                <a:cs typeface="+mn-cs"/>
-              </a:rPr>
-              <a:t>insert into </a:t>
-            </a:r>
-            <a:r>
-              <a:rPr lang="en-CA" sz="1200" kern="1200" dirty="0" err="1">
-                <a:solidFill>
-                  <a:schemeClr val="tx1"/>
-                </a:solidFill>
-                <a:latin typeface="+mn-lt"/>
-                <a:ea typeface="+mn-ea"/>
-                <a:cs typeface="+mn-cs"/>
-              </a:rPr>
-              <a:t>RestaurantMenuItem</a:t>
-            </a:r>
-            <a:endParaRPr lang="en-CA" sz="1200" kern="1200" dirty="0">
-              <a:solidFill>
-                <a:schemeClr val="tx1"/>
-              </a:solidFill>
-              <a:latin typeface="+mn-lt"/>
-              <a:ea typeface="+mn-ea"/>
-              <a:cs typeface="+mn-cs"/>
-            </a:endParaRPr>
-          </a:p>
-          <a:p>
-            <a:r>
-              <a:rPr lang="en-US" sz="1200" kern="1200" dirty="0">
-                <a:solidFill>
-                  <a:schemeClr val="tx1"/>
-                </a:solidFill>
-                <a:latin typeface="+mn-lt"/>
-                <a:ea typeface="+mn-ea"/>
-                <a:cs typeface="+mn-cs"/>
-              </a:rPr>
-              <a:t>values(2,'Fries','Fresh cut fries', 4.5)</a:t>
-            </a:r>
-          </a:p>
-          <a:p>
-            <a:r>
-              <a:rPr lang="en-CA" sz="1200" kern="1200" dirty="0">
-                <a:solidFill>
-                  <a:schemeClr val="tx1"/>
-                </a:solidFill>
-                <a:latin typeface="+mn-lt"/>
-                <a:ea typeface="+mn-ea"/>
-                <a:cs typeface="+mn-cs"/>
-              </a:rPr>
-              <a:t>insert into </a:t>
-            </a:r>
-            <a:r>
-              <a:rPr lang="en-CA" sz="1200" kern="1200" dirty="0" err="1">
-                <a:solidFill>
-                  <a:schemeClr val="tx1"/>
-                </a:solidFill>
-                <a:latin typeface="+mn-lt"/>
-                <a:ea typeface="+mn-ea"/>
-                <a:cs typeface="+mn-cs"/>
-              </a:rPr>
-              <a:t>RestaurantMenuItem</a:t>
-            </a:r>
-            <a:endParaRPr lang="en-CA" sz="1200" kern="1200" dirty="0">
-              <a:solidFill>
-                <a:schemeClr val="tx1"/>
-              </a:solidFill>
-              <a:latin typeface="+mn-lt"/>
-              <a:ea typeface="+mn-ea"/>
-              <a:cs typeface="+mn-cs"/>
-            </a:endParaRPr>
-          </a:p>
-          <a:p>
-            <a:r>
-              <a:rPr lang="en-US" sz="1200" kern="1200" dirty="0">
-                <a:solidFill>
-                  <a:schemeClr val="tx1"/>
-                </a:solidFill>
-                <a:latin typeface="+mn-lt"/>
-                <a:ea typeface="+mn-ea"/>
-                <a:cs typeface="+mn-cs"/>
-              </a:rPr>
-              <a:t>values(2,'Nachos','Served with grilled cheese and </a:t>
-            </a:r>
-            <a:r>
-              <a:rPr lang="en-US" sz="1200" kern="1200" dirty="0" err="1">
-                <a:solidFill>
-                  <a:schemeClr val="tx1"/>
-                </a:solidFill>
-                <a:latin typeface="+mn-lt"/>
-                <a:ea typeface="+mn-ea"/>
-                <a:cs typeface="+mn-cs"/>
-              </a:rPr>
-              <a:t>jalapenho</a:t>
-            </a:r>
-            <a:r>
-              <a:rPr lang="en-US" sz="1200" kern="1200" dirty="0">
-                <a:solidFill>
-                  <a:schemeClr val="tx1"/>
-                </a:solidFill>
-                <a:latin typeface="+mn-lt"/>
-                <a:ea typeface="+mn-ea"/>
-                <a:cs typeface="+mn-cs"/>
-              </a:rPr>
-              <a:t>', 2.5)</a:t>
-            </a:r>
-          </a:p>
-          <a:p>
-            <a:r>
-              <a:rPr lang="en-CA" sz="1200" kern="1200" dirty="0">
-                <a:solidFill>
-                  <a:schemeClr val="tx1"/>
-                </a:solidFill>
-                <a:latin typeface="+mn-lt"/>
-                <a:ea typeface="+mn-ea"/>
-                <a:cs typeface="+mn-cs"/>
-              </a:rPr>
-              <a:t>insert into </a:t>
-            </a:r>
-            <a:r>
-              <a:rPr lang="en-CA" sz="1200" kern="1200" dirty="0" err="1">
-                <a:solidFill>
-                  <a:schemeClr val="tx1"/>
-                </a:solidFill>
-                <a:latin typeface="+mn-lt"/>
-                <a:ea typeface="+mn-ea"/>
-                <a:cs typeface="+mn-cs"/>
-              </a:rPr>
-              <a:t>RestaurantMenuItem</a:t>
-            </a:r>
-            <a:endParaRPr lang="en-CA" sz="1200" kern="1200" dirty="0">
-              <a:solidFill>
-                <a:schemeClr val="tx1"/>
-              </a:solidFill>
-              <a:latin typeface="+mn-lt"/>
-              <a:ea typeface="+mn-ea"/>
-              <a:cs typeface="+mn-cs"/>
-            </a:endParaRPr>
-          </a:p>
-          <a:p>
-            <a:r>
-              <a:rPr lang="en-US" sz="1200" kern="1200" dirty="0">
-                <a:solidFill>
-                  <a:schemeClr val="tx1"/>
-                </a:solidFill>
-                <a:latin typeface="+mn-lt"/>
-                <a:ea typeface="+mn-ea"/>
-                <a:cs typeface="+mn-cs"/>
-              </a:rPr>
-              <a:t>values(2,'Perogies','Salted with black pepper and bechamel sauce.', 5.0)</a:t>
-            </a:r>
-          </a:p>
-          <a:p>
-            <a:r>
-              <a:rPr lang="en-CA" sz="1200" kern="1200" dirty="0">
-                <a:solidFill>
-                  <a:schemeClr val="tx1"/>
-                </a:solidFill>
-                <a:latin typeface="+mn-lt"/>
-                <a:ea typeface="+mn-ea"/>
-                <a:cs typeface="+mn-cs"/>
-              </a:rPr>
-              <a:t>insert into </a:t>
-            </a:r>
-            <a:r>
-              <a:rPr lang="en-CA" sz="1200" kern="1200" dirty="0" err="1">
-                <a:solidFill>
-                  <a:schemeClr val="tx1"/>
-                </a:solidFill>
-                <a:latin typeface="+mn-lt"/>
-                <a:ea typeface="+mn-ea"/>
-                <a:cs typeface="+mn-cs"/>
-              </a:rPr>
-              <a:t>RestaurantMenuItem</a:t>
-            </a:r>
-            <a:endParaRPr lang="en-CA" sz="1200" kern="1200" dirty="0">
-              <a:solidFill>
-                <a:schemeClr val="tx1"/>
-              </a:solidFill>
-              <a:latin typeface="+mn-lt"/>
-              <a:ea typeface="+mn-ea"/>
-              <a:cs typeface="+mn-cs"/>
-            </a:endParaRPr>
-          </a:p>
-          <a:p>
-            <a:r>
-              <a:rPr lang="en-US" sz="1200" kern="1200" dirty="0">
-                <a:solidFill>
-                  <a:schemeClr val="tx1"/>
-                </a:solidFill>
-                <a:latin typeface="+mn-lt"/>
-                <a:ea typeface="+mn-ea"/>
-                <a:cs typeface="+mn-cs"/>
-              </a:rPr>
-              <a:t>values(3,'Beyond meat </a:t>
-            </a:r>
-            <a:r>
-              <a:rPr lang="en-US" sz="1200" kern="1200" dirty="0" err="1">
-                <a:solidFill>
-                  <a:schemeClr val="tx1"/>
-                </a:solidFill>
-                <a:latin typeface="+mn-lt"/>
-                <a:ea typeface="+mn-ea"/>
-                <a:cs typeface="+mn-cs"/>
-              </a:rPr>
-              <a:t>burger','Generous</a:t>
-            </a:r>
-            <a:r>
-              <a:rPr lang="en-US" sz="1200" kern="1200" dirty="0">
-                <a:solidFill>
-                  <a:schemeClr val="tx1"/>
-                </a:solidFill>
-                <a:latin typeface="+mn-lt"/>
-                <a:ea typeface="+mn-ea"/>
-                <a:cs typeface="+mn-cs"/>
-              </a:rPr>
-              <a:t> beyond meat burger carefully seasoned', 9.5)</a:t>
-            </a:r>
-          </a:p>
-          <a:p>
-            <a:r>
-              <a:rPr lang="en-CA" sz="1200" kern="1200" dirty="0">
-                <a:solidFill>
-                  <a:schemeClr val="tx1"/>
-                </a:solidFill>
-                <a:latin typeface="+mn-lt"/>
-                <a:ea typeface="+mn-ea"/>
-                <a:cs typeface="+mn-cs"/>
-              </a:rPr>
-              <a:t>insert into </a:t>
-            </a:r>
-            <a:r>
-              <a:rPr lang="en-CA" sz="1200" kern="1200" dirty="0" err="1">
-                <a:solidFill>
-                  <a:schemeClr val="tx1"/>
-                </a:solidFill>
-                <a:latin typeface="+mn-lt"/>
-                <a:ea typeface="+mn-ea"/>
-                <a:cs typeface="+mn-cs"/>
-              </a:rPr>
-              <a:t>RestaurantMenuItem</a:t>
-            </a:r>
-            <a:endParaRPr lang="en-CA" sz="1200" kern="1200" dirty="0">
-              <a:solidFill>
-                <a:schemeClr val="tx1"/>
-              </a:solidFill>
-              <a:latin typeface="+mn-lt"/>
-              <a:ea typeface="+mn-ea"/>
-              <a:cs typeface="+mn-cs"/>
-            </a:endParaRPr>
-          </a:p>
-          <a:p>
-            <a:r>
-              <a:rPr lang="en-US" sz="1200" kern="1200" dirty="0">
-                <a:solidFill>
-                  <a:schemeClr val="tx1"/>
-                </a:solidFill>
-                <a:latin typeface="+mn-lt"/>
-                <a:ea typeface="+mn-ea"/>
-                <a:cs typeface="+mn-cs"/>
-              </a:rPr>
-              <a:t>values(3,'Vegetarian </a:t>
-            </a:r>
-            <a:r>
-              <a:rPr lang="en-US" sz="1200" kern="1200" dirty="0" err="1">
-                <a:solidFill>
-                  <a:schemeClr val="tx1"/>
-                </a:solidFill>
-                <a:latin typeface="+mn-lt"/>
-                <a:ea typeface="+mn-ea"/>
-                <a:cs typeface="+mn-cs"/>
-              </a:rPr>
-              <a:t>Poutine','Our</a:t>
-            </a:r>
-            <a:r>
-              <a:rPr lang="en-US" sz="1200" kern="1200" dirty="0">
-                <a:solidFill>
-                  <a:schemeClr val="tx1"/>
-                </a:solidFill>
-                <a:latin typeface="+mn-lt"/>
-                <a:ea typeface="+mn-ea"/>
-                <a:cs typeface="+mn-cs"/>
-              </a:rPr>
-              <a:t> fresh fries and the secret house gravy', 8.5)</a:t>
-            </a:r>
-          </a:p>
-          <a:p>
-            <a:r>
-              <a:rPr lang="en-CA" sz="1200" kern="1200" dirty="0">
-                <a:solidFill>
-                  <a:schemeClr val="tx1"/>
-                </a:solidFill>
-                <a:latin typeface="+mn-lt"/>
-                <a:ea typeface="+mn-ea"/>
-                <a:cs typeface="+mn-cs"/>
-              </a:rPr>
-              <a:t>insert into </a:t>
-            </a:r>
-            <a:r>
-              <a:rPr lang="en-CA" sz="1200" kern="1200" dirty="0" err="1">
-                <a:solidFill>
-                  <a:schemeClr val="tx1"/>
-                </a:solidFill>
-                <a:latin typeface="+mn-lt"/>
-                <a:ea typeface="+mn-ea"/>
-                <a:cs typeface="+mn-cs"/>
-              </a:rPr>
-              <a:t>RestaurantMenuItem</a:t>
-            </a:r>
-            <a:endParaRPr lang="en-CA" sz="1200" kern="1200" dirty="0">
-              <a:solidFill>
-                <a:schemeClr val="tx1"/>
-              </a:solidFill>
-              <a:latin typeface="+mn-lt"/>
-              <a:ea typeface="+mn-ea"/>
-              <a:cs typeface="+mn-cs"/>
-            </a:endParaRPr>
-          </a:p>
-          <a:p>
-            <a:r>
-              <a:rPr lang="en-US" sz="1200" kern="1200" dirty="0">
-                <a:solidFill>
-                  <a:schemeClr val="tx1"/>
-                </a:solidFill>
-                <a:latin typeface="+mn-lt"/>
-                <a:ea typeface="+mn-ea"/>
-                <a:cs typeface="+mn-cs"/>
-              </a:rPr>
-              <a:t>values(3,'Cheese </a:t>
-            </a:r>
-            <a:r>
-              <a:rPr lang="en-US" sz="1200" kern="1200" dirty="0" err="1">
-                <a:solidFill>
-                  <a:schemeClr val="tx1"/>
-                </a:solidFill>
-                <a:latin typeface="+mn-lt"/>
-                <a:ea typeface="+mn-ea"/>
-                <a:cs typeface="+mn-cs"/>
-              </a:rPr>
-              <a:t>Salad','Leaves</a:t>
-            </a:r>
-            <a:r>
-              <a:rPr lang="en-US" sz="1200" kern="1200" dirty="0">
-                <a:solidFill>
-                  <a:schemeClr val="tx1"/>
-                </a:solidFill>
-                <a:latin typeface="+mn-lt"/>
-                <a:ea typeface="+mn-ea"/>
-                <a:cs typeface="+mn-cs"/>
-              </a:rPr>
-              <a:t> mix with fresh </a:t>
-            </a:r>
-            <a:r>
-              <a:rPr lang="en-US" sz="1200" kern="1200" dirty="0" err="1">
-                <a:solidFill>
-                  <a:schemeClr val="tx1"/>
-                </a:solidFill>
-                <a:latin typeface="+mn-lt"/>
-                <a:ea typeface="+mn-ea"/>
-                <a:cs typeface="+mn-cs"/>
-              </a:rPr>
-              <a:t>parmisan</a:t>
-            </a:r>
-            <a:r>
-              <a:rPr lang="en-US" sz="1200" kern="1200" dirty="0">
-                <a:solidFill>
-                  <a:schemeClr val="tx1"/>
-                </a:solidFill>
-                <a:latin typeface="+mn-lt"/>
-                <a:ea typeface="+mn-ea"/>
-                <a:cs typeface="+mn-cs"/>
-              </a:rPr>
-              <a:t> cheese and feta cubes',7.0)</a:t>
-            </a:r>
-          </a:p>
-          <a:p>
-            <a:endParaRPr lang="en-CA" sz="1200" kern="1200" dirty="0">
-              <a:solidFill>
-                <a:schemeClr val="tx1"/>
-              </a:solidFill>
-              <a:latin typeface="+mn-lt"/>
-              <a:ea typeface="+mn-ea"/>
-              <a:cs typeface="+mn-cs"/>
-            </a:endParaRPr>
-          </a:p>
-          <a:p>
-            <a:endParaRPr lang="en-CA" sz="1200" kern="1200" dirty="0">
-              <a:solidFill>
-                <a:schemeClr val="tx1"/>
-              </a:solidFill>
-              <a:latin typeface="+mn-lt"/>
-              <a:ea typeface="+mn-ea"/>
-              <a:cs typeface="+mn-cs"/>
-            </a:endParaRPr>
-          </a:p>
-          <a:p>
+              <a:t> -f</a:t>
+            </a:r>
             <a:endParaRPr lang="en-CA" dirty="0"/>
           </a:p>
         </p:txBody>
@@ -3769,7 +3211,7 @@
           <a:p>
             <a:fld id="{D653C7FE-4C66-45E3-AE22-5DB5ADC0C17A}" type="slidenum">
               <a:rPr lang="en-CA" smtClean="0"/>
-              <a:t>4</a:t>
+              <a:t>7</a:t>
             </a:fld>
             <a:endParaRPr lang="en-CA"/>
           </a:p>
@@ -3778,7 +3220,2567 @@
     </p:spTree>
     <p:extLst>
       <p:ext uri="{BB962C8B-B14F-4D97-AF65-F5344CB8AC3E}">
-        <p14:creationId xmlns:p14="http://schemas.microsoft.com/office/powerpoint/2010/main" val="1509356300"/>
+        <p14:creationId xmlns:p14="http://schemas.microsoft.com/office/powerpoint/2010/main" val="115023147"/>
+      </p:ext>
+    </p:extLst>
+  </p:cSld>
+  <p:clrMapOvr>
+    <a:masterClrMapping/>
+  </p:clrMapOvr>
+</p:notes>
+</file>
+
+<file path=ppt/notesSlides/notesSlide5.xml><?xml version="1.0" encoding="utf-8"?>
+<p:notes xmlns:a="http://schemas.openxmlformats.org/drawingml/2006/main" xmlns:r="http://schemas.openxmlformats.org/officeDocument/2006/relationships" xmlns:p="http://schemas.openxmlformats.org/presentationml/2006/main">
+  <p:cSld>
+    <p:spTree>
+      <p:nvGrpSpPr>
+        <p:cNvPr id="1" name=""/>
+        <p:cNvGrpSpPr/>
+        <p:nvPr/>
+      </p:nvGrpSpPr>
+      <p:grpSpPr>
+        <a:xfrm>
+          <a:off x="0" y="0"/>
+          <a:ext cx="0" cy="0"/>
+          <a:chOff x="0" y="0"/>
+          <a:chExt cx="0" cy="0"/>
+        </a:xfrm>
+      </p:grpSpPr>
+      <p:sp>
+        <p:nvSpPr>
+          <p:cNvPr id="2" name="Slide Image Placeholder 1"/>
+          <p:cNvSpPr>
+            <a:spLocks noGrp="1" noRot="1" noChangeAspect="1"/>
+          </p:cNvSpPr>
+          <p:nvPr>
+            <p:ph type="sldImg"/>
+          </p:nvPr>
+        </p:nvSpPr>
+        <p:spPr/>
+      </p:sp>
+      <p:sp>
+        <p:nvSpPr>
+          <p:cNvPr id="3" name="Notes Placeholder 2"/>
+          <p:cNvSpPr>
+            <a:spLocks noGrp="1"/>
+          </p:cNvSpPr>
+          <p:nvPr>
+            <p:ph type="body" idx="1"/>
+          </p:nvPr>
+        </p:nvSpPr>
+        <p:spPr/>
+        <p:txBody>
+          <a:bodyPr/>
+          <a:lstStyle/>
+          <a:p>
+            <a:r>
+              <a:rPr lang="en-CA" sz="1200" kern="1200" dirty="0">
+                <a:solidFill>
+                  <a:schemeClr val="tx1"/>
+                </a:solidFill>
+                <a:latin typeface="+mn-lt"/>
+                <a:ea typeface="+mn-ea"/>
+                <a:cs typeface="+mn-cs"/>
+              </a:rPr>
+              <a:t> "</a:t>
+            </a:r>
+            <a:r>
+              <a:rPr lang="en-CA" sz="1200" kern="1200" dirty="0" err="1">
+                <a:solidFill>
+                  <a:schemeClr val="tx1"/>
+                </a:solidFill>
+                <a:latin typeface="+mn-lt"/>
+                <a:ea typeface="+mn-ea"/>
+                <a:cs typeface="+mn-cs"/>
+              </a:rPr>
+              <a:t>ConnectionStrings</a:t>
+            </a:r>
+            <a:r>
+              <a:rPr lang="en-CA" sz="1200" kern="1200" dirty="0">
+                <a:solidFill>
+                  <a:schemeClr val="tx1"/>
+                </a:solidFill>
+                <a:latin typeface="+mn-lt"/>
+                <a:ea typeface="+mn-ea"/>
+                <a:cs typeface="+mn-cs"/>
+              </a:rPr>
+              <a:t>": {</a:t>
+            </a:r>
+          </a:p>
+          <a:p>
+            <a:r>
+              <a:rPr lang="en-US" sz="1200" kern="1200" dirty="0">
+                <a:solidFill>
+                  <a:schemeClr val="tx1"/>
+                </a:solidFill>
+                <a:latin typeface="+mn-lt"/>
+                <a:ea typeface="+mn-ea"/>
+                <a:cs typeface="+mn-cs"/>
+              </a:rPr>
+              <a:t>    "</a:t>
+            </a:r>
+            <a:r>
+              <a:rPr lang="en-US" sz="1200" kern="1200" dirty="0" err="1">
+                <a:solidFill>
+                  <a:schemeClr val="tx1"/>
+                </a:solidFill>
+                <a:latin typeface="+mn-lt"/>
+                <a:ea typeface="+mn-ea"/>
+                <a:cs typeface="+mn-cs"/>
+              </a:rPr>
+              <a:t>ConnectionStr</a:t>
+            </a:r>
+            <a:r>
+              <a:rPr lang="en-US" sz="1200" kern="1200" dirty="0">
+                <a:solidFill>
+                  <a:schemeClr val="tx1"/>
+                </a:solidFill>
+                <a:latin typeface="+mn-lt"/>
+                <a:ea typeface="+mn-ea"/>
+                <a:cs typeface="+mn-cs"/>
+              </a:rPr>
+              <a:t>": "Server=(</a:t>
+            </a:r>
+            <a:r>
+              <a:rPr lang="en-US" sz="1200" kern="1200" dirty="0" err="1">
+                <a:solidFill>
+                  <a:schemeClr val="tx1"/>
+                </a:solidFill>
+                <a:latin typeface="+mn-lt"/>
+                <a:ea typeface="+mn-ea"/>
+                <a:cs typeface="+mn-cs"/>
+              </a:rPr>
+              <a:t>localdb</a:t>
+            </a:r>
+            <a:r>
+              <a:rPr lang="en-US" sz="1200" kern="1200" dirty="0">
+                <a:solidFill>
+                  <a:schemeClr val="tx1"/>
+                </a:solidFill>
+                <a:latin typeface="+mn-lt"/>
+                <a:ea typeface="+mn-ea"/>
+                <a:cs typeface="+mn-cs"/>
+              </a:rPr>
+              <a:t>)\\</a:t>
+            </a:r>
+            <a:r>
+              <a:rPr lang="en-US" sz="1200" kern="1200" dirty="0" err="1">
+                <a:solidFill>
+                  <a:schemeClr val="tx1"/>
+                </a:solidFill>
+                <a:latin typeface="+mn-lt"/>
+                <a:ea typeface="+mn-ea"/>
+                <a:cs typeface="+mn-cs"/>
+              </a:rPr>
+              <a:t>mssqllocaldb;Database</a:t>
+            </a:r>
+            <a:r>
+              <a:rPr lang="en-US" sz="1200" kern="1200" dirty="0">
+                <a:solidFill>
+                  <a:schemeClr val="tx1"/>
+                </a:solidFill>
+                <a:latin typeface="+mn-lt"/>
+                <a:ea typeface="+mn-ea"/>
+                <a:cs typeface="+mn-cs"/>
+              </a:rPr>
+              <a:t>=</a:t>
+            </a:r>
+            <a:r>
+              <a:rPr lang="en-US" sz="1200" kern="1200" dirty="0" err="1">
+                <a:solidFill>
+                  <a:schemeClr val="tx1"/>
+                </a:solidFill>
+                <a:latin typeface="+mn-lt"/>
+                <a:ea typeface="+mn-ea"/>
+                <a:cs typeface="+mn-cs"/>
+              </a:rPr>
+              <a:t>RestaurantDelivery;Trusted_Connection</a:t>
+            </a:r>
+            <a:r>
+              <a:rPr lang="en-US" sz="1200" kern="1200" dirty="0">
+                <a:solidFill>
+                  <a:schemeClr val="tx1"/>
+                </a:solidFill>
+                <a:latin typeface="+mn-lt"/>
+                <a:ea typeface="+mn-ea"/>
+                <a:cs typeface="+mn-cs"/>
+              </a:rPr>
+              <a:t>=</a:t>
+            </a:r>
+            <a:r>
+              <a:rPr lang="en-US" sz="1200" kern="1200" dirty="0" err="1">
+                <a:solidFill>
+                  <a:schemeClr val="tx1"/>
+                </a:solidFill>
+                <a:latin typeface="+mn-lt"/>
+                <a:ea typeface="+mn-ea"/>
+                <a:cs typeface="+mn-cs"/>
+              </a:rPr>
+              <a:t>True;ConnectRetryCount</a:t>
+            </a:r>
+            <a:r>
+              <a:rPr lang="en-US" sz="1200" kern="1200" dirty="0">
+                <a:solidFill>
+                  <a:schemeClr val="tx1"/>
+                </a:solidFill>
+                <a:latin typeface="+mn-lt"/>
+                <a:ea typeface="+mn-ea"/>
+                <a:cs typeface="+mn-cs"/>
+              </a:rPr>
+              <a:t>=0"      </a:t>
+            </a:r>
+          </a:p>
+          <a:p>
+            <a:r>
+              <a:rPr lang="en-CA" sz="1200" kern="1200" dirty="0">
+                <a:solidFill>
+                  <a:schemeClr val="tx1"/>
+                </a:solidFill>
+                <a:latin typeface="+mn-lt"/>
+                <a:ea typeface="+mn-ea"/>
+                <a:cs typeface="+mn-cs"/>
+              </a:rPr>
+              <a:t>  },</a:t>
+            </a:r>
+            <a:endParaRPr lang="en-CA" dirty="0"/>
+          </a:p>
+        </p:txBody>
+      </p:sp>
+      <p:sp>
+        <p:nvSpPr>
+          <p:cNvPr id="4" name="Slide Number Placeholder 3"/>
+          <p:cNvSpPr>
+            <a:spLocks noGrp="1"/>
+          </p:cNvSpPr>
+          <p:nvPr>
+            <p:ph type="sldNum" sz="quarter" idx="5"/>
+          </p:nvPr>
+        </p:nvSpPr>
+        <p:spPr/>
+        <p:txBody>
+          <a:bodyPr/>
+          <a:lstStyle/>
+          <a:p>
+            <a:fld id="{D653C7FE-4C66-45E3-AE22-5DB5ADC0C17A}" type="slidenum">
+              <a:rPr lang="en-CA" smtClean="0"/>
+              <a:t>9</a:t>
+            </a:fld>
+            <a:endParaRPr lang="en-CA"/>
+          </a:p>
+        </p:txBody>
+      </p:sp>
+    </p:spTree>
+    <p:extLst>
+      <p:ext uri="{BB962C8B-B14F-4D97-AF65-F5344CB8AC3E}">
+        <p14:creationId xmlns:p14="http://schemas.microsoft.com/office/powerpoint/2010/main" val="1473988819"/>
+      </p:ext>
+    </p:extLst>
+  </p:cSld>
+  <p:clrMapOvr>
+    <a:masterClrMapping/>
+  </p:clrMapOvr>
+</p:notes>
+</file>
+
+<file path=ppt/notesSlides/notesSlide6.xml><?xml version="1.0" encoding="utf-8"?>
+<p:notes xmlns:a="http://schemas.openxmlformats.org/drawingml/2006/main" xmlns:r="http://schemas.openxmlformats.org/officeDocument/2006/relationships" xmlns:p="http://schemas.openxmlformats.org/presentationml/2006/main">
+  <p:cSld>
+    <p:spTree>
+      <p:nvGrpSpPr>
+        <p:cNvPr id="1" name=""/>
+        <p:cNvGrpSpPr/>
+        <p:nvPr/>
+      </p:nvGrpSpPr>
+      <p:grpSpPr>
+        <a:xfrm>
+          <a:off x="0" y="0"/>
+          <a:ext cx="0" cy="0"/>
+          <a:chOff x="0" y="0"/>
+          <a:chExt cx="0" cy="0"/>
+        </a:xfrm>
+      </p:grpSpPr>
+      <p:sp>
+        <p:nvSpPr>
+          <p:cNvPr id="2" name="Slide Image Placeholder 1"/>
+          <p:cNvSpPr>
+            <a:spLocks noGrp="1" noRot="1" noChangeAspect="1"/>
+          </p:cNvSpPr>
+          <p:nvPr>
+            <p:ph type="sldImg"/>
+          </p:nvPr>
+        </p:nvSpPr>
+        <p:spPr/>
+      </p:sp>
+      <p:sp>
+        <p:nvSpPr>
+          <p:cNvPr id="3" name="Notes Placeholder 2"/>
+          <p:cNvSpPr>
+            <a:spLocks noGrp="1"/>
+          </p:cNvSpPr>
+          <p:nvPr>
+            <p:ph type="body" idx="1"/>
+          </p:nvPr>
+        </p:nvSpPr>
+        <p:spPr/>
+        <p:txBody>
+          <a:bodyPr/>
+          <a:lstStyle/>
+          <a:p>
+            <a:r>
+              <a:rPr lang="en-CA" sz="1200" kern="1200" dirty="0">
+                <a:solidFill>
+                  <a:schemeClr val="tx1"/>
+                </a:solidFill>
+                <a:latin typeface="+mn-lt"/>
+                <a:ea typeface="+mn-ea"/>
+                <a:cs typeface="+mn-cs"/>
+              </a:rPr>
+              <a:t>using System;</a:t>
+            </a:r>
+          </a:p>
+          <a:p>
+            <a:r>
+              <a:rPr lang="en-CA" sz="1200" kern="1200" dirty="0">
+                <a:solidFill>
+                  <a:schemeClr val="tx1"/>
+                </a:solidFill>
+                <a:latin typeface="+mn-lt"/>
+                <a:ea typeface="+mn-ea"/>
+                <a:cs typeface="+mn-cs"/>
+              </a:rPr>
+              <a:t>using </a:t>
+            </a:r>
+            <a:r>
+              <a:rPr lang="en-CA" sz="1200" kern="1200" dirty="0" err="1">
+                <a:solidFill>
+                  <a:schemeClr val="tx1"/>
+                </a:solidFill>
+                <a:latin typeface="+mn-lt"/>
+                <a:ea typeface="+mn-ea"/>
+                <a:cs typeface="+mn-cs"/>
+              </a:rPr>
+              <a:t>System.Collections.Generic</a:t>
+            </a:r>
+            <a:r>
+              <a:rPr lang="en-CA" sz="1200" kern="1200" dirty="0">
+                <a:solidFill>
+                  <a:schemeClr val="tx1"/>
+                </a:solidFill>
+                <a:latin typeface="+mn-lt"/>
+                <a:ea typeface="+mn-ea"/>
+                <a:cs typeface="+mn-cs"/>
+              </a:rPr>
+              <a:t>;</a:t>
+            </a:r>
+          </a:p>
+          <a:p>
+            <a:r>
+              <a:rPr lang="en-CA" sz="1200" kern="1200" dirty="0">
+                <a:solidFill>
+                  <a:schemeClr val="tx1"/>
+                </a:solidFill>
+                <a:latin typeface="+mn-lt"/>
+                <a:ea typeface="+mn-ea"/>
+                <a:cs typeface="+mn-cs"/>
+              </a:rPr>
+              <a:t>using </a:t>
+            </a:r>
+            <a:r>
+              <a:rPr lang="en-CA" sz="1200" kern="1200" dirty="0" err="1">
+                <a:solidFill>
+                  <a:schemeClr val="tx1"/>
+                </a:solidFill>
+                <a:latin typeface="+mn-lt"/>
+                <a:ea typeface="+mn-ea"/>
+                <a:cs typeface="+mn-cs"/>
+              </a:rPr>
+              <a:t>System.Linq</a:t>
+            </a:r>
+            <a:r>
+              <a:rPr lang="en-CA" sz="1200" kern="1200" dirty="0">
+                <a:solidFill>
+                  <a:schemeClr val="tx1"/>
+                </a:solidFill>
+                <a:latin typeface="+mn-lt"/>
+                <a:ea typeface="+mn-ea"/>
+                <a:cs typeface="+mn-cs"/>
+              </a:rPr>
+              <a:t>;</a:t>
+            </a:r>
+          </a:p>
+          <a:p>
+            <a:r>
+              <a:rPr lang="en-CA" sz="1200" kern="1200" dirty="0">
+                <a:solidFill>
+                  <a:schemeClr val="tx1"/>
+                </a:solidFill>
+                <a:latin typeface="+mn-lt"/>
+                <a:ea typeface="+mn-ea"/>
+                <a:cs typeface="+mn-cs"/>
+              </a:rPr>
+              <a:t>using </a:t>
+            </a:r>
+            <a:r>
+              <a:rPr lang="en-CA" sz="1200" kern="1200" dirty="0" err="1">
+                <a:solidFill>
+                  <a:schemeClr val="tx1"/>
+                </a:solidFill>
+                <a:latin typeface="+mn-lt"/>
+                <a:ea typeface="+mn-ea"/>
+                <a:cs typeface="+mn-cs"/>
+              </a:rPr>
+              <a:t>System.Threading.Tasks</a:t>
+            </a:r>
+            <a:r>
+              <a:rPr lang="en-CA" sz="1200" kern="1200" dirty="0">
+                <a:solidFill>
+                  <a:schemeClr val="tx1"/>
+                </a:solidFill>
+                <a:latin typeface="+mn-lt"/>
+                <a:ea typeface="+mn-ea"/>
+                <a:cs typeface="+mn-cs"/>
+              </a:rPr>
+              <a:t>;</a:t>
+            </a:r>
+          </a:p>
+          <a:p>
+            <a:endParaRPr lang="en-CA" sz="1200" kern="1200" dirty="0">
+              <a:solidFill>
+                <a:schemeClr val="tx1"/>
+              </a:solidFill>
+              <a:latin typeface="+mn-lt"/>
+              <a:ea typeface="+mn-ea"/>
+              <a:cs typeface="+mn-cs"/>
+            </a:endParaRPr>
+          </a:p>
+          <a:p>
+            <a:r>
+              <a:rPr lang="en-CA" sz="1200" kern="1200" dirty="0">
+                <a:solidFill>
+                  <a:schemeClr val="tx1"/>
+                </a:solidFill>
+                <a:latin typeface="+mn-lt"/>
+                <a:ea typeface="+mn-ea"/>
+                <a:cs typeface="+mn-cs"/>
+              </a:rPr>
+              <a:t>namespace </a:t>
+            </a:r>
+            <a:r>
+              <a:rPr lang="en-CA" sz="1200" kern="1200" dirty="0" err="1">
+                <a:solidFill>
+                  <a:schemeClr val="tx1"/>
+                </a:solidFill>
+                <a:latin typeface="+mn-lt"/>
+                <a:ea typeface="+mn-ea"/>
+                <a:cs typeface="+mn-cs"/>
+              </a:rPr>
+              <a:t>RestaurantDelivery.Repository</a:t>
+            </a:r>
+            <a:endParaRPr lang="en-CA" sz="1200" kern="1200" dirty="0">
+              <a:solidFill>
+                <a:schemeClr val="tx1"/>
+              </a:solidFill>
+              <a:latin typeface="+mn-lt"/>
+              <a:ea typeface="+mn-ea"/>
+              <a:cs typeface="+mn-cs"/>
+            </a:endParaRPr>
+          </a:p>
+          <a:p>
+            <a:r>
+              <a:rPr lang="en-CA" sz="1200" kern="1200" dirty="0">
+                <a:solidFill>
+                  <a:schemeClr val="tx1"/>
+                </a:solidFill>
+                <a:latin typeface="+mn-lt"/>
+                <a:ea typeface="+mn-ea"/>
+                <a:cs typeface="+mn-cs"/>
+              </a:rPr>
+              <a:t>{</a:t>
+            </a:r>
+          </a:p>
+          <a:p>
+            <a:r>
+              <a:rPr lang="en-CA" sz="1200" kern="1200" dirty="0">
+                <a:solidFill>
+                  <a:schemeClr val="tx1"/>
+                </a:solidFill>
+                <a:latin typeface="+mn-lt"/>
+                <a:ea typeface="+mn-ea"/>
+                <a:cs typeface="+mn-cs"/>
+              </a:rPr>
+              <a:t>    public interface </a:t>
+            </a:r>
+            <a:r>
+              <a:rPr lang="en-CA" sz="1200" kern="1200" dirty="0" err="1">
+                <a:solidFill>
+                  <a:schemeClr val="tx1"/>
+                </a:solidFill>
+                <a:latin typeface="+mn-lt"/>
+                <a:ea typeface="+mn-ea"/>
+                <a:cs typeface="+mn-cs"/>
+              </a:rPr>
+              <a:t>IRepository</a:t>
+            </a:r>
+            <a:r>
+              <a:rPr lang="en-CA" sz="1200" kern="1200" dirty="0">
+                <a:solidFill>
+                  <a:schemeClr val="tx1"/>
+                </a:solidFill>
+                <a:latin typeface="+mn-lt"/>
+                <a:ea typeface="+mn-ea"/>
+                <a:cs typeface="+mn-cs"/>
+              </a:rPr>
+              <a:t>&lt;T&gt;</a:t>
+            </a:r>
+          </a:p>
+          <a:p>
+            <a:r>
+              <a:rPr lang="en-CA" sz="1200" kern="1200" dirty="0">
+                <a:solidFill>
+                  <a:schemeClr val="tx1"/>
+                </a:solidFill>
+                <a:latin typeface="+mn-lt"/>
+                <a:ea typeface="+mn-ea"/>
+                <a:cs typeface="+mn-cs"/>
+              </a:rPr>
+              <a:t>    {</a:t>
+            </a:r>
+          </a:p>
+          <a:p>
+            <a:r>
+              <a:rPr lang="en-CA" sz="1200" kern="1200" dirty="0">
+                <a:solidFill>
+                  <a:schemeClr val="tx1"/>
+                </a:solidFill>
+                <a:latin typeface="+mn-lt"/>
+                <a:ea typeface="+mn-ea"/>
+                <a:cs typeface="+mn-cs"/>
+              </a:rPr>
+              <a:t>        Task&lt;</a:t>
+            </a:r>
+            <a:r>
+              <a:rPr lang="en-CA" sz="1200" kern="1200" dirty="0" err="1">
+                <a:solidFill>
+                  <a:schemeClr val="tx1"/>
+                </a:solidFill>
+                <a:latin typeface="+mn-lt"/>
+                <a:ea typeface="+mn-ea"/>
+                <a:cs typeface="+mn-cs"/>
+              </a:rPr>
+              <a:t>IQueryable</a:t>
+            </a:r>
+            <a:r>
+              <a:rPr lang="en-CA" sz="1200" kern="1200" dirty="0">
+                <a:solidFill>
+                  <a:schemeClr val="tx1"/>
+                </a:solidFill>
+                <a:latin typeface="+mn-lt"/>
+                <a:ea typeface="+mn-ea"/>
+                <a:cs typeface="+mn-cs"/>
+              </a:rPr>
+              <a:t>&lt;T&gt;&gt; </a:t>
+            </a:r>
+            <a:r>
+              <a:rPr lang="en-CA" sz="1200" kern="1200" dirty="0" err="1">
+                <a:solidFill>
+                  <a:schemeClr val="tx1"/>
+                </a:solidFill>
+                <a:latin typeface="+mn-lt"/>
+                <a:ea typeface="+mn-ea"/>
+                <a:cs typeface="+mn-cs"/>
+              </a:rPr>
+              <a:t>GetAll</a:t>
+            </a:r>
+            <a:r>
+              <a:rPr lang="en-CA" sz="1200" kern="1200" dirty="0">
+                <a:solidFill>
+                  <a:schemeClr val="tx1"/>
+                </a:solidFill>
+                <a:latin typeface="+mn-lt"/>
+                <a:ea typeface="+mn-ea"/>
+                <a:cs typeface="+mn-cs"/>
+              </a:rPr>
+              <a:t>();</a:t>
+            </a:r>
+          </a:p>
+          <a:p>
+            <a:r>
+              <a:rPr lang="en-US" sz="1200" kern="1200" dirty="0">
+                <a:solidFill>
+                  <a:schemeClr val="tx1"/>
+                </a:solidFill>
+                <a:latin typeface="+mn-lt"/>
+                <a:ea typeface="+mn-ea"/>
+                <a:cs typeface="+mn-cs"/>
+              </a:rPr>
+              <a:t>        Task&lt;T&gt; </a:t>
+            </a:r>
+            <a:r>
+              <a:rPr lang="en-US" sz="1200" kern="1200" dirty="0" err="1">
+                <a:solidFill>
+                  <a:schemeClr val="tx1"/>
+                </a:solidFill>
+                <a:latin typeface="+mn-lt"/>
+                <a:ea typeface="+mn-ea"/>
+                <a:cs typeface="+mn-cs"/>
+              </a:rPr>
+              <a:t>GetById</a:t>
+            </a:r>
+            <a:r>
+              <a:rPr lang="en-US" sz="1200" kern="1200" dirty="0">
+                <a:solidFill>
+                  <a:schemeClr val="tx1"/>
+                </a:solidFill>
+                <a:latin typeface="+mn-lt"/>
+                <a:ea typeface="+mn-ea"/>
+                <a:cs typeface="+mn-cs"/>
+              </a:rPr>
+              <a:t>(int? Id);</a:t>
+            </a:r>
+          </a:p>
+          <a:p>
+            <a:r>
+              <a:rPr lang="fr-FR" sz="1200" kern="1200" dirty="0">
+                <a:solidFill>
+                  <a:schemeClr val="tx1"/>
+                </a:solidFill>
+                <a:latin typeface="+mn-lt"/>
+                <a:ea typeface="+mn-ea"/>
+                <a:cs typeface="+mn-cs"/>
+              </a:rPr>
+              <a:t>        </a:t>
+            </a:r>
+            <a:r>
+              <a:rPr lang="fr-FR" sz="1200" kern="1200" dirty="0" err="1">
+                <a:solidFill>
+                  <a:schemeClr val="tx1"/>
+                </a:solidFill>
+                <a:latin typeface="+mn-lt"/>
+                <a:ea typeface="+mn-ea"/>
+                <a:cs typeface="+mn-cs"/>
+              </a:rPr>
+              <a:t>Task</a:t>
+            </a:r>
+            <a:r>
+              <a:rPr lang="fr-FR" sz="1200" kern="1200" dirty="0">
+                <a:solidFill>
+                  <a:schemeClr val="tx1"/>
+                </a:solidFill>
+                <a:latin typeface="+mn-lt"/>
+                <a:ea typeface="+mn-ea"/>
+                <a:cs typeface="+mn-cs"/>
+              </a:rPr>
+              <a:t>&lt;T&gt; </a:t>
+            </a:r>
+            <a:r>
+              <a:rPr lang="fr-FR" sz="1200" kern="1200" dirty="0" err="1">
+                <a:solidFill>
+                  <a:schemeClr val="tx1"/>
+                </a:solidFill>
+                <a:latin typeface="+mn-lt"/>
+                <a:ea typeface="+mn-ea"/>
+                <a:cs typeface="+mn-cs"/>
+              </a:rPr>
+              <a:t>Add</a:t>
+            </a:r>
+            <a:r>
+              <a:rPr lang="fr-FR" sz="1200" kern="1200" dirty="0">
+                <a:solidFill>
+                  <a:schemeClr val="tx1"/>
+                </a:solidFill>
+                <a:latin typeface="+mn-lt"/>
+                <a:ea typeface="+mn-ea"/>
+                <a:cs typeface="+mn-cs"/>
+              </a:rPr>
+              <a:t>(T </a:t>
+            </a:r>
+            <a:r>
+              <a:rPr lang="fr-FR" sz="1200" kern="1200" dirty="0" err="1">
+                <a:solidFill>
+                  <a:schemeClr val="tx1"/>
+                </a:solidFill>
+                <a:latin typeface="+mn-lt"/>
+                <a:ea typeface="+mn-ea"/>
+                <a:cs typeface="+mn-cs"/>
+              </a:rPr>
+              <a:t>entity</a:t>
+            </a:r>
+            <a:r>
+              <a:rPr lang="fr-FR" sz="1200" kern="1200" dirty="0">
+                <a:solidFill>
+                  <a:schemeClr val="tx1"/>
+                </a:solidFill>
+                <a:latin typeface="+mn-lt"/>
+                <a:ea typeface="+mn-ea"/>
+                <a:cs typeface="+mn-cs"/>
+              </a:rPr>
+              <a:t>);</a:t>
+            </a:r>
+          </a:p>
+          <a:p>
+            <a:r>
+              <a:rPr lang="en-CA" sz="1200" kern="1200" dirty="0">
+                <a:solidFill>
+                  <a:schemeClr val="tx1"/>
+                </a:solidFill>
+                <a:latin typeface="+mn-lt"/>
+                <a:ea typeface="+mn-ea"/>
+                <a:cs typeface="+mn-cs"/>
+              </a:rPr>
+              <a:t>        Task Remove(int? Id);</a:t>
+            </a:r>
+          </a:p>
+          <a:p>
+            <a:r>
+              <a:rPr lang="en-CA" sz="1200" kern="1200" dirty="0">
+                <a:solidFill>
+                  <a:schemeClr val="tx1"/>
+                </a:solidFill>
+                <a:latin typeface="+mn-lt"/>
+                <a:ea typeface="+mn-ea"/>
+                <a:cs typeface="+mn-cs"/>
+              </a:rPr>
+              <a:t>        Task Update(T entity);</a:t>
+            </a:r>
+          </a:p>
+          <a:p>
+            <a:r>
+              <a:rPr lang="en-CA" sz="1200" kern="1200" dirty="0">
+                <a:solidFill>
+                  <a:schemeClr val="tx1"/>
+                </a:solidFill>
+                <a:latin typeface="+mn-lt"/>
+                <a:ea typeface="+mn-ea"/>
+                <a:cs typeface="+mn-cs"/>
+              </a:rPr>
+              <a:t>    }</a:t>
+            </a:r>
+          </a:p>
+          <a:p>
+            <a:r>
+              <a:rPr lang="en-CA" sz="1200" kern="1200" dirty="0">
+                <a:solidFill>
+                  <a:schemeClr val="tx1"/>
+                </a:solidFill>
+                <a:latin typeface="+mn-lt"/>
+                <a:ea typeface="+mn-ea"/>
+                <a:cs typeface="+mn-cs"/>
+              </a:rPr>
+              <a:t>}</a:t>
+            </a:r>
+          </a:p>
+          <a:p>
+            <a:endParaRPr lang="en-CA" dirty="0"/>
+          </a:p>
+        </p:txBody>
+      </p:sp>
+      <p:sp>
+        <p:nvSpPr>
+          <p:cNvPr id="4" name="Slide Number Placeholder 3"/>
+          <p:cNvSpPr>
+            <a:spLocks noGrp="1"/>
+          </p:cNvSpPr>
+          <p:nvPr>
+            <p:ph type="sldNum" sz="quarter" idx="5"/>
+          </p:nvPr>
+        </p:nvSpPr>
+        <p:spPr/>
+        <p:txBody>
+          <a:bodyPr/>
+          <a:lstStyle/>
+          <a:p>
+            <a:fld id="{D653C7FE-4C66-45E3-AE22-5DB5ADC0C17A}" type="slidenum">
+              <a:rPr lang="en-CA" smtClean="0"/>
+              <a:t>11</a:t>
+            </a:fld>
+            <a:endParaRPr lang="en-CA"/>
+          </a:p>
+        </p:txBody>
+      </p:sp>
+    </p:spTree>
+    <p:extLst>
+      <p:ext uri="{BB962C8B-B14F-4D97-AF65-F5344CB8AC3E}">
+        <p14:creationId xmlns:p14="http://schemas.microsoft.com/office/powerpoint/2010/main" val="1511483147"/>
+      </p:ext>
+    </p:extLst>
+  </p:cSld>
+  <p:clrMapOvr>
+    <a:masterClrMapping/>
+  </p:clrMapOvr>
+</p:notes>
+</file>
+
+<file path=ppt/notesSlides/notesSlide7.xml><?xml version="1.0" encoding="utf-8"?>
+<p:notes xmlns:a="http://schemas.openxmlformats.org/drawingml/2006/main" xmlns:r="http://schemas.openxmlformats.org/officeDocument/2006/relationships" xmlns:p="http://schemas.openxmlformats.org/presentationml/2006/main">
+  <p:cSld>
+    <p:spTree>
+      <p:nvGrpSpPr>
+        <p:cNvPr id="1" name=""/>
+        <p:cNvGrpSpPr/>
+        <p:nvPr/>
+      </p:nvGrpSpPr>
+      <p:grpSpPr>
+        <a:xfrm>
+          <a:off x="0" y="0"/>
+          <a:ext cx="0" cy="0"/>
+          <a:chOff x="0" y="0"/>
+          <a:chExt cx="0" cy="0"/>
+        </a:xfrm>
+      </p:grpSpPr>
+      <p:sp>
+        <p:nvSpPr>
+          <p:cNvPr id="2" name="Slide Image Placeholder 1"/>
+          <p:cNvSpPr>
+            <a:spLocks noGrp="1" noRot="1" noChangeAspect="1"/>
+          </p:cNvSpPr>
+          <p:nvPr>
+            <p:ph type="sldImg"/>
+          </p:nvPr>
+        </p:nvSpPr>
+        <p:spPr/>
+      </p:sp>
+      <p:sp>
+        <p:nvSpPr>
+          <p:cNvPr id="3" name="Notes Placeholder 2"/>
+          <p:cNvSpPr>
+            <a:spLocks noGrp="1"/>
+          </p:cNvSpPr>
+          <p:nvPr>
+            <p:ph type="body" idx="1"/>
+          </p:nvPr>
+        </p:nvSpPr>
+        <p:spPr/>
+        <p:txBody>
+          <a:bodyPr/>
+          <a:lstStyle/>
+          <a:p>
+            <a:r>
+              <a:rPr lang="en-CA" sz="1200" kern="1200" dirty="0">
+                <a:solidFill>
+                  <a:schemeClr val="tx1"/>
+                </a:solidFill>
+                <a:latin typeface="+mn-lt"/>
+                <a:ea typeface="+mn-ea"/>
+                <a:cs typeface="+mn-cs"/>
+              </a:rPr>
+              <a:t>using </a:t>
+            </a:r>
+            <a:r>
+              <a:rPr lang="en-CA" sz="1200" kern="1200" dirty="0" err="1">
+                <a:solidFill>
+                  <a:schemeClr val="tx1"/>
+                </a:solidFill>
+                <a:latin typeface="+mn-lt"/>
+                <a:ea typeface="+mn-ea"/>
+                <a:cs typeface="+mn-cs"/>
+              </a:rPr>
+              <a:t>Microsoft.EntityFrameworkCore</a:t>
+            </a:r>
+            <a:r>
+              <a:rPr lang="en-CA" sz="1200" kern="1200" dirty="0">
+                <a:solidFill>
+                  <a:schemeClr val="tx1"/>
+                </a:solidFill>
+                <a:latin typeface="+mn-lt"/>
+                <a:ea typeface="+mn-ea"/>
+                <a:cs typeface="+mn-cs"/>
+              </a:rPr>
+              <a:t>;</a:t>
+            </a:r>
+          </a:p>
+          <a:p>
+            <a:r>
+              <a:rPr lang="en-CA" sz="1200" kern="1200" dirty="0">
+                <a:solidFill>
+                  <a:schemeClr val="tx1"/>
+                </a:solidFill>
+                <a:latin typeface="+mn-lt"/>
+                <a:ea typeface="+mn-ea"/>
+                <a:cs typeface="+mn-cs"/>
+              </a:rPr>
+              <a:t>using </a:t>
+            </a:r>
+            <a:r>
+              <a:rPr lang="en-CA" sz="1200" kern="1200" dirty="0" err="1">
+                <a:solidFill>
+                  <a:schemeClr val="tx1"/>
+                </a:solidFill>
+                <a:latin typeface="+mn-lt"/>
+                <a:ea typeface="+mn-ea"/>
+                <a:cs typeface="+mn-cs"/>
+              </a:rPr>
+              <a:t>RestaurantDelivery.Models</a:t>
+            </a:r>
+            <a:r>
+              <a:rPr lang="en-CA" sz="1200" kern="1200" dirty="0">
+                <a:solidFill>
+                  <a:schemeClr val="tx1"/>
+                </a:solidFill>
+                <a:latin typeface="+mn-lt"/>
+                <a:ea typeface="+mn-ea"/>
+                <a:cs typeface="+mn-cs"/>
+              </a:rPr>
+              <a:t>;</a:t>
+            </a:r>
+          </a:p>
+          <a:p>
+            <a:r>
+              <a:rPr lang="en-CA" sz="1200" kern="1200" dirty="0">
+                <a:solidFill>
+                  <a:schemeClr val="tx1"/>
+                </a:solidFill>
+                <a:latin typeface="+mn-lt"/>
+                <a:ea typeface="+mn-ea"/>
+                <a:cs typeface="+mn-cs"/>
+              </a:rPr>
+              <a:t>using System;</a:t>
+            </a:r>
+          </a:p>
+          <a:p>
+            <a:r>
+              <a:rPr lang="en-CA" sz="1200" kern="1200" dirty="0">
+                <a:solidFill>
+                  <a:schemeClr val="tx1"/>
+                </a:solidFill>
+                <a:latin typeface="+mn-lt"/>
+                <a:ea typeface="+mn-ea"/>
+                <a:cs typeface="+mn-cs"/>
+              </a:rPr>
+              <a:t>using </a:t>
+            </a:r>
+            <a:r>
+              <a:rPr lang="en-CA" sz="1200" kern="1200" dirty="0" err="1">
+                <a:solidFill>
+                  <a:schemeClr val="tx1"/>
+                </a:solidFill>
+                <a:latin typeface="+mn-lt"/>
+                <a:ea typeface="+mn-ea"/>
+                <a:cs typeface="+mn-cs"/>
+              </a:rPr>
+              <a:t>System.Collections.Generic</a:t>
+            </a:r>
+            <a:r>
+              <a:rPr lang="en-CA" sz="1200" kern="1200" dirty="0">
+                <a:solidFill>
+                  <a:schemeClr val="tx1"/>
+                </a:solidFill>
+                <a:latin typeface="+mn-lt"/>
+                <a:ea typeface="+mn-ea"/>
+                <a:cs typeface="+mn-cs"/>
+              </a:rPr>
+              <a:t>;</a:t>
+            </a:r>
+          </a:p>
+          <a:p>
+            <a:r>
+              <a:rPr lang="en-CA" sz="1200" kern="1200" dirty="0">
+                <a:solidFill>
+                  <a:schemeClr val="tx1"/>
+                </a:solidFill>
+                <a:latin typeface="+mn-lt"/>
+                <a:ea typeface="+mn-ea"/>
+                <a:cs typeface="+mn-cs"/>
+              </a:rPr>
+              <a:t>using </a:t>
+            </a:r>
+            <a:r>
+              <a:rPr lang="en-CA" sz="1200" kern="1200" dirty="0" err="1">
+                <a:solidFill>
+                  <a:schemeClr val="tx1"/>
+                </a:solidFill>
+                <a:latin typeface="+mn-lt"/>
+                <a:ea typeface="+mn-ea"/>
+                <a:cs typeface="+mn-cs"/>
+              </a:rPr>
+              <a:t>System.Linq</a:t>
+            </a:r>
+            <a:r>
+              <a:rPr lang="en-CA" sz="1200" kern="1200" dirty="0">
+                <a:solidFill>
+                  <a:schemeClr val="tx1"/>
+                </a:solidFill>
+                <a:latin typeface="+mn-lt"/>
+                <a:ea typeface="+mn-ea"/>
+                <a:cs typeface="+mn-cs"/>
+              </a:rPr>
+              <a:t>;</a:t>
+            </a:r>
+          </a:p>
+          <a:p>
+            <a:r>
+              <a:rPr lang="en-CA" sz="1200" kern="1200" dirty="0">
+                <a:solidFill>
+                  <a:schemeClr val="tx1"/>
+                </a:solidFill>
+                <a:latin typeface="+mn-lt"/>
+                <a:ea typeface="+mn-ea"/>
+                <a:cs typeface="+mn-cs"/>
+              </a:rPr>
+              <a:t>using </a:t>
+            </a:r>
+            <a:r>
+              <a:rPr lang="en-CA" sz="1200" kern="1200" dirty="0" err="1">
+                <a:solidFill>
+                  <a:schemeClr val="tx1"/>
+                </a:solidFill>
+                <a:latin typeface="+mn-lt"/>
+                <a:ea typeface="+mn-ea"/>
+                <a:cs typeface="+mn-cs"/>
+              </a:rPr>
+              <a:t>System.Threading.Tasks</a:t>
+            </a:r>
+            <a:r>
+              <a:rPr lang="en-CA" sz="1200" kern="1200" dirty="0">
+                <a:solidFill>
+                  <a:schemeClr val="tx1"/>
+                </a:solidFill>
+                <a:latin typeface="+mn-lt"/>
+                <a:ea typeface="+mn-ea"/>
+                <a:cs typeface="+mn-cs"/>
+              </a:rPr>
+              <a:t>;</a:t>
+            </a:r>
+          </a:p>
+          <a:p>
+            <a:endParaRPr lang="en-CA" sz="1200" kern="1200" dirty="0">
+              <a:solidFill>
+                <a:schemeClr val="tx1"/>
+              </a:solidFill>
+              <a:latin typeface="+mn-lt"/>
+              <a:ea typeface="+mn-ea"/>
+              <a:cs typeface="+mn-cs"/>
+            </a:endParaRPr>
+          </a:p>
+          <a:p>
+            <a:r>
+              <a:rPr lang="en-CA" sz="1200" kern="1200" dirty="0">
+                <a:solidFill>
+                  <a:schemeClr val="tx1"/>
+                </a:solidFill>
+                <a:latin typeface="+mn-lt"/>
+                <a:ea typeface="+mn-ea"/>
+                <a:cs typeface="+mn-cs"/>
+              </a:rPr>
+              <a:t>namespace </a:t>
+            </a:r>
+            <a:r>
+              <a:rPr lang="en-CA" sz="1200" kern="1200" dirty="0" err="1">
+                <a:solidFill>
+                  <a:schemeClr val="tx1"/>
+                </a:solidFill>
+                <a:latin typeface="+mn-lt"/>
+                <a:ea typeface="+mn-ea"/>
+                <a:cs typeface="+mn-cs"/>
+              </a:rPr>
+              <a:t>RestaurantDelivery.Repository</a:t>
+            </a:r>
+            <a:endParaRPr lang="en-CA" sz="1200" kern="1200" dirty="0">
+              <a:solidFill>
+                <a:schemeClr val="tx1"/>
+              </a:solidFill>
+              <a:latin typeface="+mn-lt"/>
+              <a:ea typeface="+mn-ea"/>
+              <a:cs typeface="+mn-cs"/>
+            </a:endParaRPr>
+          </a:p>
+          <a:p>
+            <a:r>
+              <a:rPr lang="en-CA" sz="1200" kern="1200" dirty="0">
+                <a:solidFill>
+                  <a:schemeClr val="tx1"/>
+                </a:solidFill>
+                <a:latin typeface="+mn-lt"/>
+                <a:ea typeface="+mn-ea"/>
+                <a:cs typeface="+mn-cs"/>
+              </a:rPr>
+              <a:t>{</a:t>
+            </a:r>
+          </a:p>
+          <a:p>
+            <a:r>
+              <a:rPr lang="en-US" sz="1200" kern="1200" dirty="0">
+                <a:solidFill>
+                  <a:schemeClr val="tx1"/>
+                </a:solidFill>
+                <a:latin typeface="+mn-lt"/>
+                <a:ea typeface="+mn-ea"/>
+                <a:cs typeface="+mn-cs"/>
+              </a:rPr>
+              <a:t>    public class </a:t>
+            </a:r>
+            <a:r>
+              <a:rPr lang="en-US" sz="1200" kern="1200" dirty="0" err="1">
+                <a:solidFill>
+                  <a:schemeClr val="tx1"/>
+                </a:solidFill>
+                <a:latin typeface="+mn-lt"/>
+                <a:ea typeface="+mn-ea"/>
+                <a:cs typeface="+mn-cs"/>
+              </a:rPr>
+              <a:t>RestaurantRepository</a:t>
+            </a:r>
+            <a:r>
+              <a:rPr lang="en-US" sz="1200" kern="1200" dirty="0">
+                <a:solidFill>
+                  <a:schemeClr val="tx1"/>
+                </a:solidFill>
+                <a:latin typeface="+mn-lt"/>
+                <a:ea typeface="+mn-ea"/>
+                <a:cs typeface="+mn-cs"/>
+              </a:rPr>
+              <a:t> : </a:t>
+            </a:r>
+            <a:r>
+              <a:rPr lang="en-US" sz="1200" kern="1200" dirty="0" err="1">
+                <a:solidFill>
+                  <a:schemeClr val="tx1"/>
+                </a:solidFill>
+                <a:latin typeface="+mn-lt"/>
+                <a:ea typeface="+mn-ea"/>
+                <a:cs typeface="+mn-cs"/>
+              </a:rPr>
+              <a:t>IRepository</a:t>
+            </a:r>
+            <a:r>
+              <a:rPr lang="en-US" sz="1200" kern="1200" dirty="0">
+                <a:solidFill>
+                  <a:schemeClr val="tx1"/>
+                </a:solidFill>
+                <a:latin typeface="+mn-lt"/>
+                <a:ea typeface="+mn-ea"/>
+                <a:cs typeface="+mn-cs"/>
+              </a:rPr>
+              <a:t>&lt;Restaurant&gt;</a:t>
+            </a:r>
+          </a:p>
+          <a:p>
+            <a:r>
+              <a:rPr lang="en-CA" sz="1200" kern="1200" dirty="0">
+                <a:solidFill>
+                  <a:schemeClr val="tx1"/>
+                </a:solidFill>
+                <a:latin typeface="+mn-lt"/>
+                <a:ea typeface="+mn-ea"/>
+                <a:cs typeface="+mn-cs"/>
+              </a:rPr>
+              <a:t>    {</a:t>
+            </a:r>
+          </a:p>
+          <a:p>
+            <a:r>
+              <a:rPr lang="en-CA" sz="1200" kern="1200" dirty="0">
+                <a:solidFill>
+                  <a:schemeClr val="tx1"/>
+                </a:solidFill>
+                <a:latin typeface="+mn-lt"/>
+                <a:ea typeface="+mn-ea"/>
+                <a:cs typeface="+mn-cs"/>
+              </a:rPr>
+              <a:t>        </a:t>
+            </a:r>
+            <a:r>
+              <a:rPr lang="en-CA" sz="1200" kern="1200" dirty="0" err="1">
+                <a:solidFill>
+                  <a:schemeClr val="tx1"/>
+                </a:solidFill>
+                <a:latin typeface="+mn-lt"/>
+                <a:ea typeface="+mn-ea"/>
+                <a:cs typeface="+mn-cs"/>
+              </a:rPr>
+              <a:t>RestaurantDeliveryContext</a:t>
+            </a:r>
+            <a:r>
+              <a:rPr lang="en-CA" sz="1200" kern="1200" dirty="0">
+                <a:solidFill>
+                  <a:schemeClr val="tx1"/>
+                </a:solidFill>
+                <a:latin typeface="+mn-lt"/>
+                <a:ea typeface="+mn-ea"/>
+                <a:cs typeface="+mn-cs"/>
+              </a:rPr>
+              <a:t> _repository;</a:t>
+            </a:r>
+          </a:p>
+          <a:p>
+            <a:endParaRPr lang="en-CA" sz="1200" kern="1200" dirty="0">
+              <a:solidFill>
+                <a:schemeClr val="tx1"/>
+              </a:solidFill>
+              <a:latin typeface="+mn-lt"/>
+              <a:ea typeface="+mn-ea"/>
+              <a:cs typeface="+mn-cs"/>
+            </a:endParaRPr>
+          </a:p>
+          <a:p>
+            <a:r>
+              <a:rPr lang="en-CA" sz="1200" kern="1200" dirty="0">
+                <a:solidFill>
+                  <a:schemeClr val="tx1"/>
+                </a:solidFill>
+                <a:latin typeface="+mn-lt"/>
+                <a:ea typeface="+mn-ea"/>
+                <a:cs typeface="+mn-cs"/>
+              </a:rPr>
+              <a:t>        public </a:t>
+            </a:r>
+            <a:r>
+              <a:rPr lang="en-CA" sz="1200" kern="1200" dirty="0" err="1">
+                <a:solidFill>
+                  <a:schemeClr val="tx1"/>
+                </a:solidFill>
+                <a:latin typeface="+mn-lt"/>
+                <a:ea typeface="+mn-ea"/>
+                <a:cs typeface="+mn-cs"/>
+              </a:rPr>
+              <a:t>RestaurantRepository</a:t>
+            </a:r>
+            <a:r>
+              <a:rPr lang="en-CA" sz="1200" kern="1200" dirty="0">
+                <a:solidFill>
+                  <a:schemeClr val="tx1"/>
+                </a:solidFill>
+                <a:latin typeface="+mn-lt"/>
+                <a:ea typeface="+mn-ea"/>
+                <a:cs typeface="+mn-cs"/>
+              </a:rPr>
+              <a:t>(</a:t>
+            </a:r>
+            <a:r>
+              <a:rPr lang="en-CA" sz="1200" kern="1200" dirty="0" err="1">
+                <a:solidFill>
+                  <a:schemeClr val="tx1"/>
+                </a:solidFill>
+                <a:latin typeface="+mn-lt"/>
+                <a:ea typeface="+mn-ea"/>
+                <a:cs typeface="+mn-cs"/>
+              </a:rPr>
+              <a:t>RestaurantDeliveryContext</a:t>
+            </a:r>
+            <a:r>
+              <a:rPr lang="en-CA" sz="1200" kern="1200" dirty="0">
+                <a:solidFill>
+                  <a:schemeClr val="tx1"/>
+                </a:solidFill>
+                <a:latin typeface="+mn-lt"/>
+                <a:ea typeface="+mn-ea"/>
+                <a:cs typeface="+mn-cs"/>
+              </a:rPr>
+              <a:t> repository)</a:t>
+            </a:r>
+          </a:p>
+          <a:p>
+            <a:r>
+              <a:rPr lang="en-CA" sz="1200" kern="1200" dirty="0">
+                <a:solidFill>
+                  <a:schemeClr val="tx1"/>
+                </a:solidFill>
+                <a:latin typeface="+mn-lt"/>
+                <a:ea typeface="+mn-ea"/>
+                <a:cs typeface="+mn-cs"/>
+              </a:rPr>
+              <a:t>        {</a:t>
+            </a:r>
+          </a:p>
+          <a:p>
+            <a:r>
+              <a:rPr lang="en-CA" sz="1200" kern="1200" dirty="0">
+                <a:solidFill>
+                  <a:schemeClr val="tx1"/>
+                </a:solidFill>
+                <a:latin typeface="+mn-lt"/>
+                <a:ea typeface="+mn-ea"/>
+                <a:cs typeface="+mn-cs"/>
+              </a:rPr>
+              <a:t>            _repository = repository;</a:t>
+            </a:r>
+          </a:p>
+          <a:p>
+            <a:r>
+              <a:rPr lang="en-CA" sz="1200" kern="1200" dirty="0">
+                <a:solidFill>
+                  <a:schemeClr val="tx1"/>
+                </a:solidFill>
+                <a:latin typeface="+mn-lt"/>
+                <a:ea typeface="+mn-ea"/>
+                <a:cs typeface="+mn-cs"/>
+              </a:rPr>
+              <a:t>        }</a:t>
+            </a:r>
+          </a:p>
+          <a:p>
+            <a:endParaRPr lang="en-CA" sz="1200" kern="1200" dirty="0">
+              <a:solidFill>
+                <a:schemeClr val="tx1"/>
+              </a:solidFill>
+              <a:latin typeface="+mn-lt"/>
+              <a:ea typeface="+mn-ea"/>
+              <a:cs typeface="+mn-cs"/>
+            </a:endParaRPr>
+          </a:p>
+          <a:p>
+            <a:r>
+              <a:rPr lang="en-CA" sz="1200" kern="1200" dirty="0">
+                <a:solidFill>
+                  <a:schemeClr val="tx1"/>
+                </a:solidFill>
+                <a:latin typeface="+mn-lt"/>
+                <a:ea typeface="+mn-ea"/>
+                <a:cs typeface="+mn-cs"/>
+              </a:rPr>
+              <a:t>        public async Task&lt;</a:t>
+            </a:r>
+            <a:r>
+              <a:rPr lang="en-CA" sz="1200" kern="1200" dirty="0" err="1">
+                <a:solidFill>
+                  <a:schemeClr val="tx1"/>
+                </a:solidFill>
+                <a:latin typeface="+mn-lt"/>
+                <a:ea typeface="+mn-ea"/>
+                <a:cs typeface="+mn-cs"/>
+              </a:rPr>
+              <a:t>IQueryable</a:t>
+            </a:r>
+            <a:r>
+              <a:rPr lang="en-CA" sz="1200" kern="1200" dirty="0">
+                <a:solidFill>
+                  <a:schemeClr val="tx1"/>
+                </a:solidFill>
+                <a:latin typeface="+mn-lt"/>
+                <a:ea typeface="+mn-ea"/>
+                <a:cs typeface="+mn-cs"/>
+              </a:rPr>
+              <a:t>&lt;Restaurant&gt;&gt; </a:t>
+            </a:r>
+            <a:r>
+              <a:rPr lang="en-CA" sz="1200" kern="1200" dirty="0" err="1">
+                <a:solidFill>
+                  <a:schemeClr val="tx1"/>
+                </a:solidFill>
+                <a:latin typeface="+mn-lt"/>
+                <a:ea typeface="+mn-ea"/>
+                <a:cs typeface="+mn-cs"/>
+              </a:rPr>
+              <a:t>GetAll</a:t>
+            </a:r>
+            <a:r>
+              <a:rPr lang="en-CA" sz="1200" kern="1200" dirty="0">
+                <a:solidFill>
+                  <a:schemeClr val="tx1"/>
+                </a:solidFill>
+                <a:latin typeface="+mn-lt"/>
+                <a:ea typeface="+mn-ea"/>
+                <a:cs typeface="+mn-cs"/>
+              </a:rPr>
+              <a:t>() =&gt;</a:t>
+            </a:r>
+          </a:p>
+          <a:p>
+            <a:r>
+              <a:rPr lang="en-US" sz="1200" kern="1200" dirty="0">
+                <a:solidFill>
+                  <a:schemeClr val="tx1"/>
+                </a:solidFill>
+                <a:latin typeface="+mn-lt"/>
+                <a:ea typeface="+mn-ea"/>
+                <a:cs typeface="+mn-cs"/>
+              </a:rPr>
+              <a:t>            await </a:t>
+            </a:r>
+            <a:r>
+              <a:rPr lang="en-US" sz="1200" kern="1200" dirty="0" err="1">
+                <a:solidFill>
+                  <a:schemeClr val="tx1"/>
+                </a:solidFill>
+                <a:latin typeface="+mn-lt"/>
+                <a:ea typeface="+mn-ea"/>
+                <a:cs typeface="+mn-cs"/>
+              </a:rPr>
+              <a:t>Task.FromResult</a:t>
+            </a:r>
+            <a:r>
+              <a:rPr lang="en-US" sz="1200" kern="1200" dirty="0">
+                <a:solidFill>
+                  <a:schemeClr val="tx1"/>
+                </a:solidFill>
+                <a:latin typeface="+mn-lt"/>
+                <a:ea typeface="+mn-ea"/>
+                <a:cs typeface="+mn-cs"/>
+              </a:rPr>
+              <a:t>(_</a:t>
+            </a:r>
+            <a:r>
+              <a:rPr lang="en-US" sz="1200" kern="1200" dirty="0" err="1">
+                <a:solidFill>
+                  <a:schemeClr val="tx1"/>
+                </a:solidFill>
+                <a:latin typeface="+mn-lt"/>
+                <a:ea typeface="+mn-ea"/>
+                <a:cs typeface="+mn-cs"/>
+              </a:rPr>
+              <a:t>repository.Restaurant</a:t>
+            </a:r>
+            <a:endParaRPr lang="en-US" sz="1200" kern="1200" dirty="0">
+              <a:solidFill>
+                <a:schemeClr val="tx1"/>
+              </a:solidFill>
+              <a:latin typeface="+mn-lt"/>
+              <a:ea typeface="+mn-ea"/>
+              <a:cs typeface="+mn-cs"/>
+            </a:endParaRPr>
+          </a:p>
+          <a:p>
+            <a:r>
+              <a:rPr lang="en-CA" sz="1200" kern="1200" dirty="0">
+                <a:solidFill>
+                  <a:schemeClr val="tx1"/>
+                </a:solidFill>
+                <a:latin typeface="+mn-lt"/>
+                <a:ea typeface="+mn-ea"/>
+                <a:cs typeface="+mn-cs"/>
+              </a:rPr>
+              <a:t>                .Include(res =&gt; </a:t>
+            </a:r>
+            <a:r>
+              <a:rPr lang="en-CA" sz="1200" kern="1200" dirty="0" err="1">
+                <a:solidFill>
+                  <a:schemeClr val="tx1"/>
+                </a:solidFill>
+                <a:latin typeface="+mn-lt"/>
+                <a:ea typeface="+mn-ea"/>
+                <a:cs typeface="+mn-cs"/>
+              </a:rPr>
+              <a:t>res.MenuItem</a:t>
+            </a:r>
+            <a:r>
+              <a:rPr lang="en-CA" sz="1200" kern="1200" dirty="0">
+                <a:solidFill>
+                  <a:schemeClr val="tx1"/>
+                </a:solidFill>
+                <a:latin typeface="+mn-lt"/>
+                <a:ea typeface="+mn-ea"/>
+                <a:cs typeface="+mn-cs"/>
+              </a:rPr>
+              <a:t>)</a:t>
+            </a:r>
+          </a:p>
+          <a:p>
+            <a:r>
+              <a:rPr lang="en-US" sz="1200" kern="1200" dirty="0">
+                <a:solidFill>
+                  <a:schemeClr val="tx1"/>
+                </a:solidFill>
+                <a:latin typeface="+mn-lt"/>
+                <a:ea typeface="+mn-ea"/>
+                <a:cs typeface="+mn-cs"/>
+              </a:rPr>
+              <a:t>                //.</a:t>
+            </a:r>
+            <a:r>
+              <a:rPr lang="en-US" sz="1200" kern="1200" dirty="0" err="1">
+                <a:solidFill>
+                  <a:schemeClr val="tx1"/>
+                </a:solidFill>
+                <a:latin typeface="+mn-lt"/>
+                <a:ea typeface="+mn-ea"/>
+                <a:cs typeface="+mn-cs"/>
+              </a:rPr>
+              <a:t>ThenInclude</a:t>
+            </a:r>
+            <a:r>
+              <a:rPr lang="en-US" sz="1200" kern="1200" dirty="0">
+                <a:solidFill>
+                  <a:schemeClr val="tx1"/>
+                </a:solidFill>
+                <a:latin typeface="+mn-lt"/>
+                <a:ea typeface="+mn-ea"/>
+                <a:cs typeface="+mn-cs"/>
+              </a:rPr>
+              <a:t>(menu =&gt; </a:t>
+            </a:r>
+            <a:r>
+              <a:rPr lang="en-US" sz="1200" kern="1200" dirty="0" err="1">
+                <a:solidFill>
+                  <a:schemeClr val="tx1"/>
+                </a:solidFill>
+                <a:latin typeface="+mn-lt"/>
+                <a:ea typeface="+mn-ea"/>
+                <a:cs typeface="+mn-cs"/>
+              </a:rPr>
+              <a:t>menu.RestaurantMenuItem</a:t>
+            </a:r>
+            <a:r>
+              <a:rPr lang="en-US" sz="1200" kern="1200" dirty="0">
+                <a:solidFill>
+                  <a:schemeClr val="tx1"/>
+                </a:solidFill>
+                <a:latin typeface="+mn-lt"/>
+                <a:ea typeface="+mn-ea"/>
+                <a:cs typeface="+mn-cs"/>
+              </a:rPr>
+              <a:t>) //</a:t>
+            </a:r>
+            <a:r>
+              <a:rPr lang="en-US" sz="1200" kern="1200" dirty="0" err="1">
+                <a:solidFill>
+                  <a:schemeClr val="tx1"/>
+                </a:solidFill>
+                <a:latin typeface="+mn-lt"/>
+                <a:ea typeface="+mn-ea"/>
+                <a:cs typeface="+mn-cs"/>
+              </a:rPr>
+              <a:t>Intellisense</a:t>
+            </a:r>
+            <a:r>
+              <a:rPr lang="en-US" sz="1200" kern="1200" dirty="0">
+                <a:solidFill>
+                  <a:schemeClr val="tx1"/>
+                </a:solidFill>
+                <a:latin typeface="+mn-lt"/>
+                <a:ea typeface="+mn-ea"/>
+                <a:cs typeface="+mn-cs"/>
+              </a:rPr>
+              <a:t> issue https://github.com/dotnet/roslyn/issues/8237</a:t>
+            </a:r>
+          </a:p>
+          <a:p>
+            <a:r>
+              <a:rPr lang="en-CA" sz="1200" kern="1200" dirty="0">
+                <a:solidFill>
+                  <a:schemeClr val="tx1"/>
+                </a:solidFill>
+                <a:latin typeface="+mn-lt"/>
+                <a:ea typeface="+mn-ea"/>
+                <a:cs typeface="+mn-cs"/>
+              </a:rPr>
+              <a:t>                );</a:t>
+            </a:r>
+          </a:p>
+          <a:p>
+            <a:endParaRPr lang="en-CA" sz="1200" kern="1200" dirty="0">
+              <a:solidFill>
+                <a:schemeClr val="tx1"/>
+              </a:solidFill>
+              <a:latin typeface="+mn-lt"/>
+              <a:ea typeface="+mn-ea"/>
+              <a:cs typeface="+mn-cs"/>
+            </a:endParaRPr>
+          </a:p>
+          <a:p>
+            <a:r>
+              <a:rPr lang="en-CA" sz="1200" kern="1200" dirty="0">
+                <a:solidFill>
+                  <a:schemeClr val="tx1"/>
+                </a:solidFill>
+                <a:latin typeface="+mn-lt"/>
+                <a:ea typeface="+mn-ea"/>
+                <a:cs typeface="+mn-cs"/>
+              </a:rPr>
+              <a:t>        public async Task&lt;Restaurant&gt; Add(Restaurant entity)</a:t>
+            </a:r>
+          </a:p>
+          <a:p>
+            <a:r>
+              <a:rPr lang="en-CA" sz="1200" kern="1200" dirty="0">
+                <a:solidFill>
+                  <a:schemeClr val="tx1"/>
+                </a:solidFill>
+                <a:latin typeface="+mn-lt"/>
+                <a:ea typeface="+mn-ea"/>
+                <a:cs typeface="+mn-cs"/>
+              </a:rPr>
+              <a:t>        {</a:t>
+            </a:r>
+          </a:p>
+          <a:p>
+            <a:r>
+              <a:rPr lang="en-CA" sz="1200" kern="1200" dirty="0">
+                <a:solidFill>
+                  <a:schemeClr val="tx1"/>
+                </a:solidFill>
+                <a:latin typeface="+mn-lt"/>
+                <a:ea typeface="+mn-ea"/>
+                <a:cs typeface="+mn-cs"/>
+              </a:rPr>
+              <a:t>            await _</a:t>
+            </a:r>
+            <a:r>
+              <a:rPr lang="en-CA" sz="1200" kern="1200" dirty="0" err="1">
+                <a:solidFill>
+                  <a:schemeClr val="tx1"/>
+                </a:solidFill>
+                <a:latin typeface="+mn-lt"/>
+                <a:ea typeface="+mn-ea"/>
+                <a:cs typeface="+mn-cs"/>
+              </a:rPr>
+              <a:t>repository.AddAsync</a:t>
+            </a:r>
+            <a:r>
+              <a:rPr lang="en-CA" sz="1200" kern="1200" dirty="0">
+                <a:solidFill>
+                  <a:schemeClr val="tx1"/>
+                </a:solidFill>
+                <a:latin typeface="+mn-lt"/>
+                <a:ea typeface="+mn-ea"/>
+                <a:cs typeface="+mn-cs"/>
+              </a:rPr>
+              <a:t>(entity);</a:t>
+            </a:r>
+          </a:p>
+          <a:p>
+            <a:r>
+              <a:rPr lang="en-CA" sz="1200" kern="1200" dirty="0">
+                <a:solidFill>
+                  <a:schemeClr val="tx1"/>
+                </a:solidFill>
+                <a:latin typeface="+mn-lt"/>
+                <a:ea typeface="+mn-ea"/>
+                <a:cs typeface="+mn-cs"/>
+              </a:rPr>
+              <a:t>            _</a:t>
+            </a:r>
+            <a:r>
+              <a:rPr lang="en-CA" sz="1200" kern="1200" dirty="0" err="1">
+                <a:solidFill>
+                  <a:schemeClr val="tx1"/>
+                </a:solidFill>
+                <a:latin typeface="+mn-lt"/>
+                <a:ea typeface="+mn-ea"/>
+                <a:cs typeface="+mn-cs"/>
+              </a:rPr>
+              <a:t>repository.SaveChanges</a:t>
+            </a:r>
+            <a:r>
+              <a:rPr lang="en-CA" sz="1200" kern="1200" dirty="0">
+                <a:solidFill>
+                  <a:schemeClr val="tx1"/>
+                </a:solidFill>
+                <a:latin typeface="+mn-lt"/>
+                <a:ea typeface="+mn-ea"/>
+                <a:cs typeface="+mn-cs"/>
+              </a:rPr>
+              <a:t>();</a:t>
+            </a:r>
+          </a:p>
+          <a:p>
+            <a:r>
+              <a:rPr lang="en-CA" sz="1200" kern="1200" dirty="0">
+                <a:solidFill>
+                  <a:schemeClr val="tx1"/>
+                </a:solidFill>
+                <a:latin typeface="+mn-lt"/>
+                <a:ea typeface="+mn-ea"/>
+                <a:cs typeface="+mn-cs"/>
+              </a:rPr>
+              <a:t>            return entity;</a:t>
+            </a:r>
+          </a:p>
+          <a:p>
+            <a:r>
+              <a:rPr lang="en-CA" sz="1200" kern="1200" dirty="0">
+                <a:solidFill>
+                  <a:schemeClr val="tx1"/>
+                </a:solidFill>
+                <a:latin typeface="+mn-lt"/>
+                <a:ea typeface="+mn-ea"/>
+                <a:cs typeface="+mn-cs"/>
+              </a:rPr>
+              <a:t>        }</a:t>
+            </a:r>
+          </a:p>
+          <a:p>
+            <a:endParaRPr lang="en-CA" sz="1200" kern="1200" dirty="0">
+              <a:solidFill>
+                <a:schemeClr val="tx1"/>
+              </a:solidFill>
+              <a:latin typeface="+mn-lt"/>
+              <a:ea typeface="+mn-ea"/>
+              <a:cs typeface="+mn-cs"/>
+            </a:endParaRPr>
+          </a:p>
+          <a:p>
+            <a:r>
+              <a:rPr lang="en-US" sz="1200" kern="1200" dirty="0">
+                <a:solidFill>
+                  <a:schemeClr val="tx1"/>
+                </a:solidFill>
+                <a:latin typeface="+mn-lt"/>
+                <a:ea typeface="+mn-ea"/>
+                <a:cs typeface="+mn-cs"/>
+              </a:rPr>
+              <a:t>        public async Task&lt;Restaurant&gt; </a:t>
+            </a:r>
+            <a:r>
+              <a:rPr lang="en-US" sz="1200" kern="1200" dirty="0" err="1">
+                <a:solidFill>
+                  <a:schemeClr val="tx1"/>
+                </a:solidFill>
+                <a:latin typeface="+mn-lt"/>
+                <a:ea typeface="+mn-ea"/>
+                <a:cs typeface="+mn-cs"/>
+              </a:rPr>
+              <a:t>GetById</a:t>
+            </a:r>
+            <a:r>
+              <a:rPr lang="en-US" sz="1200" kern="1200" dirty="0">
+                <a:solidFill>
+                  <a:schemeClr val="tx1"/>
+                </a:solidFill>
+                <a:latin typeface="+mn-lt"/>
+                <a:ea typeface="+mn-ea"/>
+                <a:cs typeface="+mn-cs"/>
+              </a:rPr>
+              <a:t>(int? Id)</a:t>
+            </a:r>
+          </a:p>
+          <a:p>
+            <a:r>
+              <a:rPr lang="en-CA" sz="1200" kern="1200" dirty="0">
+                <a:solidFill>
+                  <a:schemeClr val="tx1"/>
+                </a:solidFill>
+                <a:latin typeface="+mn-lt"/>
+                <a:ea typeface="+mn-ea"/>
+                <a:cs typeface="+mn-cs"/>
+              </a:rPr>
+              <a:t>        {</a:t>
+            </a:r>
+          </a:p>
+          <a:p>
+            <a:r>
+              <a:rPr lang="en-CA" sz="1200" kern="1200" dirty="0">
+                <a:solidFill>
+                  <a:schemeClr val="tx1"/>
+                </a:solidFill>
+                <a:latin typeface="+mn-lt"/>
+                <a:ea typeface="+mn-ea"/>
+                <a:cs typeface="+mn-cs"/>
+              </a:rPr>
+              <a:t>            return await _</a:t>
+            </a:r>
+            <a:r>
+              <a:rPr lang="en-CA" sz="1200" kern="1200" dirty="0" err="1">
+                <a:solidFill>
+                  <a:schemeClr val="tx1"/>
+                </a:solidFill>
+                <a:latin typeface="+mn-lt"/>
+                <a:ea typeface="+mn-ea"/>
+                <a:cs typeface="+mn-cs"/>
+              </a:rPr>
+              <a:t>repository.Restaurant</a:t>
+            </a:r>
+            <a:endParaRPr lang="en-CA" sz="1200" kern="1200" dirty="0">
+              <a:solidFill>
+                <a:schemeClr val="tx1"/>
+              </a:solidFill>
+              <a:latin typeface="+mn-lt"/>
+              <a:ea typeface="+mn-ea"/>
+              <a:cs typeface="+mn-cs"/>
+            </a:endParaRPr>
+          </a:p>
+          <a:p>
+            <a:r>
+              <a:rPr lang="en-CA" sz="1200" kern="1200" dirty="0">
+                <a:solidFill>
+                  <a:schemeClr val="tx1"/>
+                </a:solidFill>
+                <a:latin typeface="+mn-lt"/>
+                <a:ea typeface="+mn-ea"/>
+                <a:cs typeface="+mn-cs"/>
+              </a:rPr>
+              <a:t>                  .</a:t>
+            </a:r>
+            <a:r>
+              <a:rPr lang="en-CA" sz="1200" kern="1200" dirty="0" err="1">
+                <a:solidFill>
+                  <a:schemeClr val="tx1"/>
+                </a:solidFill>
+                <a:latin typeface="+mn-lt"/>
+                <a:ea typeface="+mn-ea"/>
+                <a:cs typeface="+mn-cs"/>
+              </a:rPr>
+              <a:t>SingleOrDefaultAsync</a:t>
+            </a:r>
+            <a:r>
+              <a:rPr lang="en-CA" sz="1200" kern="1200" dirty="0">
+                <a:solidFill>
+                  <a:schemeClr val="tx1"/>
+                </a:solidFill>
+                <a:latin typeface="+mn-lt"/>
+                <a:ea typeface="+mn-ea"/>
+                <a:cs typeface="+mn-cs"/>
+              </a:rPr>
+              <a:t>(item =&gt; </a:t>
+            </a:r>
+            <a:r>
+              <a:rPr lang="en-CA" sz="1200" kern="1200" dirty="0" err="1">
+                <a:solidFill>
+                  <a:schemeClr val="tx1"/>
+                </a:solidFill>
+                <a:latin typeface="+mn-lt"/>
+                <a:ea typeface="+mn-ea"/>
+                <a:cs typeface="+mn-cs"/>
+              </a:rPr>
+              <a:t>item.IdRestaurant</a:t>
+            </a:r>
+            <a:r>
+              <a:rPr lang="en-CA" sz="1200" kern="1200" dirty="0">
+                <a:solidFill>
+                  <a:schemeClr val="tx1"/>
+                </a:solidFill>
+                <a:latin typeface="+mn-lt"/>
+                <a:ea typeface="+mn-ea"/>
+                <a:cs typeface="+mn-cs"/>
+              </a:rPr>
+              <a:t> == </a:t>
+            </a:r>
+            <a:r>
+              <a:rPr lang="en-CA" sz="1200" kern="1200" dirty="0" err="1">
+                <a:solidFill>
+                  <a:schemeClr val="tx1"/>
+                </a:solidFill>
+                <a:latin typeface="+mn-lt"/>
+                <a:ea typeface="+mn-ea"/>
+                <a:cs typeface="+mn-cs"/>
+              </a:rPr>
+              <a:t>Id.Value</a:t>
+            </a:r>
+            <a:r>
+              <a:rPr lang="en-CA" sz="1200" kern="1200" dirty="0">
+                <a:solidFill>
+                  <a:schemeClr val="tx1"/>
+                </a:solidFill>
+                <a:latin typeface="+mn-lt"/>
+                <a:ea typeface="+mn-ea"/>
+                <a:cs typeface="+mn-cs"/>
+              </a:rPr>
+              <a:t>);</a:t>
+            </a:r>
+          </a:p>
+          <a:p>
+            <a:r>
+              <a:rPr lang="en-CA" sz="1200" kern="1200" dirty="0">
+                <a:solidFill>
+                  <a:schemeClr val="tx1"/>
+                </a:solidFill>
+                <a:latin typeface="+mn-lt"/>
+                <a:ea typeface="+mn-ea"/>
+                <a:cs typeface="+mn-cs"/>
+              </a:rPr>
+              <a:t>        }</a:t>
+            </a:r>
+          </a:p>
+          <a:p>
+            <a:endParaRPr lang="en-CA" sz="1200" kern="1200" dirty="0">
+              <a:solidFill>
+                <a:schemeClr val="tx1"/>
+              </a:solidFill>
+              <a:latin typeface="+mn-lt"/>
+              <a:ea typeface="+mn-ea"/>
+              <a:cs typeface="+mn-cs"/>
+            </a:endParaRPr>
+          </a:p>
+          <a:p>
+            <a:r>
+              <a:rPr lang="en-US" sz="1200" kern="1200" dirty="0">
+                <a:solidFill>
+                  <a:schemeClr val="tx1"/>
+                </a:solidFill>
+                <a:latin typeface="+mn-lt"/>
+                <a:ea typeface="+mn-ea"/>
+                <a:cs typeface="+mn-cs"/>
+              </a:rPr>
+              <a:t>        public async Task Remove(int? Id)</a:t>
+            </a:r>
+          </a:p>
+          <a:p>
+            <a:r>
+              <a:rPr lang="en-CA" sz="1200" kern="1200" dirty="0">
+                <a:solidFill>
+                  <a:schemeClr val="tx1"/>
+                </a:solidFill>
+                <a:latin typeface="+mn-lt"/>
+                <a:ea typeface="+mn-ea"/>
+                <a:cs typeface="+mn-cs"/>
+              </a:rPr>
+              <a:t>        {</a:t>
+            </a:r>
+          </a:p>
+          <a:p>
+            <a:r>
+              <a:rPr lang="en-US" sz="1200" kern="1200" dirty="0">
+                <a:solidFill>
+                  <a:schemeClr val="tx1"/>
+                </a:solidFill>
+                <a:latin typeface="+mn-lt"/>
+                <a:ea typeface="+mn-ea"/>
+                <a:cs typeface="+mn-cs"/>
+              </a:rPr>
+              <a:t>            var customer = await </a:t>
+            </a:r>
+            <a:r>
+              <a:rPr lang="en-US" sz="1200" kern="1200" dirty="0" err="1">
+                <a:solidFill>
+                  <a:schemeClr val="tx1"/>
+                </a:solidFill>
+                <a:latin typeface="+mn-lt"/>
+                <a:ea typeface="+mn-ea"/>
+                <a:cs typeface="+mn-cs"/>
+              </a:rPr>
+              <a:t>GetById</a:t>
+            </a:r>
+            <a:r>
+              <a:rPr lang="en-US" sz="1200" kern="1200" dirty="0">
+                <a:solidFill>
+                  <a:schemeClr val="tx1"/>
+                </a:solidFill>
+                <a:latin typeface="+mn-lt"/>
+                <a:ea typeface="+mn-ea"/>
+                <a:cs typeface="+mn-cs"/>
+              </a:rPr>
+              <a:t>(Id);</a:t>
+            </a:r>
+          </a:p>
+          <a:p>
+            <a:r>
+              <a:rPr lang="en-CA" sz="1200" kern="1200" dirty="0">
+                <a:solidFill>
+                  <a:schemeClr val="tx1"/>
+                </a:solidFill>
+                <a:latin typeface="+mn-lt"/>
+                <a:ea typeface="+mn-ea"/>
+                <a:cs typeface="+mn-cs"/>
+              </a:rPr>
+              <a:t>            _</a:t>
+            </a:r>
+            <a:r>
+              <a:rPr lang="en-CA" sz="1200" kern="1200" dirty="0" err="1">
+                <a:solidFill>
+                  <a:schemeClr val="tx1"/>
+                </a:solidFill>
+                <a:latin typeface="+mn-lt"/>
+                <a:ea typeface="+mn-ea"/>
+                <a:cs typeface="+mn-cs"/>
+              </a:rPr>
+              <a:t>repository.Restaurant.Remove</a:t>
+            </a:r>
+            <a:r>
+              <a:rPr lang="en-CA" sz="1200" kern="1200" dirty="0">
+                <a:solidFill>
+                  <a:schemeClr val="tx1"/>
+                </a:solidFill>
+                <a:latin typeface="+mn-lt"/>
+                <a:ea typeface="+mn-ea"/>
+                <a:cs typeface="+mn-cs"/>
+              </a:rPr>
+              <a:t>(customer);</a:t>
+            </a:r>
+          </a:p>
+          <a:p>
+            <a:r>
+              <a:rPr lang="en-CA" sz="1200" kern="1200" dirty="0">
+                <a:solidFill>
+                  <a:schemeClr val="tx1"/>
+                </a:solidFill>
+                <a:latin typeface="+mn-lt"/>
+                <a:ea typeface="+mn-ea"/>
+                <a:cs typeface="+mn-cs"/>
+              </a:rPr>
+              <a:t>            await _</a:t>
+            </a:r>
+            <a:r>
+              <a:rPr lang="en-CA" sz="1200" kern="1200" dirty="0" err="1">
+                <a:solidFill>
+                  <a:schemeClr val="tx1"/>
+                </a:solidFill>
+                <a:latin typeface="+mn-lt"/>
+                <a:ea typeface="+mn-ea"/>
+                <a:cs typeface="+mn-cs"/>
+              </a:rPr>
+              <a:t>repository.SaveChangesAsync</a:t>
+            </a:r>
+            <a:r>
+              <a:rPr lang="en-CA" sz="1200" kern="1200" dirty="0">
+                <a:solidFill>
+                  <a:schemeClr val="tx1"/>
+                </a:solidFill>
+                <a:latin typeface="+mn-lt"/>
+                <a:ea typeface="+mn-ea"/>
+                <a:cs typeface="+mn-cs"/>
+              </a:rPr>
+              <a:t>();</a:t>
+            </a:r>
+          </a:p>
+          <a:p>
+            <a:r>
+              <a:rPr lang="en-CA" sz="1200" kern="1200" dirty="0">
+                <a:solidFill>
+                  <a:schemeClr val="tx1"/>
+                </a:solidFill>
+                <a:latin typeface="+mn-lt"/>
+                <a:ea typeface="+mn-ea"/>
+                <a:cs typeface="+mn-cs"/>
+              </a:rPr>
+              <a:t>        }</a:t>
+            </a:r>
+          </a:p>
+          <a:p>
+            <a:endParaRPr lang="en-CA" sz="1200" kern="1200" dirty="0">
+              <a:solidFill>
+                <a:schemeClr val="tx1"/>
+              </a:solidFill>
+              <a:latin typeface="+mn-lt"/>
+              <a:ea typeface="+mn-ea"/>
+              <a:cs typeface="+mn-cs"/>
+            </a:endParaRPr>
+          </a:p>
+          <a:p>
+            <a:r>
+              <a:rPr lang="en-CA" sz="1200" kern="1200" dirty="0">
+                <a:solidFill>
+                  <a:schemeClr val="tx1"/>
+                </a:solidFill>
+                <a:latin typeface="+mn-lt"/>
+                <a:ea typeface="+mn-ea"/>
+                <a:cs typeface="+mn-cs"/>
+              </a:rPr>
+              <a:t>        public async Task Update(Restaurant entity)</a:t>
+            </a:r>
+          </a:p>
+          <a:p>
+            <a:r>
+              <a:rPr lang="en-CA" sz="1200" kern="1200" dirty="0">
+                <a:solidFill>
+                  <a:schemeClr val="tx1"/>
+                </a:solidFill>
+                <a:latin typeface="+mn-lt"/>
+                <a:ea typeface="+mn-ea"/>
+                <a:cs typeface="+mn-cs"/>
+              </a:rPr>
+              <a:t>        {</a:t>
+            </a:r>
+          </a:p>
+          <a:p>
+            <a:r>
+              <a:rPr lang="en-CA" sz="1200" kern="1200" dirty="0">
+                <a:solidFill>
+                  <a:schemeClr val="tx1"/>
+                </a:solidFill>
+                <a:latin typeface="+mn-lt"/>
+                <a:ea typeface="+mn-ea"/>
+                <a:cs typeface="+mn-cs"/>
+              </a:rPr>
+              <a:t>            _</a:t>
+            </a:r>
+            <a:r>
+              <a:rPr lang="en-CA" sz="1200" kern="1200" dirty="0" err="1">
+                <a:solidFill>
+                  <a:schemeClr val="tx1"/>
+                </a:solidFill>
+                <a:latin typeface="+mn-lt"/>
+                <a:ea typeface="+mn-ea"/>
+                <a:cs typeface="+mn-cs"/>
+              </a:rPr>
+              <a:t>repository.Update</a:t>
+            </a:r>
+            <a:r>
+              <a:rPr lang="en-CA" sz="1200" kern="1200" dirty="0">
+                <a:solidFill>
+                  <a:schemeClr val="tx1"/>
+                </a:solidFill>
+                <a:latin typeface="+mn-lt"/>
+                <a:ea typeface="+mn-ea"/>
+                <a:cs typeface="+mn-cs"/>
+              </a:rPr>
+              <a:t>(entity);</a:t>
+            </a:r>
+          </a:p>
+          <a:p>
+            <a:r>
+              <a:rPr lang="en-CA" sz="1200" kern="1200" dirty="0">
+                <a:solidFill>
+                  <a:schemeClr val="tx1"/>
+                </a:solidFill>
+                <a:latin typeface="+mn-lt"/>
+                <a:ea typeface="+mn-ea"/>
+                <a:cs typeface="+mn-cs"/>
+              </a:rPr>
+              <a:t>            await _</a:t>
+            </a:r>
+            <a:r>
+              <a:rPr lang="en-CA" sz="1200" kern="1200" dirty="0" err="1">
+                <a:solidFill>
+                  <a:schemeClr val="tx1"/>
+                </a:solidFill>
+                <a:latin typeface="+mn-lt"/>
+                <a:ea typeface="+mn-ea"/>
+                <a:cs typeface="+mn-cs"/>
+              </a:rPr>
+              <a:t>repository.SaveChangesAsync</a:t>
+            </a:r>
+            <a:r>
+              <a:rPr lang="en-CA" sz="1200" kern="1200" dirty="0">
+                <a:solidFill>
+                  <a:schemeClr val="tx1"/>
+                </a:solidFill>
+                <a:latin typeface="+mn-lt"/>
+                <a:ea typeface="+mn-ea"/>
+                <a:cs typeface="+mn-cs"/>
+              </a:rPr>
+              <a:t>();</a:t>
+            </a:r>
+          </a:p>
+          <a:p>
+            <a:r>
+              <a:rPr lang="en-CA" sz="1200" kern="1200" dirty="0">
+                <a:solidFill>
+                  <a:schemeClr val="tx1"/>
+                </a:solidFill>
+                <a:latin typeface="+mn-lt"/>
+                <a:ea typeface="+mn-ea"/>
+                <a:cs typeface="+mn-cs"/>
+              </a:rPr>
+              <a:t>        }</a:t>
+            </a:r>
+          </a:p>
+          <a:p>
+            <a:r>
+              <a:rPr lang="en-CA" sz="1200" kern="1200" dirty="0">
+                <a:solidFill>
+                  <a:schemeClr val="tx1"/>
+                </a:solidFill>
+                <a:latin typeface="+mn-lt"/>
+                <a:ea typeface="+mn-ea"/>
+                <a:cs typeface="+mn-cs"/>
+              </a:rPr>
+              <a:t>    }</a:t>
+            </a:r>
+          </a:p>
+          <a:p>
+            <a:r>
+              <a:rPr lang="en-CA" sz="1200" kern="1200" dirty="0">
+                <a:solidFill>
+                  <a:schemeClr val="tx1"/>
+                </a:solidFill>
+                <a:latin typeface="+mn-lt"/>
+                <a:ea typeface="+mn-ea"/>
+                <a:cs typeface="+mn-cs"/>
+              </a:rPr>
+              <a:t>}</a:t>
+            </a:r>
+          </a:p>
+          <a:p>
+            <a:endParaRPr lang="en-CA" dirty="0"/>
+          </a:p>
+        </p:txBody>
+      </p:sp>
+      <p:sp>
+        <p:nvSpPr>
+          <p:cNvPr id="4" name="Slide Number Placeholder 3"/>
+          <p:cNvSpPr>
+            <a:spLocks noGrp="1"/>
+          </p:cNvSpPr>
+          <p:nvPr>
+            <p:ph type="sldNum" sz="quarter" idx="5"/>
+          </p:nvPr>
+        </p:nvSpPr>
+        <p:spPr/>
+        <p:txBody>
+          <a:bodyPr/>
+          <a:lstStyle/>
+          <a:p>
+            <a:fld id="{D653C7FE-4C66-45E3-AE22-5DB5ADC0C17A}" type="slidenum">
+              <a:rPr lang="en-CA" smtClean="0"/>
+              <a:t>12</a:t>
+            </a:fld>
+            <a:endParaRPr lang="en-CA"/>
+          </a:p>
+        </p:txBody>
+      </p:sp>
+    </p:spTree>
+    <p:extLst>
+      <p:ext uri="{BB962C8B-B14F-4D97-AF65-F5344CB8AC3E}">
+        <p14:creationId xmlns:p14="http://schemas.microsoft.com/office/powerpoint/2010/main" val="141346239"/>
+      </p:ext>
+    </p:extLst>
+  </p:cSld>
+  <p:clrMapOvr>
+    <a:masterClrMapping/>
+  </p:clrMapOvr>
+</p:notes>
+</file>
+
+<file path=ppt/notesSlides/notesSlide8.xml><?xml version="1.0" encoding="utf-8"?>
+<p:notes xmlns:a="http://schemas.openxmlformats.org/drawingml/2006/main" xmlns:r="http://schemas.openxmlformats.org/officeDocument/2006/relationships" xmlns:p="http://schemas.openxmlformats.org/presentationml/2006/main">
+  <p:cSld>
+    <p:spTree>
+      <p:nvGrpSpPr>
+        <p:cNvPr id="1" name=""/>
+        <p:cNvGrpSpPr/>
+        <p:nvPr/>
+      </p:nvGrpSpPr>
+      <p:grpSpPr>
+        <a:xfrm>
+          <a:off x="0" y="0"/>
+          <a:ext cx="0" cy="0"/>
+          <a:chOff x="0" y="0"/>
+          <a:chExt cx="0" cy="0"/>
+        </a:xfrm>
+      </p:grpSpPr>
+      <p:sp>
+        <p:nvSpPr>
+          <p:cNvPr id="2" name="Slide Image Placeholder 1"/>
+          <p:cNvSpPr>
+            <a:spLocks noGrp="1" noRot="1" noChangeAspect="1"/>
+          </p:cNvSpPr>
+          <p:nvPr>
+            <p:ph type="sldImg"/>
+          </p:nvPr>
+        </p:nvSpPr>
+        <p:spPr/>
+      </p:sp>
+      <p:sp>
+        <p:nvSpPr>
+          <p:cNvPr id="3" name="Notes Placeholder 2"/>
+          <p:cNvSpPr>
+            <a:spLocks noGrp="1"/>
+          </p:cNvSpPr>
+          <p:nvPr>
+            <p:ph type="body" idx="1"/>
+          </p:nvPr>
+        </p:nvSpPr>
+        <p:spPr/>
+        <p:txBody>
+          <a:bodyPr/>
+          <a:lstStyle/>
+          <a:p>
+            <a:r>
+              <a:rPr lang="en-CA" sz="1200" kern="1200" dirty="0" err="1">
+                <a:solidFill>
+                  <a:schemeClr val="tx1"/>
+                </a:solidFill>
+                <a:latin typeface="+mn-lt"/>
+                <a:ea typeface="+mn-ea"/>
+                <a:cs typeface="+mn-cs"/>
+              </a:rPr>
+              <a:t>services.AddDbContext</a:t>
+            </a:r>
+            <a:r>
+              <a:rPr lang="en-CA" sz="1200" kern="1200" dirty="0">
+                <a:solidFill>
+                  <a:schemeClr val="tx1"/>
+                </a:solidFill>
+                <a:latin typeface="+mn-lt"/>
+                <a:ea typeface="+mn-ea"/>
+                <a:cs typeface="+mn-cs"/>
+              </a:rPr>
+              <a:t>&lt;</a:t>
+            </a:r>
+            <a:r>
+              <a:rPr lang="en-CA" sz="1200" kern="1200" dirty="0" err="1">
+                <a:solidFill>
+                  <a:schemeClr val="tx1"/>
+                </a:solidFill>
+                <a:latin typeface="+mn-lt"/>
+                <a:ea typeface="+mn-ea"/>
+                <a:cs typeface="+mn-cs"/>
+              </a:rPr>
+              <a:t>RestaurantDeliveryContext</a:t>
+            </a:r>
+            <a:r>
+              <a:rPr lang="en-CA" sz="1200" kern="1200" dirty="0">
+                <a:solidFill>
+                  <a:schemeClr val="tx1"/>
+                </a:solidFill>
+                <a:latin typeface="+mn-lt"/>
+                <a:ea typeface="+mn-ea"/>
+                <a:cs typeface="+mn-cs"/>
+              </a:rPr>
+              <a:t>&gt;(options =&gt;</a:t>
+            </a:r>
+          </a:p>
+          <a:p>
+            <a:r>
+              <a:rPr lang="en-CA" sz="1200" kern="1200" dirty="0">
+                <a:solidFill>
+                  <a:schemeClr val="tx1"/>
+                </a:solidFill>
+                <a:latin typeface="+mn-lt"/>
+                <a:ea typeface="+mn-ea"/>
+                <a:cs typeface="+mn-cs"/>
+              </a:rPr>
+              <a:t>                </a:t>
+            </a:r>
+            <a:r>
+              <a:rPr lang="en-CA" sz="1200" kern="1200" dirty="0" err="1">
+                <a:solidFill>
+                  <a:schemeClr val="tx1"/>
+                </a:solidFill>
+                <a:latin typeface="+mn-lt"/>
+                <a:ea typeface="+mn-ea"/>
+                <a:cs typeface="+mn-cs"/>
+              </a:rPr>
+              <a:t>options.UseSqlServer</a:t>
+            </a:r>
+            <a:r>
+              <a:rPr lang="en-CA" sz="1200" kern="1200" dirty="0">
+                <a:solidFill>
+                  <a:schemeClr val="tx1"/>
+                </a:solidFill>
+                <a:latin typeface="+mn-lt"/>
+                <a:ea typeface="+mn-ea"/>
+                <a:cs typeface="+mn-cs"/>
+              </a:rPr>
+              <a:t>(</a:t>
+            </a:r>
+            <a:r>
+              <a:rPr lang="en-CA" sz="1200" kern="1200" dirty="0" err="1">
+                <a:solidFill>
+                  <a:schemeClr val="tx1"/>
+                </a:solidFill>
+                <a:latin typeface="+mn-lt"/>
+                <a:ea typeface="+mn-ea"/>
+                <a:cs typeface="+mn-cs"/>
+              </a:rPr>
+              <a:t>Configuration.GetConnectionString</a:t>
+            </a:r>
+            <a:r>
+              <a:rPr lang="en-CA" sz="1200" kern="1200" dirty="0">
+                <a:solidFill>
+                  <a:schemeClr val="tx1"/>
+                </a:solidFill>
+                <a:latin typeface="+mn-lt"/>
+                <a:ea typeface="+mn-ea"/>
+                <a:cs typeface="+mn-cs"/>
+              </a:rPr>
+              <a:t>("</a:t>
+            </a:r>
+            <a:r>
+              <a:rPr lang="en-CA" sz="1200" kern="1200" dirty="0" err="1">
+                <a:solidFill>
+                  <a:schemeClr val="tx1"/>
+                </a:solidFill>
+                <a:latin typeface="+mn-lt"/>
+                <a:ea typeface="+mn-ea"/>
+                <a:cs typeface="+mn-cs"/>
+              </a:rPr>
+              <a:t>ConnectionStr</a:t>
+            </a:r>
+            <a:r>
+              <a:rPr lang="en-CA" sz="1200" kern="1200" dirty="0">
+                <a:solidFill>
+                  <a:schemeClr val="tx1"/>
+                </a:solidFill>
+                <a:latin typeface="+mn-lt"/>
+                <a:ea typeface="+mn-ea"/>
+                <a:cs typeface="+mn-cs"/>
+              </a:rPr>
+              <a:t>")));</a:t>
+            </a:r>
+          </a:p>
+          <a:p>
+            <a:endParaRPr lang="en-CA" sz="1200" kern="1200" dirty="0">
+              <a:solidFill>
+                <a:schemeClr val="tx1"/>
+              </a:solidFill>
+              <a:latin typeface="+mn-lt"/>
+              <a:ea typeface="+mn-ea"/>
+              <a:cs typeface="+mn-cs"/>
+            </a:endParaRPr>
+          </a:p>
+          <a:p>
+            <a:r>
+              <a:rPr lang="en-CA" sz="1200" kern="1200" dirty="0">
+                <a:solidFill>
+                  <a:schemeClr val="tx1"/>
+                </a:solidFill>
+                <a:latin typeface="+mn-lt"/>
+                <a:ea typeface="+mn-ea"/>
+                <a:cs typeface="+mn-cs"/>
+              </a:rPr>
+              <a:t>            </a:t>
+            </a:r>
+            <a:r>
+              <a:rPr lang="en-CA" sz="1200" kern="1200" dirty="0" err="1">
+                <a:solidFill>
+                  <a:schemeClr val="tx1"/>
+                </a:solidFill>
+                <a:latin typeface="+mn-lt"/>
+                <a:ea typeface="+mn-ea"/>
+                <a:cs typeface="+mn-cs"/>
+              </a:rPr>
+              <a:t>services.AddTransient</a:t>
+            </a:r>
+            <a:r>
+              <a:rPr lang="en-CA" sz="1200" kern="1200" dirty="0">
+                <a:solidFill>
+                  <a:schemeClr val="tx1"/>
+                </a:solidFill>
+                <a:latin typeface="+mn-lt"/>
+                <a:ea typeface="+mn-ea"/>
+                <a:cs typeface="+mn-cs"/>
+              </a:rPr>
+              <a:t>&lt;</a:t>
+            </a:r>
+            <a:r>
+              <a:rPr lang="en-CA" sz="1200" kern="1200" dirty="0" err="1">
+                <a:solidFill>
+                  <a:schemeClr val="tx1"/>
+                </a:solidFill>
+                <a:latin typeface="+mn-lt"/>
+                <a:ea typeface="+mn-ea"/>
+                <a:cs typeface="+mn-cs"/>
+              </a:rPr>
+              <a:t>IRepository</a:t>
+            </a:r>
+            <a:r>
+              <a:rPr lang="en-CA" sz="1200" kern="1200" dirty="0">
+                <a:solidFill>
+                  <a:schemeClr val="tx1"/>
+                </a:solidFill>
+                <a:latin typeface="+mn-lt"/>
+                <a:ea typeface="+mn-ea"/>
+                <a:cs typeface="+mn-cs"/>
+              </a:rPr>
+              <a:t>&lt;Restaurant&gt;, </a:t>
+            </a:r>
+            <a:r>
+              <a:rPr lang="en-CA" sz="1200" kern="1200" dirty="0" err="1">
+                <a:solidFill>
+                  <a:schemeClr val="tx1"/>
+                </a:solidFill>
+                <a:latin typeface="+mn-lt"/>
+                <a:ea typeface="+mn-ea"/>
+                <a:cs typeface="+mn-cs"/>
+              </a:rPr>
+              <a:t>RestaurantRepository</a:t>
+            </a:r>
+            <a:r>
+              <a:rPr lang="en-CA" sz="1200" kern="1200" dirty="0">
+                <a:solidFill>
+                  <a:schemeClr val="tx1"/>
+                </a:solidFill>
+                <a:latin typeface="+mn-lt"/>
+                <a:ea typeface="+mn-ea"/>
+                <a:cs typeface="+mn-cs"/>
+              </a:rPr>
+              <a:t>&gt;();</a:t>
+            </a:r>
+            <a:endParaRPr lang="en-CA" dirty="0"/>
+          </a:p>
+        </p:txBody>
+      </p:sp>
+      <p:sp>
+        <p:nvSpPr>
+          <p:cNvPr id="4" name="Slide Number Placeholder 3"/>
+          <p:cNvSpPr>
+            <a:spLocks noGrp="1"/>
+          </p:cNvSpPr>
+          <p:nvPr>
+            <p:ph type="sldNum" sz="quarter" idx="5"/>
+          </p:nvPr>
+        </p:nvSpPr>
+        <p:spPr/>
+        <p:txBody>
+          <a:bodyPr/>
+          <a:lstStyle/>
+          <a:p>
+            <a:fld id="{D653C7FE-4C66-45E3-AE22-5DB5ADC0C17A}" type="slidenum">
+              <a:rPr lang="en-CA" smtClean="0"/>
+              <a:t>13</a:t>
+            </a:fld>
+            <a:endParaRPr lang="en-CA"/>
+          </a:p>
+        </p:txBody>
+      </p:sp>
+    </p:spTree>
+    <p:extLst>
+      <p:ext uri="{BB962C8B-B14F-4D97-AF65-F5344CB8AC3E}">
+        <p14:creationId xmlns:p14="http://schemas.microsoft.com/office/powerpoint/2010/main" val="3760896958"/>
+      </p:ext>
+    </p:extLst>
+  </p:cSld>
+  <p:clrMapOvr>
+    <a:masterClrMapping/>
+  </p:clrMapOvr>
+</p:notes>
+</file>
+
+<file path=ppt/notesSlides/notesSlide9.xml><?xml version="1.0" encoding="utf-8"?>
+<p:notes xmlns:a="http://schemas.openxmlformats.org/drawingml/2006/main" xmlns:r="http://schemas.openxmlformats.org/officeDocument/2006/relationships" xmlns:p="http://schemas.openxmlformats.org/presentationml/2006/main">
+  <p:cSld>
+    <p:spTree>
+      <p:nvGrpSpPr>
+        <p:cNvPr id="1" name=""/>
+        <p:cNvGrpSpPr/>
+        <p:nvPr/>
+      </p:nvGrpSpPr>
+      <p:grpSpPr>
+        <a:xfrm>
+          <a:off x="0" y="0"/>
+          <a:ext cx="0" cy="0"/>
+          <a:chOff x="0" y="0"/>
+          <a:chExt cx="0" cy="0"/>
+        </a:xfrm>
+      </p:grpSpPr>
+      <p:sp>
+        <p:nvSpPr>
+          <p:cNvPr id="2" name="Slide Image Placeholder 1"/>
+          <p:cNvSpPr>
+            <a:spLocks noGrp="1" noRot="1" noChangeAspect="1"/>
+          </p:cNvSpPr>
+          <p:nvPr>
+            <p:ph type="sldImg"/>
+          </p:nvPr>
+        </p:nvSpPr>
+        <p:spPr/>
+      </p:sp>
+      <p:sp>
+        <p:nvSpPr>
+          <p:cNvPr id="3" name="Notes Placeholder 2"/>
+          <p:cNvSpPr>
+            <a:spLocks noGrp="1"/>
+          </p:cNvSpPr>
+          <p:nvPr>
+            <p:ph type="body" idx="1"/>
+          </p:nvPr>
+        </p:nvSpPr>
+        <p:spPr/>
+        <p:txBody>
+          <a:bodyPr/>
+          <a:lstStyle/>
+          <a:p>
+            <a:endParaRPr lang="en-CA" dirty="0"/>
+          </a:p>
+        </p:txBody>
+      </p:sp>
+      <p:sp>
+        <p:nvSpPr>
+          <p:cNvPr id="4" name="Slide Number Placeholder 3"/>
+          <p:cNvSpPr>
+            <a:spLocks noGrp="1"/>
+          </p:cNvSpPr>
+          <p:nvPr>
+            <p:ph type="sldNum" sz="quarter" idx="5"/>
+          </p:nvPr>
+        </p:nvSpPr>
+        <p:spPr/>
+        <p:txBody>
+          <a:bodyPr/>
+          <a:lstStyle/>
+          <a:p>
+            <a:fld id="{D653C7FE-4C66-45E3-AE22-5DB5ADC0C17A}" type="slidenum">
+              <a:rPr lang="en-CA" smtClean="0"/>
+              <a:t>14</a:t>
+            </a:fld>
+            <a:endParaRPr lang="en-CA"/>
+          </a:p>
+        </p:txBody>
+      </p:sp>
+    </p:spTree>
+    <p:extLst>
+      <p:ext uri="{BB962C8B-B14F-4D97-AF65-F5344CB8AC3E}">
+        <p14:creationId xmlns:p14="http://schemas.microsoft.com/office/powerpoint/2010/main" val="2164473804"/>
       </p:ext>
     </p:extLst>
   </p:cSld>
@@ -7065,6 +9067,606 @@
 </p:sld>
 </file>
 
+<file path=ppt/slides/slide10.xml><?xml version="1.0" encoding="utf-8"?>
+<p:sld xmlns:a="http://schemas.openxmlformats.org/drawingml/2006/main" xmlns:r="http://schemas.openxmlformats.org/officeDocument/2006/relationships" xmlns:p="http://schemas.openxmlformats.org/presentationml/2006/main">
+  <p:cSld>
+    <p:spTree>
+      <p:nvGrpSpPr>
+        <p:cNvPr id="1" name=""/>
+        <p:cNvGrpSpPr/>
+        <p:nvPr/>
+      </p:nvGrpSpPr>
+      <p:grpSpPr>
+        <a:xfrm>
+          <a:off x="0" y="0"/>
+          <a:ext cx="0" cy="0"/>
+          <a:chOff x="0" y="0"/>
+          <a:chExt cx="0" cy="0"/>
+        </a:xfrm>
+      </p:grpSpPr>
+      <p:pic>
+        <p:nvPicPr>
+          <p:cNvPr id="4" name="Picture 3">
+            <a:extLst>
+              <a:ext uri="{FF2B5EF4-FFF2-40B4-BE49-F238E27FC236}">
+                <a16:creationId xmlns:a16="http://schemas.microsoft.com/office/drawing/2014/main" id="{F0BDAE89-373C-48DF-BE86-E0312E7A05A3}"/>
+              </a:ext>
+            </a:extLst>
+          </p:cNvPr>
+          <p:cNvPicPr>
+            <a:picLocks noChangeAspect="1"/>
+          </p:cNvPicPr>
+          <p:nvPr/>
+        </p:nvPicPr>
+        <p:blipFill>
+          <a:blip r:embed="rId2"/>
+          <a:stretch>
+            <a:fillRect/>
+          </a:stretch>
+        </p:blipFill>
+        <p:spPr>
+          <a:xfrm>
+            <a:off x="2068481" y="136874"/>
+            <a:ext cx="8055038" cy="6584251"/>
+          </a:xfrm>
+          <a:prstGeom prst="rect">
+            <a:avLst/>
+          </a:prstGeom>
+        </p:spPr>
+      </p:pic>
+    </p:spTree>
+    <p:extLst>
+      <p:ext uri="{BB962C8B-B14F-4D97-AF65-F5344CB8AC3E}">
+        <p14:creationId xmlns:p14="http://schemas.microsoft.com/office/powerpoint/2010/main" val="4287570381"/>
+      </p:ext>
+    </p:extLst>
+  </p:cSld>
+  <p:clrMapOvr>
+    <a:masterClrMapping/>
+  </p:clrMapOvr>
+</p:sld>
+</file>
+
+<file path=ppt/slides/slide11.xml><?xml version="1.0" encoding="utf-8"?>
+<p:sld xmlns:a="http://schemas.openxmlformats.org/drawingml/2006/main" xmlns:r="http://schemas.openxmlformats.org/officeDocument/2006/relationships" xmlns:p="http://schemas.openxmlformats.org/presentationml/2006/main">
+  <p:cSld>
+    <p:spTree>
+      <p:nvGrpSpPr>
+        <p:cNvPr id="1" name=""/>
+        <p:cNvGrpSpPr/>
+        <p:nvPr/>
+      </p:nvGrpSpPr>
+      <p:grpSpPr>
+        <a:xfrm>
+          <a:off x="0" y="0"/>
+          <a:ext cx="0" cy="0"/>
+          <a:chOff x="0" y="0"/>
+          <a:chExt cx="0" cy="0"/>
+        </a:xfrm>
+      </p:grpSpPr>
+      <p:pic>
+        <p:nvPicPr>
+          <p:cNvPr id="4" name="Picture 3">
+            <a:extLst>
+              <a:ext uri="{FF2B5EF4-FFF2-40B4-BE49-F238E27FC236}">
+                <a16:creationId xmlns:a16="http://schemas.microsoft.com/office/drawing/2014/main" id="{5D4D202C-D185-421E-953D-A28A09D7E8A3}"/>
+              </a:ext>
+            </a:extLst>
+          </p:cNvPr>
+          <p:cNvPicPr>
+            <a:picLocks noChangeAspect="1"/>
+          </p:cNvPicPr>
+          <p:nvPr/>
+        </p:nvPicPr>
+        <p:blipFill>
+          <a:blip r:embed="rId3"/>
+          <a:stretch>
+            <a:fillRect/>
+          </a:stretch>
+        </p:blipFill>
+        <p:spPr>
+          <a:xfrm>
+            <a:off x="1603620" y="262615"/>
+            <a:ext cx="8984759" cy="6332769"/>
+          </a:xfrm>
+          <a:prstGeom prst="rect">
+            <a:avLst/>
+          </a:prstGeom>
+        </p:spPr>
+      </p:pic>
+    </p:spTree>
+    <p:extLst>
+      <p:ext uri="{BB962C8B-B14F-4D97-AF65-F5344CB8AC3E}">
+        <p14:creationId xmlns:p14="http://schemas.microsoft.com/office/powerpoint/2010/main" val="1082706887"/>
+      </p:ext>
+    </p:extLst>
+  </p:cSld>
+  <p:clrMapOvr>
+    <a:masterClrMapping/>
+  </p:clrMapOvr>
+</p:sld>
+</file>
+
+<file path=ppt/slides/slide12.xml><?xml version="1.0" encoding="utf-8"?>
+<p:sld xmlns:a="http://schemas.openxmlformats.org/drawingml/2006/main" xmlns:r="http://schemas.openxmlformats.org/officeDocument/2006/relationships" xmlns:p="http://schemas.openxmlformats.org/presentationml/2006/main">
+  <p:cSld>
+    <p:spTree>
+      <p:nvGrpSpPr>
+        <p:cNvPr id="1" name=""/>
+        <p:cNvGrpSpPr/>
+        <p:nvPr/>
+      </p:nvGrpSpPr>
+      <p:grpSpPr>
+        <a:xfrm>
+          <a:off x="0" y="0"/>
+          <a:ext cx="0" cy="0"/>
+          <a:chOff x="0" y="0"/>
+          <a:chExt cx="0" cy="0"/>
+        </a:xfrm>
+      </p:grpSpPr>
+      <p:pic>
+        <p:nvPicPr>
+          <p:cNvPr id="4" name="Picture 3">
+            <a:extLst>
+              <a:ext uri="{FF2B5EF4-FFF2-40B4-BE49-F238E27FC236}">
+                <a16:creationId xmlns:a16="http://schemas.microsoft.com/office/drawing/2014/main" id="{B39B0E83-8FB2-4B88-8EBA-A5B33A9287BC}"/>
+              </a:ext>
+            </a:extLst>
+          </p:cNvPr>
+          <p:cNvPicPr>
+            <a:picLocks noChangeAspect="1"/>
+          </p:cNvPicPr>
+          <p:nvPr/>
+        </p:nvPicPr>
+        <p:blipFill>
+          <a:blip r:embed="rId3"/>
+          <a:stretch>
+            <a:fillRect/>
+          </a:stretch>
+        </p:blipFill>
+        <p:spPr>
+          <a:xfrm>
+            <a:off x="1626482" y="285477"/>
+            <a:ext cx="8939035" cy="6287045"/>
+          </a:xfrm>
+          <a:prstGeom prst="rect">
+            <a:avLst/>
+          </a:prstGeom>
+        </p:spPr>
+      </p:pic>
+    </p:spTree>
+    <p:extLst>
+      <p:ext uri="{BB962C8B-B14F-4D97-AF65-F5344CB8AC3E}">
+        <p14:creationId xmlns:p14="http://schemas.microsoft.com/office/powerpoint/2010/main" val="1841237388"/>
+      </p:ext>
+    </p:extLst>
+  </p:cSld>
+  <p:clrMapOvr>
+    <a:masterClrMapping/>
+  </p:clrMapOvr>
+</p:sld>
+</file>
+
+<file path=ppt/slides/slide13.xml><?xml version="1.0" encoding="utf-8"?>
+<p:sld xmlns:a="http://schemas.openxmlformats.org/drawingml/2006/main" xmlns:r="http://schemas.openxmlformats.org/officeDocument/2006/relationships" xmlns:p="http://schemas.openxmlformats.org/presentationml/2006/main">
+  <p:cSld>
+    <p:spTree>
+      <p:nvGrpSpPr>
+        <p:cNvPr id="1" name=""/>
+        <p:cNvGrpSpPr/>
+        <p:nvPr/>
+      </p:nvGrpSpPr>
+      <p:grpSpPr>
+        <a:xfrm>
+          <a:off x="0" y="0"/>
+          <a:ext cx="0" cy="0"/>
+          <a:chOff x="0" y="0"/>
+          <a:chExt cx="0" cy="0"/>
+        </a:xfrm>
+      </p:grpSpPr>
+      <p:pic>
+        <p:nvPicPr>
+          <p:cNvPr id="4" name="Picture 3">
+            <a:extLst>
+              <a:ext uri="{FF2B5EF4-FFF2-40B4-BE49-F238E27FC236}">
+                <a16:creationId xmlns:a16="http://schemas.microsoft.com/office/drawing/2014/main" id="{960766E7-4772-498F-8454-2C15A9F5B94A}"/>
+              </a:ext>
+            </a:extLst>
+          </p:cNvPr>
+          <p:cNvPicPr>
+            <a:picLocks noChangeAspect="1"/>
+          </p:cNvPicPr>
+          <p:nvPr/>
+        </p:nvPicPr>
+        <p:blipFill>
+          <a:blip r:embed="rId3"/>
+          <a:stretch>
+            <a:fillRect/>
+          </a:stretch>
+        </p:blipFill>
+        <p:spPr>
+          <a:xfrm>
+            <a:off x="71868" y="152116"/>
+            <a:ext cx="12048264" cy="6553768"/>
+          </a:xfrm>
+          <a:prstGeom prst="rect">
+            <a:avLst/>
+          </a:prstGeom>
+        </p:spPr>
+      </p:pic>
+    </p:spTree>
+    <p:extLst>
+      <p:ext uri="{BB962C8B-B14F-4D97-AF65-F5344CB8AC3E}">
+        <p14:creationId xmlns:p14="http://schemas.microsoft.com/office/powerpoint/2010/main" val="2082624603"/>
+      </p:ext>
+    </p:extLst>
+  </p:cSld>
+  <p:clrMapOvr>
+    <a:masterClrMapping/>
+  </p:clrMapOvr>
+</p:sld>
+</file>
+
+<file path=ppt/slides/slide14.xml><?xml version="1.0" encoding="utf-8"?>
+<p:sld xmlns:a="http://schemas.openxmlformats.org/drawingml/2006/main" xmlns:r="http://schemas.openxmlformats.org/officeDocument/2006/relationships" xmlns:p="http://schemas.openxmlformats.org/presentationml/2006/main">
+  <p:cSld>
+    <p:spTree>
+      <p:nvGrpSpPr>
+        <p:cNvPr id="1" name=""/>
+        <p:cNvGrpSpPr/>
+        <p:nvPr/>
+      </p:nvGrpSpPr>
+      <p:grpSpPr>
+        <a:xfrm>
+          <a:off x="0" y="0"/>
+          <a:ext cx="0" cy="0"/>
+          <a:chOff x="0" y="0"/>
+          <a:chExt cx="0" cy="0"/>
+        </a:xfrm>
+      </p:grpSpPr>
+      <p:pic>
+        <p:nvPicPr>
+          <p:cNvPr id="4" name="Picture 3">
+            <a:extLst>
+              <a:ext uri="{FF2B5EF4-FFF2-40B4-BE49-F238E27FC236}">
+                <a16:creationId xmlns:a16="http://schemas.microsoft.com/office/drawing/2014/main" id="{EC0B0B8F-150D-4E6B-B1E6-BA2FE580941D}"/>
+              </a:ext>
+            </a:extLst>
+          </p:cNvPr>
+          <p:cNvPicPr>
+            <a:picLocks noChangeAspect="1"/>
+          </p:cNvPicPr>
+          <p:nvPr/>
+        </p:nvPicPr>
+        <p:blipFill>
+          <a:blip r:embed="rId3"/>
+          <a:stretch>
+            <a:fillRect/>
+          </a:stretch>
+        </p:blipFill>
+        <p:spPr>
+          <a:xfrm>
+            <a:off x="1022684" y="480613"/>
+            <a:ext cx="10146632" cy="5396421"/>
+          </a:xfrm>
+          <a:prstGeom prst="rect">
+            <a:avLst/>
+          </a:prstGeom>
+        </p:spPr>
+      </p:pic>
+    </p:spTree>
+    <p:extLst>
+      <p:ext uri="{BB962C8B-B14F-4D97-AF65-F5344CB8AC3E}">
+        <p14:creationId xmlns:p14="http://schemas.microsoft.com/office/powerpoint/2010/main" val="3306285151"/>
+      </p:ext>
+    </p:extLst>
+  </p:cSld>
+  <p:clrMapOvr>
+    <a:masterClrMapping/>
+  </p:clrMapOvr>
+</p:sld>
+</file>
+
+<file path=ppt/slides/slide15.xml><?xml version="1.0" encoding="utf-8"?>
+<p:sld xmlns:a="http://schemas.openxmlformats.org/drawingml/2006/main" xmlns:r="http://schemas.openxmlformats.org/officeDocument/2006/relationships" xmlns:p="http://schemas.openxmlformats.org/presentationml/2006/main">
+  <p:cSld>
+    <p:spTree>
+      <p:nvGrpSpPr>
+        <p:cNvPr id="1" name=""/>
+        <p:cNvGrpSpPr/>
+        <p:nvPr/>
+      </p:nvGrpSpPr>
+      <p:grpSpPr>
+        <a:xfrm>
+          <a:off x="0" y="0"/>
+          <a:ext cx="0" cy="0"/>
+          <a:chOff x="0" y="0"/>
+          <a:chExt cx="0" cy="0"/>
+        </a:xfrm>
+      </p:grpSpPr>
+      <p:pic>
+        <p:nvPicPr>
+          <p:cNvPr id="4" name="Picture 3">
+            <a:extLst>
+              <a:ext uri="{FF2B5EF4-FFF2-40B4-BE49-F238E27FC236}">
+                <a16:creationId xmlns:a16="http://schemas.microsoft.com/office/drawing/2014/main" id="{0B1BE388-2DBA-45A8-AE6F-80E51C71FADC}"/>
+              </a:ext>
+            </a:extLst>
+          </p:cNvPr>
+          <p:cNvPicPr>
+            <a:picLocks noChangeAspect="1"/>
+          </p:cNvPicPr>
+          <p:nvPr/>
+        </p:nvPicPr>
+        <p:blipFill>
+          <a:blip r:embed="rId2"/>
+          <a:stretch>
+            <a:fillRect/>
+          </a:stretch>
+        </p:blipFill>
+        <p:spPr>
+          <a:xfrm>
+            <a:off x="1622672" y="319770"/>
+            <a:ext cx="8946655" cy="6218459"/>
+          </a:xfrm>
+          <a:prstGeom prst="rect">
+            <a:avLst/>
+          </a:prstGeom>
+        </p:spPr>
+      </p:pic>
+    </p:spTree>
+    <p:extLst>
+      <p:ext uri="{BB962C8B-B14F-4D97-AF65-F5344CB8AC3E}">
+        <p14:creationId xmlns:p14="http://schemas.microsoft.com/office/powerpoint/2010/main" val="3337842749"/>
+      </p:ext>
+    </p:extLst>
+  </p:cSld>
+  <p:clrMapOvr>
+    <a:masterClrMapping/>
+  </p:clrMapOvr>
+</p:sld>
+</file>
+
+<file path=ppt/slides/slide16.xml><?xml version="1.0" encoding="utf-8"?>
+<p:sld xmlns:a="http://schemas.openxmlformats.org/drawingml/2006/main" xmlns:r="http://schemas.openxmlformats.org/officeDocument/2006/relationships" xmlns:p="http://schemas.openxmlformats.org/presentationml/2006/main">
+  <p:cSld>
+    <p:spTree>
+      <p:nvGrpSpPr>
+        <p:cNvPr id="1" name=""/>
+        <p:cNvGrpSpPr/>
+        <p:nvPr/>
+      </p:nvGrpSpPr>
+      <p:grpSpPr>
+        <a:xfrm>
+          <a:off x="0" y="0"/>
+          <a:ext cx="0" cy="0"/>
+          <a:chOff x="0" y="0"/>
+          <a:chExt cx="0" cy="0"/>
+        </a:xfrm>
+      </p:grpSpPr>
+      <p:pic>
+        <p:nvPicPr>
+          <p:cNvPr id="4" name="Picture 3">
+            <a:extLst>
+              <a:ext uri="{FF2B5EF4-FFF2-40B4-BE49-F238E27FC236}">
+                <a16:creationId xmlns:a16="http://schemas.microsoft.com/office/drawing/2014/main" id="{CD3F1F8F-C321-475B-9CC4-CD3224667DAA}"/>
+              </a:ext>
+            </a:extLst>
+          </p:cNvPr>
+          <p:cNvPicPr>
+            <a:picLocks noChangeAspect="1"/>
+          </p:cNvPicPr>
+          <p:nvPr/>
+        </p:nvPicPr>
+        <p:blipFill>
+          <a:blip r:embed="rId2"/>
+          <a:stretch>
+            <a:fillRect/>
+          </a:stretch>
+        </p:blipFill>
+        <p:spPr>
+          <a:xfrm>
+            <a:off x="3322079" y="1687679"/>
+            <a:ext cx="5547841" cy="3482642"/>
+          </a:xfrm>
+          <a:prstGeom prst="rect">
+            <a:avLst/>
+          </a:prstGeom>
+        </p:spPr>
+      </p:pic>
+    </p:spTree>
+    <p:extLst>
+      <p:ext uri="{BB962C8B-B14F-4D97-AF65-F5344CB8AC3E}">
+        <p14:creationId xmlns:p14="http://schemas.microsoft.com/office/powerpoint/2010/main" val="2934095876"/>
+      </p:ext>
+    </p:extLst>
+  </p:cSld>
+  <p:clrMapOvr>
+    <a:masterClrMapping/>
+  </p:clrMapOvr>
+</p:sld>
+</file>
+
+<file path=ppt/slides/slide17.xml><?xml version="1.0" encoding="utf-8"?>
+<p:sld xmlns:a="http://schemas.openxmlformats.org/drawingml/2006/main" xmlns:r="http://schemas.openxmlformats.org/officeDocument/2006/relationships" xmlns:p="http://schemas.openxmlformats.org/presentationml/2006/main">
+  <p:cSld>
+    <p:spTree>
+      <p:nvGrpSpPr>
+        <p:cNvPr id="1" name=""/>
+        <p:cNvGrpSpPr/>
+        <p:nvPr/>
+      </p:nvGrpSpPr>
+      <p:grpSpPr>
+        <a:xfrm>
+          <a:off x="0" y="0"/>
+          <a:ext cx="0" cy="0"/>
+          <a:chOff x="0" y="0"/>
+          <a:chExt cx="0" cy="0"/>
+        </a:xfrm>
+      </p:grpSpPr>
+      <p:pic>
+        <p:nvPicPr>
+          <p:cNvPr id="4" name="Picture 3">
+            <a:extLst>
+              <a:ext uri="{FF2B5EF4-FFF2-40B4-BE49-F238E27FC236}">
+                <a16:creationId xmlns:a16="http://schemas.microsoft.com/office/drawing/2014/main" id="{9055AC19-0702-4E00-83F1-C2BEB3E58B39}"/>
+              </a:ext>
+            </a:extLst>
+          </p:cNvPr>
+          <p:cNvPicPr>
+            <a:picLocks noChangeAspect="1"/>
+          </p:cNvPicPr>
+          <p:nvPr/>
+        </p:nvPicPr>
+        <p:blipFill>
+          <a:blip r:embed="rId3"/>
+          <a:stretch>
+            <a:fillRect/>
+          </a:stretch>
+        </p:blipFill>
+        <p:spPr>
+          <a:xfrm>
+            <a:off x="1130969" y="595543"/>
+            <a:ext cx="9280358" cy="4120115"/>
+          </a:xfrm>
+          <a:prstGeom prst="rect">
+            <a:avLst/>
+          </a:prstGeom>
+        </p:spPr>
+      </p:pic>
+    </p:spTree>
+    <p:extLst>
+      <p:ext uri="{BB962C8B-B14F-4D97-AF65-F5344CB8AC3E}">
+        <p14:creationId xmlns:p14="http://schemas.microsoft.com/office/powerpoint/2010/main" val="518233680"/>
+      </p:ext>
+    </p:extLst>
+  </p:cSld>
+  <p:clrMapOvr>
+    <a:masterClrMapping/>
+  </p:clrMapOvr>
+</p:sld>
+</file>
+
+<file path=ppt/slides/slide18.xml><?xml version="1.0" encoding="utf-8"?>
+<p:sld xmlns:a="http://schemas.openxmlformats.org/drawingml/2006/main" xmlns:r="http://schemas.openxmlformats.org/officeDocument/2006/relationships" xmlns:p="http://schemas.openxmlformats.org/presentationml/2006/main">
+  <p:cSld>
+    <p:spTree>
+      <p:nvGrpSpPr>
+        <p:cNvPr id="1" name=""/>
+        <p:cNvGrpSpPr/>
+        <p:nvPr/>
+      </p:nvGrpSpPr>
+      <p:grpSpPr>
+        <a:xfrm>
+          <a:off x="0" y="0"/>
+          <a:ext cx="0" cy="0"/>
+          <a:chOff x="0" y="0"/>
+          <a:chExt cx="0" cy="0"/>
+        </a:xfrm>
+      </p:grpSpPr>
+      <p:pic>
+        <p:nvPicPr>
+          <p:cNvPr id="4" name="Picture 3">
+            <a:extLst>
+              <a:ext uri="{FF2B5EF4-FFF2-40B4-BE49-F238E27FC236}">
+                <a16:creationId xmlns:a16="http://schemas.microsoft.com/office/drawing/2014/main" id="{9C29E893-C2CB-4CCA-B18D-F3E23F0E44B0}"/>
+              </a:ext>
+            </a:extLst>
+          </p:cNvPr>
+          <p:cNvPicPr>
+            <a:picLocks noChangeAspect="1"/>
+          </p:cNvPicPr>
+          <p:nvPr/>
+        </p:nvPicPr>
+        <p:blipFill>
+          <a:blip r:embed="rId2"/>
+          <a:stretch>
+            <a:fillRect/>
+          </a:stretch>
+        </p:blipFill>
+        <p:spPr>
+          <a:xfrm>
+            <a:off x="5387278" y="2705037"/>
+            <a:ext cx="1417443" cy="1447925"/>
+          </a:xfrm>
+          <a:prstGeom prst="rect">
+            <a:avLst/>
+          </a:prstGeom>
+        </p:spPr>
+      </p:pic>
+    </p:spTree>
+    <p:extLst>
+      <p:ext uri="{BB962C8B-B14F-4D97-AF65-F5344CB8AC3E}">
+        <p14:creationId xmlns:p14="http://schemas.microsoft.com/office/powerpoint/2010/main" val="2313690272"/>
+      </p:ext>
+    </p:extLst>
+  </p:cSld>
+  <p:clrMapOvr>
+    <a:masterClrMapping/>
+  </p:clrMapOvr>
+</p:sld>
+</file>
+
+<file path=ppt/slides/slide19.xml><?xml version="1.0" encoding="utf-8"?>
+<p:sld xmlns:a="http://schemas.openxmlformats.org/drawingml/2006/main" xmlns:r="http://schemas.openxmlformats.org/officeDocument/2006/relationships" xmlns:p="http://schemas.openxmlformats.org/presentationml/2006/main">
+  <p:cSld>
+    <p:spTree>
+      <p:nvGrpSpPr>
+        <p:cNvPr id="1" name=""/>
+        <p:cNvGrpSpPr/>
+        <p:nvPr/>
+      </p:nvGrpSpPr>
+      <p:grpSpPr>
+        <a:xfrm>
+          <a:off x="0" y="0"/>
+          <a:ext cx="0" cy="0"/>
+          <a:chOff x="0" y="0"/>
+          <a:chExt cx="0" cy="0"/>
+        </a:xfrm>
+      </p:grpSpPr>
+      <p:pic>
+        <p:nvPicPr>
+          <p:cNvPr id="4" name="Picture 3">
+            <a:extLst>
+              <a:ext uri="{FF2B5EF4-FFF2-40B4-BE49-F238E27FC236}">
+                <a16:creationId xmlns:a16="http://schemas.microsoft.com/office/drawing/2014/main" id="{13CF30AF-5131-4BEB-A44A-C63FF40BC003}"/>
+              </a:ext>
+            </a:extLst>
+          </p:cNvPr>
+          <p:cNvPicPr>
+            <a:picLocks noChangeAspect="1"/>
+          </p:cNvPicPr>
+          <p:nvPr/>
+        </p:nvPicPr>
+        <p:blipFill>
+          <a:blip r:embed="rId2"/>
+          <a:stretch>
+            <a:fillRect/>
+          </a:stretch>
+        </p:blipFill>
+        <p:spPr>
+          <a:xfrm>
+            <a:off x="593883" y="1409525"/>
+            <a:ext cx="11004234" cy="4038950"/>
+          </a:xfrm>
+          <a:prstGeom prst="rect">
+            <a:avLst/>
+          </a:prstGeom>
+        </p:spPr>
+      </p:pic>
+    </p:spTree>
+    <p:extLst>
+      <p:ext uri="{BB962C8B-B14F-4D97-AF65-F5344CB8AC3E}">
+        <p14:creationId xmlns:p14="http://schemas.microsoft.com/office/powerpoint/2010/main" val="2497216034"/>
+      </p:ext>
+    </p:extLst>
+  </p:cSld>
+  <p:clrMapOvr>
+    <a:masterClrMapping/>
+  </p:clrMapOvr>
+</p:sld>
+</file>
+
 <file path=ppt/slides/slide2.xml><?xml version="1.0" encoding="utf-8"?>
 <p:sld xmlns:a="http://schemas.openxmlformats.org/drawingml/2006/main" xmlns:r="http://schemas.openxmlformats.org/officeDocument/2006/relationships" xmlns:p="http://schemas.openxmlformats.org/presentationml/2006/main">
   <p:cSld>
@@ -7124,7 +9726,483 @@
 </p:sld>
 </file>
 
+<file path=ppt/slides/slide20.xml><?xml version="1.0" encoding="utf-8"?>
+<p:sld xmlns:a="http://schemas.openxmlformats.org/drawingml/2006/main" xmlns:r="http://schemas.openxmlformats.org/officeDocument/2006/relationships" xmlns:p="http://schemas.openxmlformats.org/presentationml/2006/main">
+  <p:cSld>
+    <p:spTree>
+      <p:nvGrpSpPr>
+        <p:cNvPr id="1" name=""/>
+        <p:cNvGrpSpPr/>
+        <p:nvPr/>
+      </p:nvGrpSpPr>
+      <p:grpSpPr>
+        <a:xfrm>
+          <a:off x="0" y="0"/>
+          <a:ext cx="0" cy="0"/>
+          <a:chOff x="0" y="0"/>
+          <a:chExt cx="0" cy="0"/>
+        </a:xfrm>
+      </p:grpSpPr>
+      <p:pic>
+        <p:nvPicPr>
+          <p:cNvPr id="6" name="Picture 5">
+            <a:extLst>
+              <a:ext uri="{FF2B5EF4-FFF2-40B4-BE49-F238E27FC236}">
+                <a16:creationId xmlns:a16="http://schemas.microsoft.com/office/drawing/2014/main" id="{68CBE32C-5D30-4B86-A242-C09590AE3074}"/>
+              </a:ext>
+            </a:extLst>
+          </p:cNvPr>
+          <p:cNvPicPr>
+            <a:picLocks noChangeAspect="1"/>
+          </p:cNvPicPr>
+          <p:nvPr/>
+        </p:nvPicPr>
+        <p:blipFill>
+          <a:blip r:embed="rId2"/>
+          <a:stretch>
+            <a:fillRect/>
+          </a:stretch>
+        </p:blipFill>
+        <p:spPr>
+          <a:xfrm>
+            <a:off x="45195" y="1394283"/>
+            <a:ext cx="12101609" cy="4069433"/>
+          </a:xfrm>
+          <a:prstGeom prst="rect">
+            <a:avLst/>
+          </a:prstGeom>
+        </p:spPr>
+      </p:pic>
+    </p:spTree>
+    <p:extLst>
+      <p:ext uri="{BB962C8B-B14F-4D97-AF65-F5344CB8AC3E}">
+        <p14:creationId xmlns:p14="http://schemas.microsoft.com/office/powerpoint/2010/main" val="2131871480"/>
+      </p:ext>
+    </p:extLst>
+  </p:cSld>
+  <p:clrMapOvr>
+    <a:masterClrMapping/>
+  </p:clrMapOvr>
+</p:sld>
+</file>
+
+<file path=ppt/slides/slide21.xml><?xml version="1.0" encoding="utf-8"?>
+<p:sld xmlns:a="http://schemas.openxmlformats.org/drawingml/2006/main" xmlns:r="http://schemas.openxmlformats.org/officeDocument/2006/relationships" xmlns:p="http://schemas.openxmlformats.org/presentationml/2006/main">
+  <p:cSld>
+    <p:spTree>
+      <p:nvGrpSpPr>
+        <p:cNvPr id="1" name=""/>
+        <p:cNvGrpSpPr/>
+        <p:nvPr/>
+      </p:nvGrpSpPr>
+      <p:grpSpPr>
+        <a:xfrm>
+          <a:off x="0" y="0"/>
+          <a:ext cx="0" cy="0"/>
+          <a:chOff x="0" y="0"/>
+          <a:chExt cx="0" cy="0"/>
+        </a:xfrm>
+      </p:grpSpPr>
+      <p:sp>
+        <p:nvSpPr>
+          <p:cNvPr id="4" name="Title 1">
+            <a:extLst>
+              <a:ext uri="{FF2B5EF4-FFF2-40B4-BE49-F238E27FC236}">
+                <a16:creationId xmlns:a16="http://schemas.microsoft.com/office/drawing/2014/main" id="{8D49DA60-6136-4A34-8915-C608657F45EF}"/>
+              </a:ext>
+            </a:extLst>
+          </p:cNvPr>
+          <p:cNvSpPr txBox="1">
+            <a:spLocks/>
+          </p:cNvSpPr>
+          <p:nvPr/>
+        </p:nvSpPr>
+        <p:spPr>
+          <a:xfrm>
+            <a:off x="1524000" y="1122363"/>
+            <a:ext cx="9954126" cy="2387600"/>
+          </a:xfrm>
+          <a:prstGeom prst="rect">
+            <a:avLst/>
+          </a:prstGeom>
+        </p:spPr>
+        <p:txBody>
+          <a:bodyPr vert="horz" lIns="91440" tIns="45720" rIns="91440" bIns="45720" rtlCol="0" anchor="ctr">
+            <a:normAutofit/>
+          </a:bodyPr>
+          <a:lstStyle>
+            <a:lvl1pPr algn="l" defTabSz="914400" rtl="0" eaLnBrk="1" latinLnBrk="0" hangingPunct="1">
+              <a:lnSpc>
+                <a:spcPct val="90000"/>
+              </a:lnSpc>
+              <a:spcBef>
+                <a:spcPct val="0"/>
+              </a:spcBef>
+              <a:buNone/>
+              <a:defRPr sz="4400" kern="1200">
+                <a:solidFill>
+                  <a:schemeClr val="tx1"/>
+                </a:solidFill>
+                <a:latin typeface="+mj-lt"/>
+                <a:ea typeface="+mj-ea"/>
+                <a:cs typeface="+mj-cs"/>
+              </a:defRPr>
+            </a:lvl1pPr>
+          </a:lstStyle>
+          <a:p>
+            <a:r>
+              <a:rPr lang="en-CA" sz="6000" dirty="0"/>
+              <a:t>Add image upload </a:t>
+            </a:r>
+            <a:r>
+              <a:rPr lang="en-CA" sz="6000" dirty="0" err="1"/>
+              <a:t>funcionality</a:t>
+            </a:r>
+            <a:r>
+              <a:rPr lang="en-CA" sz="6000" dirty="0"/>
+              <a:t> </a:t>
+            </a:r>
+          </a:p>
+        </p:txBody>
+      </p:sp>
+    </p:spTree>
+    <p:extLst>
+      <p:ext uri="{BB962C8B-B14F-4D97-AF65-F5344CB8AC3E}">
+        <p14:creationId xmlns:p14="http://schemas.microsoft.com/office/powerpoint/2010/main" val="1841009468"/>
+      </p:ext>
+    </p:extLst>
+  </p:cSld>
+  <p:clrMapOvr>
+    <a:masterClrMapping/>
+  </p:clrMapOvr>
+</p:sld>
+</file>
+
+<file path=ppt/slides/slide22.xml><?xml version="1.0" encoding="utf-8"?>
+<p:sld xmlns:a="http://schemas.openxmlformats.org/drawingml/2006/main" xmlns:r="http://schemas.openxmlformats.org/officeDocument/2006/relationships" xmlns:p="http://schemas.openxmlformats.org/presentationml/2006/main">
+  <p:cSld>
+    <p:spTree>
+      <p:nvGrpSpPr>
+        <p:cNvPr id="1" name=""/>
+        <p:cNvGrpSpPr/>
+        <p:nvPr/>
+      </p:nvGrpSpPr>
+      <p:grpSpPr>
+        <a:xfrm>
+          <a:off x="0" y="0"/>
+          <a:ext cx="0" cy="0"/>
+          <a:chOff x="0" y="0"/>
+          <a:chExt cx="0" cy="0"/>
+        </a:xfrm>
+      </p:grpSpPr>
+      <p:sp>
+        <p:nvSpPr>
+          <p:cNvPr id="4" name="Title 1">
+            <a:extLst>
+              <a:ext uri="{FF2B5EF4-FFF2-40B4-BE49-F238E27FC236}">
+                <a16:creationId xmlns:a16="http://schemas.microsoft.com/office/drawing/2014/main" id="{EC16ECDA-603C-45D1-A65E-487B9699ACCD}"/>
+              </a:ext>
+            </a:extLst>
+          </p:cNvPr>
+          <p:cNvSpPr txBox="1">
+            <a:spLocks/>
+          </p:cNvSpPr>
+          <p:nvPr/>
+        </p:nvSpPr>
+        <p:spPr>
+          <a:xfrm>
+            <a:off x="1524000" y="1122363"/>
+            <a:ext cx="9954126" cy="2387600"/>
+          </a:xfrm>
+          <a:prstGeom prst="rect">
+            <a:avLst/>
+          </a:prstGeom>
+        </p:spPr>
+        <p:txBody>
+          <a:bodyPr vert="horz" lIns="91440" tIns="45720" rIns="91440" bIns="45720" rtlCol="0" anchor="ctr">
+            <a:normAutofit/>
+          </a:bodyPr>
+          <a:lstStyle>
+            <a:lvl1pPr algn="l" defTabSz="914400" rtl="0" eaLnBrk="1" latinLnBrk="0" hangingPunct="1">
+              <a:lnSpc>
+                <a:spcPct val="90000"/>
+              </a:lnSpc>
+              <a:spcBef>
+                <a:spcPct val="0"/>
+              </a:spcBef>
+              <a:buNone/>
+              <a:defRPr sz="4400" kern="1200">
+                <a:solidFill>
+                  <a:schemeClr val="tx1"/>
+                </a:solidFill>
+                <a:latin typeface="+mj-lt"/>
+                <a:ea typeface="+mj-ea"/>
+                <a:cs typeface="+mj-cs"/>
+              </a:defRPr>
+            </a:lvl1pPr>
+          </a:lstStyle>
+          <a:p>
+            <a:r>
+              <a:rPr lang="en-CA" sz="6000" dirty="0"/>
+              <a:t>Beautify</a:t>
+            </a:r>
+          </a:p>
+        </p:txBody>
+      </p:sp>
+    </p:spTree>
+    <p:extLst>
+      <p:ext uri="{BB962C8B-B14F-4D97-AF65-F5344CB8AC3E}">
+        <p14:creationId xmlns:p14="http://schemas.microsoft.com/office/powerpoint/2010/main" val="1567660731"/>
+      </p:ext>
+    </p:extLst>
+  </p:cSld>
+  <p:clrMapOvr>
+    <a:masterClrMapping/>
+  </p:clrMapOvr>
+</p:sld>
+</file>
+
 <file path=ppt/slides/slide3.xml><?xml version="1.0" encoding="utf-8"?>
+<p:sld xmlns:a="http://schemas.openxmlformats.org/drawingml/2006/main" xmlns:r="http://schemas.openxmlformats.org/officeDocument/2006/relationships" xmlns:p="http://schemas.openxmlformats.org/presentationml/2006/main">
+  <p:cSld>
+    <p:spTree>
+      <p:nvGrpSpPr>
+        <p:cNvPr id="1" name=""/>
+        <p:cNvGrpSpPr/>
+        <p:nvPr/>
+      </p:nvGrpSpPr>
+      <p:grpSpPr>
+        <a:xfrm>
+          <a:off x="0" y="0"/>
+          <a:ext cx="0" cy="0"/>
+          <a:chOff x="0" y="0"/>
+          <a:chExt cx="0" cy="0"/>
+        </a:xfrm>
+      </p:grpSpPr>
+      <p:pic>
+        <p:nvPicPr>
+          <p:cNvPr id="4" name="Picture 3">
+            <a:extLst>
+              <a:ext uri="{FF2B5EF4-FFF2-40B4-BE49-F238E27FC236}">
+                <a16:creationId xmlns:a16="http://schemas.microsoft.com/office/drawing/2014/main" id="{DB22EDC4-D3A9-4C4D-9DEE-19E74F91F880}"/>
+              </a:ext>
+            </a:extLst>
+          </p:cNvPr>
+          <p:cNvPicPr>
+            <a:picLocks noChangeAspect="1"/>
+          </p:cNvPicPr>
+          <p:nvPr/>
+        </p:nvPicPr>
+        <p:blipFill>
+          <a:blip r:embed="rId3"/>
+          <a:stretch>
+            <a:fillRect/>
+          </a:stretch>
+        </p:blipFill>
+        <p:spPr>
+          <a:xfrm>
+            <a:off x="1386432" y="289288"/>
+            <a:ext cx="9419136" cy="6279424"/>
+          </a:xfrm>
+          <a:prstGeom prst="rect">
+            <a:avLst/>
+          </a:prstGeom>
+        </p:spPr>
+      </p:pic>
+    </p:spTree>
+    <p:extLst>
+      <p:ext uri="{BB962C8B-B14F-4D97-AF65-F5344CB8AC3E}">
+        <p14:creationId xmlns:p14="http://schemas.microsoft.com/office/powerpoint/2010/main" val="1594062918"/>
+      </p:ext>
+    </p:extLst>
+  </p:cSld>
+  <p:clrMapOvr>
+    <a:masterClrMapping/>
+  </p:clrMapOvr>
+</p:sld>
+</file>
+
+<file path=ppt/slides/slide4.xml><?xml version="1.0" encoding="utf-8"?>
+<p:sld xmlns:a="http://schemas.openxmlformats.org/drawingml/2006/main" xmlns:r="http://schemas.openxmlformats.org/officeDocument/2006/relationships" xmlns:p="http://schemas.openxmlformats.org/presentationml/2006/main">
+  <p:cSld>
+    <p:spTree>
+      <p:nvGrpSpPr>
+        <p:cNvPr id="1" name=""/>
+        <p:cNvGrpSpPr/>
+        <p:nvPr/>
+      </p:nvGrpSpPr>
+      <p:grpSpPr>
+        <a:xfrm>
+          <a:off x="0" y="0"/>
+          <a:ext cx="0" cy="0"/>
+          <a:chOff x="0" y="0"/>
+          <a:chExt cx="0" cy="0"/>
+        </a:xfrm>
+      </p:grpSpPr>
+      <p:pic>
+        <p:nvPicPr>
+          <p:cNvPr id="4" name="Picture 3">
+            <a:extLst>
+              <a:ext uri="{FF2B5EF4-FFF2-40B4-BE49-F238E27FC236}">
+                <a16:creationId xmlns:a16="http://schemas.microsoft.com/office/drawing/2014/main" id="{869F221A-3CD5-426D-8397-73A69AEA3D5D}"/>
+              </a:ext>
+            </a:extLst>
+          </p:cNvPr>
+          <p:cNvPicPr>
+            <a:picLocks noChangeAspect="1"/>
+          </p:cNvPicPr>
+          <p:nvPr/>
+        </p:nvPicPr>
+        <p:blipFill>
+          <a:blip r:embed="rId2"/>
+          <a:stretch>
+            <a:fillRect/>
+          </a:stretch>
+        </p:blipFill>
+        <p:spPr>
+          <a:xfrm>
+            <a:off x="1382621" y="171167"/>
+            <a:ext cx="9426757" cy="6515665"/>
+          </a:xfrm>
+          <a:prstGeom prst="rect">
+            <a:avLst/>
+          </a:prstGeom>
+        </p:spPr>
+      </p:pic>
+    </p:spTree>
+    <p:extLst>
+      <p:ext uri="{BB962C8B-B14F-4D97-AF65-F5344CB8AC3E}">
+        <p14:creationId xmlns:p14="http://schemas.microsoft.com/office/powerpoint/2010/main" val="3818146800"/>
+      </p:ext>
+    </p:extLst>
+  </p:cSld>
+  <p:clrMapOvr>
+    <a:masterClrMapping/>
+  </p:clrMapOvr>
+</p:sld>
+</file>
+
+<file path=ppt/slides/slide5.xml><?xml version="1.0" encoding="utf-8"?>
+<p:sld xmlns:a="http://schemas.openxmlformats.org/drawingml/2006/main" xmlns:r="http://schemas.openxmlformats.org/officeDocument/2006/relationships" xmlns:p="http://schemas.openxmlformats.org/presentationml/2006/main">
+  <p:cSld>
+    <p:spTree>
+      <p:nvGrpSpPr>
+        <p:cNvPr id="1" name=""/>
+        <p:cNvGrpSpPr/>
+        <p:nvPr/>
+      </p:nvGrpSpPr>
+      <p:grpSpPr>
+        <a:xfrm>
+          <a:off x="0" y="0"/>
+          <a:ext cx="0" cy="0"/>
+          <a:chOff x="0" y="0"/>
+          <a:chExt cx="0" cy="0"/>
+        </a:xfrm>
+      </p:grpSpPr>
+      <p:pic>
+        <p:nvPicPr>
+          <p:cNvPr id="4" name="Picture 3">
+            <a:extLst>
+              <a:ext uri="{FF2B5EF4-FFF2-40B4-BE49-F238E27FC236}">
+                <a16:creationId xmlns:a16="http://schemas.microsoft.com/office/drawing/2014/main" id="{AA2D903E-1592-40A1-A9C6-9FB988F4910A}"/>
+              </a:ext>
+            </a:extLst>
+          </p:cNvPr>
+          <p:cNvPicPr>
+            <a:picLocks noChangeAspect="1"/>
+          </p:cNvPicPr>
+          <p:nvPr/>
+        </p:nvPicPr>
+        <p:blipFill>
+          <a:blip r:embed="rId2"/>
+          <a:stretch>
+            <a:fillRect/>
+          </a:stretch>
+        </p:blipFill>
+        <p:spPr>
+          <a:xfrm>
+            <a:off x="1390242" y="247374"/>
+            <a:ext cx="9411516" cy="6363251"/>
+          </a:xfrm>
+          <a:prstGeom prst="rect">
+            <a:avLst/>
+          </a:prstGeom>
+        </p:spPr>
+      </p:pic>
+    </p:spTree>
+    <p:extLst>
+      <p:ext uri="{BB962C8B-B14F-4D97-AF65-F5344CB8AC3E}">
+        <p14:creationId xmlns:p14="http://schemas.microsoft.com/office/powerpoint/2010/main" val="3289030269"/>
+      </p:ext>
+    </p:extLst>
+  </p:cSld>
+  <p:clrMapOvr>
+    <a:masterClrMapping/>
+  </p:clrMapOvr>
+</p:sld>
+</file>
+
+<file path=ppt/slides/slide6.xml><?xml version="1.0" encoding="utf-8"?>
+<p:sld xmlns:a="http://schemas.openxmlformats.org/drawingml/2006/main" xmlns:r="http://schemas.openxmlformats.org/officeDocument/2006/relationships" xmlns:p="http://schemas.openxmlformats.org/presentationml/2006/main">
+  <p:cSld>
+    <p:spTree>
+      <p:nvGrpSpPr>
+        <p:cNvPr id="1" name=""/>
+        <p:cNvGrpSpPr/>
+        <p:nvPr/>
+      </p:nvGrpSpPr>
+      <p:grpSpPr>
+        <a:xfrm>
+          <a:off x="0" y="0"/>
+          <a:ext cx="0" cy="0"/>
+          <a:chOff x="0" y="0"/>
+          <a:chExt cx="0" cy="0"/>
+        </a:xfrm>
+      </p:grpSpPr>
+      <p:pic>
+        <p:nvPicPr>
+          <p:cNvPr id="4" name="Picture 3">
+            <a:extLst>
+              <a:ext uri="{FF2B5EF4-FFF2-40B4-BE49-F238E27FC236}">
+                <a16:creationId xmlns:a16="http://schemas.microsoft.com/office/drawing/2014/main" id="{C9AEF330-B940-4EBC-80A7-95AB7A313863}"/>
+              </a:ext>
+            </a:extLst>
+          </p:cNvPr>
+          <p:cNvPicPr>
+            <a:picLocks noChangeAspect="1"/>
+          </p:cNvPicPr>
+          <p:nvPr/>
+        </p:nvPicPr>
+        <p:blipFill>
+          <a:blip r:embed="rId2"/>
+          <a:stretch>
+            <a:fillRect/>
+          </a:stretch>
+        </p:blipFill>
+        <p:spPr>
+          <a:xfrm>
+            <a:off x="1401673" y="380736"/>
+            <a:ext cx="9388654" cy="6096528"/>
+          </a:xfrm>
+          <a:prstGeom prst="rect">
+            <a:avLst/>
+          </a:prstGeom>
+        </p:spPr>
+      </p:pic>
+    </p:spTree>
+    <p:extLst>
+      <p:ext uri="{BB962C8B-B14F-4D97-AF65-F5344CB8AC3E}">
+        <p14:creationId xmlns:p14="http://schemas.microsoft.com/office/powerpoint/2010/main" val="2460216689"/>
+      </p:ext>
+    </p:extLst>
+  </p:cSld>
+  <p:clrMapOvr>
+    <a:masterClrMapping/>
+  </p:clrMapOvr>
+</p:sld>
+</file>
+
+<file path=ppt/slides/slide7.xml><?xml version="1.0" encoding="utf-8"?>
 <p:sld xmlns:a="http://schemas.openxmlformats.org/drawingml/2006/main" xmlns:r="http://schemas.openxmlformats.org/officeDocument/2006/relationships" xmlns:p="http://schemas.openxmlformats.org/presentationml/2006/main">
   <p:cSld>
     <p:bg>
@@ -7226,7 +10304,7 @@
 </p:sld>
 </file>
 
-<file path=ppt/slides/slide4.xml><?xml version="1.0" encoding="utf-8"?>
+<file path=ppt/slides/slide8.xml><?xml version="1.0" encoding="utf-8"?>
 <p:sld xmlns:a="http://schemas.openxmlformats.org/drawingml/2006/main" xmlns:r="http://schemas.openxmlformats.org/officeDocument/2006/relationships" xmlns:p="http://schemas.openxmlformats.org/presentationml/2006/main">
   <p:cSld>
     <p:spTree>
@@ -7243,42 +10321,40 @@
           <a:chExt cx="0" cy="0"/>
         </a:xfrm>
       </p:grpSpPr>
-      <p:sp>
-        <p:nvSpPr>
-          <p:cNvPr id="2" name="Title 1">
+      <p:pic>
+        <p:nvPicPr>
+          <p:cNvPr id="4" name="Picture 3">
             <a:extLst>
               <a:ext uri="{FF2B5EF4-FFF2-40B4-BE49-F238E27FC236}">
-                <a16:creationId xmlns:a16="http://schemas.microsoft.com/office/drawing/2014/main" id="{CE0388FF-3631-450D-856C-9CDC79196C28}"/>
+                <a16:creationId xmlns:a16="http://schemas.microsoft.com/office/drawing/2014/main" id="{427D0589-62E6-4411-935F-6BFA1EEF31C8}"/>
               </a:ext>
             </a:extLst>
           </p:cNvPr>
-          <p:cNvSpPr>
-            <a:spLocks noGrp="1"/>
-          </p:cNvSpPr>
-          <p:nvPr>
-            <p:ph type="ctrTitle"/>
-          </p:nvPr>
-        </p:nvSpPr>
-        <p:spPr/>
-        <p:txBody>
-          <a:bodyPr/>
-          <a:lstStyle/>
-          <a:p>
-            <a:r>
-              <a:rPr lang="en-US" dirty="0"/>
-              <a:t>Seed Data</a:t>
-            </a:r>
-            <a:br>
-              <a:rPr lang="en-US" dirty="0"/>
-            </a:br>
-            <a:endParaRPr lang="en-CA" dirty="0"/>
-          </a:p>
-        </p:txBody>
-      </p:sp>
+          <p:cNvPicPr>
+            <a:picLocks noChangeAspect="1"/>
+          </p:cNvPicPr>
+          <p:nvPr/>
+        </p:nvPicPr>
+        <p:blipFill>
+          <a:blip r:embed="rId2"/>
+          <a:stretch>
+            <a:fillRect/>
+          </a:stretch>
+        </p:blipFill>
+        <p:spPr>
+          <a:xfrm>
+            <a:off x="1188294" y="1373781"/>
+            <a:ext cx="9815411" cy="5121084"/>
+          </a:xfrm>
+          <a:prstGeom prst="rect">
+            <a:avLst/>
+          </a:prstGeom>
+        </p:spPr>
+      </p:pic>
     </p:spTree>
     <p:extLst>
       <p:ext uri="{BB962C8B-B14F-4D97-AF65-F5344CB8AC3E}">
-        <p14:creationId xmlns:p14="http://schemas.microsoft.com/office/powerpoint/2010/main" val="1187403545"/>
+        <p14:creationId xmlns:p14="http://schemas.microsoft.com/office/powerpoint/2010/main" val="406187268"/>
       </p:ext>
     </p:extLst>
   </p:cSld>
@@ -7288,104 +10364,7 @@
 </p:sld>
 </file>
 
-<file path=ppt/slides/slide5.xml><?xml version="1.0" encoding="utf-8"?>
-<p:sld xmlns:a="http://schemas.openxmlformats.org/drawingml/2006/main" xmlns:r="http://schemas.openxmlformats.org/officeDocument/2006/relationships" xmlns:p="http://schemas.openxmlformats.org/presentationml/2006/main">
-  <p:cSld>
-    <p:bg>
-      <p:bgRef idx="1001">
-        <a:schemeClr val="bg1"/>
-      </p:bgRef>
-    </p:bg>
-    <p:spTree>
-      <p:nvGrpSpPr>
-        <p:cNvPr id="1" name=""/>
-        <p:cNvGrpSpPr/>
-        <p:nvPr/>
-      </p:nvGrpSpPr>
-      <p:grpSpPr>
-        <a:xfrm>
-          <a:off x="0" y="0"/>
-          <a:ext cx="0" cy="0"/>
-          <a:chOff x="0" y="0"/>
-          <a:chExt cx="0" cy="0"/>
-        </a:xfrm>
-      </p:grpSpPr>
-      <p:sp>
-        <p:nvSpPr>
-          <p:cNvPr id="4" name="Title 1">
-            <a:extLst>
-              <a:ext uri="{FF2B5EF4-FFF2-40B4-BE49-F238E27FC236}">
-                <a16:creationId xmlns:a16="http://schemas.microsoft.com/office/drawing/2014/main" id="{BB0B49F1-DBB2-467B-9928-E8C9F8352162}"/>
-              </a:ext>
-            </a:extLst>
-          </p:cNvPr>
-          <p:cNvSpPr txBox="1">
-            <a:spLocks/>
-          </p:cNvSpPr>
-          <p:nvPr/>
-        </p:nvSpPr>
-        <p:spPr>
-          <a:xfrm>
-            <a:off x="1524000" y="1122363"/>
-            <a:ext cx="9144000" cy="2387600"/>
-          </a:xfrm>
-          <a:prstGeom prst="rect">
-            <a:avLst/>
-          </a:prstGeom>
-        </p:spPr>
-        <p:txBody>
-          <a:bodyPr vert="horz" lIns="91440" tIns="45720" rIns="91440" bIns="45720" rtlCol="0" anchor="ctr">
-            <a:normAutofit/>
-          </a:bodyPr>
-          <a:lstStyle>
-            <a:lvl1pPr algn="l" defTabSz="914400" rtl="0" eaLnBrk="1" latinLnBrk="0" hangingPunct="1">
-              <a:lnSpc>
-                <a:spcPct val="90000"/>
-              </a:lnSpc>
-              <a:spcBef>
-                <a:spcPct val="0"/>
-              </a:spcBef>
-              <a:buNone/>
-              <a:defRPr sz="4400" kern="1200">
-                <a:solidFill>
-                  <a:schemeClr val="tx1"/>
-                </a:solidFill>
-                <a:latin typeface="+mj-lt"/>
-                <a:ea typeface="+mj-ea"/>
-                <a:cs typeface="+mj-cs"/>
-              </a:defRPr>
-            </a:lvl1pPr>
-          </a:lstStyle>
-          <a:p>
-            <a:r>
-              <a:rPr lang="en-CA" sz="6000" dirty="0"/>
-              <a:t>Create</a:t>
-            </a:r>
-            <a:r>
-              <a:rPr lang="en-CA" dirty="0"/>
-              <a:t> </a:t>
-            </a:r>
-            <a:r>
-              <a:rPr lang="en-CA" sz="6000" dirty="0"/>
-              <a:t>generic repository </a:t>
-            </a:r>
-          </a:p>
-        </p:txBody>
-      </p:sp>
-    </p:spTree>
-    <p:extLst>
-      <p:ext uri="{BB962C8B-B14F-4D97-AF65-F5344CB8AC3E}">
-        <p14:creationId xmlns:p14="http://schemas.microsoft.com/office/powerpoint/2010/main" val="8381377"/>
-      </p:ext>
-    </p:extLst>
-  </p:cSld>
-  <p:clrMapOvr>
-    <a:overrideClrMapping bg1="lt1" tx1="dk1" bg2="lt2" tx2="dk2" accent1="accent1" accent2="accent2" accent3="accent3" accent4="accent4" accent5="accent5" accent6="accent6" hlink="hlink" folHlink="folHlink"/>
-  </p:clrMapOvr>
-</p:sld>
-</file>
-
-<file path=ppt/slides/slide6.xml><?xml version="1.0" encoding="utf-8"?>
+<file path=ppt/slides/slide9.xml><?xml version="1.0" encoding="utf-8"?>
 <p:sld xmlns:a="http://schemas.openxmlformats.org/drawingml/2006/main" xmlns:r="http://schemas.openxmlformats.org/officeDocument/2006/relationships" xmlns:p="http://schemas.openxmlformats.org/presentationml/2006/main">
   <p:cSld>
     <p:spTree>
@@ -7402,156 +10381,40 @@
           <a:chExt cx="0" cy="0"/>
         </a:xfrm>
       </p:grpSpPr>
-      <p:sp>
-        <p:nvSpPr>
-          <p:cNvPr id="4" name="Title 1">
+      <p:pic>
+        <p:nvPicPr>
+          <p:cNvPr id="4" name="Picture 3">
             <a:extLst>
               <a:ext uri="{FF2B5EF4-FFF2-40B4-BE49-F238E27FC236}">
-                <a16:creationId xmlns:a16="http://schemas.microsoft.com/office/drawing/2014/main" id="{8D49DA60-6136-4A34-8915-C608657F45EF}"/>
+                <a16:creationId xmlns:a16="http://schemas.microsoft.com/office/drawing/2014/main" id="{6A617207-5E1E-4080-81B1-989F116E8AB8}"/>
               </a:ext>
             </a:extLst>
           </p:cNvPr>
-          <p:cNvSpPr txBox="1">
-            <a:spLocks/>
-          </p:cNvSpPr>
+          <p:cNvPicPr>
+            <a:picLocks noChangeAspect="1"/>
+          </p:cNvPicPr>
           <p:nvPr/>
-        </p:nvSpPr>
+        </p:nvPicPr>
+        <p:blipFill>
+          <a:blip r:embed="rId3"/>
+          <a:stretch>
+            <a:fillRect/>
+          </a:stretch>
+        </p:blipFill>
         <p:spPr>
           <a:xfrm>
-            <a:off x="1524000" y="1122363"/>
-            <a:ext cx="9954126" cy="2387600"/>
+            <a:off x="1043502" y="1135181"/>
+            <a:ext cx="10104996" cy="4587638"/>
           </a:xfrm>
           <a:prstGeom prst="rect">
             <a:avLst/>
           </a:prstGeom>
         </p:spPr>
-        <p:txBody>
-          <a:bodyPr vert="horz" lIns="91440" tIns="45720" rIns="91440" bIns="45720" rtlCol="0" anchor="ctr">
-            <a:normAutofit/>
-          </a:bodyPr>
-          <a:lstStyle>
-            <a:lvl1pPr algn="l" defTabSz="914400" rtl="0" eaLnBrk="1" latinLnBrk="0" hangingPunct="1">
-              <a:lnSpc>
-                <a:spcPct val="90000"/>
-              </a:lnSpc>
-              <a:spcBef>
-                <a:spcPct val="0"/>
-              </a:spcBef>
-              <a:buNone/>
-              <a:defRPr sz="4400" kern="1200">
-                <a:solidFill>
-                  <a:schemeClr val="tx1"/>
-                </a:solidFill>
-                <a:latin typeface="+mj-lt"/>
-                <a:ea typeface="+mj-ea"/>
-                <a:cs typeface="+mj-cs"/>
-              </a:defRPr>
-            </a:lvl1pPr>
-          </a:lstStyle>
-          <a:p>
-            <a:r>
-              <a:rPr lang="en-CA" sz="6000" dirty="0"/>
-              <a:t>Add image upload </a:t>
-            </a:r>
-            <a:r>
-              <a:rPr lang="en-CA" sz="6000" dirty="0" err="1"/>
-              <a:t>funcionality</a:t>
-            </a:r>
-            <a:r>
-              <a:rPr lang="en-CA" sz="6000" dirty="0"/>
-              <a:t> </a:t>
-            </a:r>
-          </a:p>
-        </p:txBody>
-      </p:sp>
+      </p:pic>
     </p:spTree>
     <p:extLst>
       <p:ext uri="{BB962C8B-B14F-4D97-AF65-F5344CB8AC3E}">
-        <p14:creationId xmlns:p14="http://schemas.microsoft.com/office/powerpoint/2010/main" val="1841009468"/>
-      </p:ext>
-    </p:extLst>
-  </p:cSld>
-  <p:clrMapOvr>
-    <a:masterClrMapping/>
-  </p:clrMapOvr>
-</p:sld>
-</file>
-
-<file path=ppt/slides/slide7.xml><?xml version="1.0" encoding="utf-8"?>
-<p:sld xmlns:a="http://schemas.openxmlformats.org/drawingml/2006/main" xmlns:r="http://schemas.openxmlformats.org/officeDocument/2006/relationships" xmlns:p="http://schemas.openxmlformats.org/presentationml/2006/main">
-  <p:cSld>
-    <p:spTree>
-      <p:nvGrpSpPr>
-        <p:cNvPr id="1" name=""/>
-        <p:cNvGrpSpPr/>
-        <p:nvPr/>
-      </p:nvGrpSpPr>
-      <p:grpSpPr>
-        <a:xfrm>
-          <a:off x="0" y="0"/>
-          <a:ext cx="0" cy="0"/>
-          <a:chOff x="0" y="0"/>
-          <a:chExt cx="0" cy="0"/>
-        </a:xfrm>
-      </p:grpSpPr>
-      <p:sp>
-        <p:nvSpPr>
-          <p:cNvPr id="4" name="Title 1">
-            <a:extLst>
-              <a:ext uri="{FF2B5EF4-FFF2-40B4-BE49-F238E27FC236}">
-                <a16:creationId xmlns:a16="http://schemas.microsoft.com/office/drawing/2014/main" id="{EC16ECDA-603C-45D1-A65E-487B9699ACCD}"/>
-              </a:ext>
-            </a:extLst>
-          </p:cNvPr>
-          <p:cNvSpPr txBox="1">
-            <a:spLocks/>
-          </p:cNvSpPr>
-          <p:nvPr/>
-        </p:nvSpPr>
-        <p:spPr>
-          <a:xfrm>
-            <a:off x="1524000" y="1122363"/>
-            <a:ext cx="9954126" cy="2387600"/>
-          </a:xfrm>
-          <a:prstGeom prst="rect">
-            <a:avLst/>
-          </a:prstGeom>
-        </p:spPr>
-        <p:txBody>
-          <a:bodyPr vert="horz" lIns="91440" tIns="45720" rIns="91440" bIns="45720" rtlCol="0" anchor="ctr">
-            <a:normAutofit/>
-          </a:bodyPr>
-          <a:lstStyle>
-            <a:lvl1pPr algn="l" defTabSz="914400" rtl="0" eaLnBrk="1" latinLnBrk="0" hangingPunct="1">
-              <a:lnSpc>
-                <a:spcPct val="90000"/>
-              </a:lnSpc>
-              <a:spcBef>
-                <a:spcPct val="0"/>
-              </a:spcBef>
-              <a:buNone/>
-              <a:defRPr sz="4400" kern="1200">
-                <a:solidFill>
-                  <a:schemeClr val="tx1"/>
-                </a:solidFill>
-                <a:latin typeface="+mj-lt"/>
-                <a:ea typeface="+mj-ea"/>
-                <a:cs typeface="+mj-cs"/>
-              </a:defRPr>
-            </a:lvl1pPr>
-          </a:lstStyle>
-          <a:p>
-            <a:r>
-              <a:rPr lang="en-CA" sz="6000" dirty="0"/>
-              <a:t>Beautify</a:t>
-            </a:r>
-          </a:p>
-        </p:txBody>
-      </p:sp>
-    </p:spTree>
-    <p:extLst>
-      <p:ext uri="{BB962C8B-B14F-4D97-AF65-F5344CB8AC3E}">
-        <p14:creationId xmlns:p14="http://schemas.microsoft.com/office/powerpoint/2010/main" val="1567660731"/>
+        <p14:creationId xmlns:p14="http://schemas.microsoft.com/office/powerpoint/2010/main" val="1791121415"/>
       </p:ext>
     </p:extLst>
   </p:cSld>
@@ -8192,47 +11055,4 @@
     </a:folHlink>
   </a:clrScheme>
 </a:themeOverride>
-</file>
-
-<file path=ppt/theme/themeOverride2.xml><?xml version="1.0" encoding="utf-8"?>
-<a:themeOverride xmlns:a="http://schemas.openxmlformats.org/drawingml/2006/main">
-  <a:clrScheme name="Office">
-    <a:dk1>
-      <a:sysClr val="windowText" lastClr="000000"/>
-    </a:dk1>
-    <a:lt1>
-      <a:sysClr val="window" lastClr="FFFFFF"/>
-    </a:lt1>
-    <a:dk2>
-      <a:srgbClr val="44546A"/>
-    </a:dk2>
-    <a:lt2>
-      <a:srgbClr val="E7E6E6"/>
-    </a:lt2>
-    <a:accent1>
-      <a:srgbClr val="4472C4"/>
-    </a:accent1>
-    <a:accent2>
-      <a:srgbClr val="ED7D31"/>
-    </a:accent2>
-    <a:accent3>
-      <a:srgbClr val="A5A5A5"/>
-    </a:accent3>
-    <a:accent4>
-      <a:srgbClr val="FFC000"/>
-    </a:accent4>
-    <a:accent5>
-      <a:srgbClr val="5B9BD5"/>
-    </a:accent5>
-    <a:accent6>
-      <a:srgbClr val="70AD47"/>
-    </a:accent6>
-    <a:hlink>
-      <a:srgbClr val="0563C1"/>
-    </a:hlink>
-    <a:folHlink>
-      <a:srgbClr val="954F72"/>
-    </a:folHlink>
-  </a:clrScheme>
-</a:themeOverride>
 </file>
--- a/IEEE Presentation/RestaurantAppPresentation.pptx
+++ b/IEEE Presentation/RestaurantAppPresentation.pptx
@@ -2774,6 +2774,90 @@
     <p:extLst>
       <p:ext uri="{BB962C8B-B14F-4D97-AF65-F5344CB8AC3E}">
         <p14:creationId xmlns:p14="http://schemas.microsoft.com/office/powerpoint/2010/main" val="3992174691"/>
+      </p:ext>
+    </p:extLst>
+  </p:cSld>
+  <p:clrMapOvr>
+    <a:masterClrMapping/>
+  </p:clrMapOvr>
+</p:notes>
+</file>
+
+<file path=ppt/notesSlides/notesSlide11.xml><?xml version="1.0" encoding="utf-8"?>
+<p:notes xmlns:a="http://schemas.openxmlformats.org/drawingml/2006/main" xmlns:r="http://schemas.openxmlformats.org/officeDocument/2006/relationships" xmlns:p="http://schemas.openxmlformats.org/presentationml/2006/main">
+  <p:cSld>
+    <p:spTree>
+      <p:nvGrpSpPr>
+        <p:cNvPr id="1" name=""/>
+        <p:cNvGrpSpPr/>
+        <p:nvPr/>
+      </p:nvGrpSpPr>
+      <p:grpSpPr>
+        <a:xfrm>
+          <a:off x="0" y="0"/>
+          <a:ext cx="0" cy="0"/>
+          <a:chOff x="0" y="0"/>
+          <a:chExt cx="0" cy="0"/>
+        </a:xfrm>
+      </p:grpSpPr>
+      <p:sp>
+        <p:nvSpPr>
+          <p:cNvPr id="2" name="Slide Image Placeholder 1"/>
+          <p:cNvSpPr>
+            <a:spLocks noGrp="1" noRot="1" noChangeAspect="1"/>
+          </p:cNvSpPr>
+          <p:nvPr>
+            <p:ph type="sldImg"/>
+          </p:nvPr>
+        </p:nvSpPr>
+        <p:spPr/>
+      </p:sp>
+      <p:sp>
+        <p:nvSpPr>
+          <p:cNvPr id="3" name="Notes Placeholder 2"/>
+          <p:cNvSpPr>
+            <a:spLocks noGrp="1"/>
+          </p:cNvSpPr>
+          <p:nvPr>
+            <p:ph type="body" idx="1"/>
+          </p:nvPr>
+        </p:nvSpPr>
+        <p:spPr/>
+        <p:txBody>
+          <a:bodyPr/>
+          <a:lstStyle/>
+          <a:p>
+            <a:endParaRPr lang="en-CA" dirty="0"/>
+          </a:p>
+        </p:txBody>
+      </p:sp>
+      <p:sp>
+        <p:nvSpPr>
+          <p:cNvPr id="4" name="Slide Number Placeholder 3"/>
+          <p:cNvSpPr>
+            <a:spLocks noGrp="1"/>
+          </p:cNvSpPr>
+          <p:nvPr>
+            <p:ph type="sldNum" sz="quarter" idx="5"/>
+          </p:nvPr>
+        </p:nvSpPr>
+        <p:spPr/>
+        <p:txBody>
+          <a:bodyPr/>
+          <a:lstStyle/>
+          <a:p>
+            <a:fld id="{D653C7FE-4C66-45E3-AE22-5DB5ADC0C17A}" type="slidenum">
+              <a:rPr lang="en-CA" smtClean="0"/>
+              <a:t>20</a:t>
+            </a:fld>
+            <a:endParaRPr lang="en-CA"/>
+          </a:p>
+        </p:txBody>
+      </p:sp>
+    </p:spTree>
+    <p:extLst>
+      <p:ext uri="{BB962C8B-B14F-4D97-AF65-F5344CB8AC3E}">
+        <p14:creationId xmlns:p14="http://schemas.microsoft.com/office/powerpoint/2010/main" val="2072289224"/>
       </p:ext>
     </p:extLst>
   </p:cSld>
@@ -9758,7 +9842,7 @@
           <p:nvPr/>
         </p:nvPicPr>
         <p:blipFill>
-          <a:blip r:embed="rId2"/>
+          <a:blip r:embed="rId3"/>
           <a:stretch>
             <a:fillRect/>
           </a:stretch>
